--- a/SE2021-G003-总体设计/SE2021-G003-总体设计.pptx
+++ b/SE2021-G003-总体设计/SE2021-G003-总体设计.pptx
@@ -8,44 +8,46 @@
     <p:sldId id="667" r:id="rId2"/>
     <p:sldId id="641" r:id="rId3"/>
     <p:sldId id="650" r:id="rId4"/>
-    <p:sldId id="647" r:id="rId5"/>
-    <p:sldId id="654" r:id="rId6"/>
+    <p:sldId id="654" r:id="rId5"/>
+    <p:sldId id="688" r:id="rId6"/>
     <p:sldId id="681" r:id="rId7"/>
     <p:sldId id="651" r:id="rId8"/>
     <p:sldId id="682" r:id="rId9"/>
     <p:sldId id="670" r:id="rId10"/>
-    <p:sldId id="683" r:id="rId11"/>
-    <p:sldId id="652" r:id="rId12"/>
-    <p:sldId id="684" r:id="rId13"/>
-    <p:sldId id="685" r:id="rId14"/>
-    <p:sldId id="643" r:id="rId15"/>
-    <p:sldId id="642" r:id="rId16"/>
-    <p:sldId id="687" r:id="rId17"/>
-    <p:sldId id="655" r:id="rId18"/>
-    <p:sldId id="673" r:id="rId19"/>
-    <p:sldId id="671" r:id="rId20"/>
-    <p:sldId id="660" r:id="rId21"/>
-    <p:sldId id="663" r:id="rId22"/>
+    <p:sldId id="689" r:id="rId11"/>
+    <p:sldId id="690" r:id="rId12"/>
+    <p:sldId id="691" r:id="rId13"/>
+    <p:sldId id="652" r:id="rId14"/>
+    <p:sldId id="684" r:id="rId15"/>
+    <p:sldId id="685" r:id="rId16"/>
+    <p:sldId id="643" r:id="rId17"/>
+    <p:sldId id="642" r:id="rId18"/>
+    <p:sldId id="687" r:id="rId19"/>
+    <p:sldId id="655" r:id="rId20"/>
+    <p:sldId id="673" r:id="rId21"/>
+    <p:sldId id="671" r:id="rId22"/>
+    <p:sldId id="660" r:id="rId23"/>
+    <p:sldId id="663" r:id="rId24"/>
   </p:sldIdLst>
   <p:sldSz cx="12192000" cy="6858000"/>
   <p:notesSz cx="6858000" cy="9144000"/>
   <p:embeddedFontLst>
     <p:embeddedFont>
       <p:font typeface="汉仪大宋简" panose="02010600030101010101" charset="-122"/>
-      <p:regular r:id="rId23"/>
+      <p:regular r:id="rId25"/>
     </p:embeddedFont>
     <p:embeddedFont>
       <p:font typeface="汉仪中等线简" panose="02010600030101010101" charset="-122"/>
-      <p:regular r:id="rId24"/>
+      <p:regular r:id="rId26"/>
     </p:embeddedFont>
     <p:embeddedFont>
       <p:font typeface="Arial Black" panose="020B0A04020102020204" pitchFamily="34" charset="0"/>
-      <p:regular r:id="rId25"/>
-      <p:bold r:id="rId26"/>
+      <p:regular r:id="rId27"/>
+      <p:bold r:id="rId28"/>
     </p:embeddedFont>
     <p:embeddedFont>
       <p:font typeface="华文细黑" panose="02010600040101010101" pitchFamily="2" charset="-122"/>
-      <p:regular r:id="rId27"/>
+      <p:regular r:id="rId29"/>
     </p:embeddedFont>
   </p:embeddedFontLst>
   <p:defaultTextStyle>
@@ -151,13 +153,15 @@
             <p14:sldId id="667"/>
             <p14:sldId id="641"/>
             <p14:sldId id="650"/>
-            <p14:sldId id="647"/>
             <p14:sldId id="654"/>
+            <p14:sldId id="688"/>
             <p14:sldId id="681"/>
             <p14:sldId id="651"/>
             <p14:sldId id="682"/>
             <p14:sldId id="670"/>
-            <p14:sldId id="683"/>
+            <p14:sldId id="689"/>
+            <p14:sldId id="690"/>
+            <p14:sldId id="691"/>
             <p14:sldId id="652"/>
             <p14:sldId id="684"/>
             <p14:sldId id="685"/>
@@ -3691,17 +3695,11 @@
           <p:cNvGraphicFramePr>
             <a:graphicFrameLocks noGrp="1"/>
           </p:cNvGraphicFramePr>
-          <p:nvPr>
-            <p:extLst>
-              <p:ext uri="{D42A27DB-BD31-4B8C-83A1-F6EECF244321}">
-                <p14:modId xmlns:p14="http://schemas.microsoft.com/office/powerpoint/2010/main" val="4149076230"/>
-              </p:ext>
-            </p:extLst>
-          </p:nvPr>
+          <p:nvPr/>
         </p:nvGraphicFramePr>
         <p:xfrm>
-          <a:off x="478565" y="1745160"/>
-          <a:ext cx="5486398" cy="3074669"/>
+          <a:off x="478565" y="1744317"/>
+          <a:ext cx="5486398" cy="3075512"/>
         </p:xfrm>
         <a:graphic>
           <a:graphicData uri="http://schemas.openxmlformats.org/drawingml/2006/table">
@@ -3725,7 +3723,7 @@
                   </a:extLst>
                 </a:gridCol>
               </a:tblGrid>
-              <a:tr h="415749">
+              <a:tr h="416592">
                 <a:tc gridSpan="2">
                   <a:txBody>
                     <a:bodyPr/>
@@ -3770,7 +3768,7 @@
                           <a:ea typeface="+mj-ea"/>
                           <a:cs typeface="+mj-cs"/>
                         </a:rPr>
-                        <a:t>设计者：张浩</a:t>
+                        <a:t>设计者：金方永</a:t>
                       </a:r>
                       <a:endParaRPr lang="zh-CN" altLang="en-US" sz="1400" dirty="0"/>
                     </a:p>
@@ -3837,7 +3835,7 @@
                           <a:ea typeface="+mj-ea"/>
                           <a:cs typeface="+mj-cs"/>
                         </a:rPr>
-                        <a:t>模块：错题本板块</a:t>
+                        <a:t>模块：主页板块</a:t>
                       </a:r>
                       <a:endParaRPr lang="en-US" altLang="zh-CN" sz="1400" kern="1200" dirty="0">
                         <a:solidFill>
@@ -3869,7 +3867,7 @@
                           <a:ea typeface="+mj-ea"/>
                           <a:cs typeface="+mj-cs"/>
                         </a:rPr>
-                        <a:t>1.4</a:t>
+                        <a:t>1.1</a:t>
                       </a:r>
                     </a:p>
                     <a:p>
@@ -3882,7 +3880,7 @@
                           <a:ea typeface="+mj-ea"/>
                           <a:cs typeface="+mj-cs"/>
                         </a:rPr>
-                        <a:t>被调用：查看</a:t>
+                        <a:t>被调用：查看，确认</a:t>
                       </a:r>
                       <a:endParaRPr lang="en-US" altLang="zh-CN" sz="1400" kern="1200" dirty="0">
                         <a:solidFill>
@@ -3914,7 +3912,7 @@
                           <a:ea typeface="+mj-ea"/>
                           <a:cs typeface="+mj-cs"/>
                         </a:rPr>
-                        <a:t>1.3.3</a:t>
+                        <a:t>1.3.1</a:t>
                       </a:r>
                     </a:p>
                   </a:txBody>
@@ -3951,29 +3949,7 @@
                           <a:ea typeface="+mj-ea"/>
                           <a:cs typeface="+mj-cs"/>
                         </a:rPr>
-                        <a:t>输入：错误提交报告编号</a:t>
-                      </a:r>
-                      <a:r>
-                        <a:rPr lang="en-US" altLang="zh-CN" sz="1400" kern="1200" dirty="0" err="1">
-                          <a:solidFill>
-                            <a:schemeClr val="accent1"/>
-                          </a:solidFill>
-                          <a:latin typeface="+mj-lt"/>
-                          <a:ea typeface="+mj-ea"/>
-                          <a:cs typeface="+mj-cs"/>
-                        </a:rPr>
-                        <a:t>submit_id,sut_id</a:t>
-                      </a:r>
-                      <a:r>
-                        <a:rPr lang="zh-CN" altLang="en-US" sz="1400" kern="1200" dirty="0">
-                          <a:solidFill>
-                            <a:schemeClr val="accent1"/>
-                          </a:solidFill>
-                          <a:latin typeface="+mj-lt"/>
-                          <a:ea typeface="+mj-ea"/>
-                          <a:cs typeface="+mj-cs"/>
-                        </a:rPr>
-                        <a:t>学生编号</a:t>
+                        <a:t>输入：学生用户登录成功</a:t>
                       </a:r>
                       <a:endParaRPr lang="en-US" altLang="zh-CN" sz="1400" kern="1200" dirty="0">
                         <a:solidFill>
@@ -4005,10 +3981,10 @@
                           <a:ea typeface="+mj-ea"/>
                           <a:cs typeface="+mj-cs"/>
                         </a:rPr>
-                        <a:t>if </a:t>
-                      </a:r>
-                      <a:r>
-                        <a:rPr lang="en-US" altLang="zh-CN" sz="1400" kern="1200" dirty="0" err="1">
+                        <a:t>if news</a:t>
+                      </a:r>
+                      <a:r>
+                        <a:rPr lang="zh-CN" altLang="en-US" sz="1400" kern="1200" dirty="0">
                           <a:solidFill>
                             <a:schemeClr val="accent1"/>
                           </a:solidFill>
@@ -4016,7 +3992,7 @@
                           <a:ea typeface="+mj-ea"/>
                           <a:cs typeface="+mj-cs"/>
                         </a:rPr>
-                        <a:t>submit_id</a:t>
+                        <a:t>表中</a:t>
                       </a:r>
                       <a:r>
                         <a:rPr lang="en-US" altLang="zh-CN" sz="1400" kern="1200" dirty="0">
@@ -4027,7 +4003,7 @@
                           <a:ea typeface="+mj-ea"/>
                           <a:cs typeface="+mj-cs"/>
                         </a:rPr>
-                        <a:t> </a:t>
+                        <a:t>receiver</a:t>
                       </a:r>
                       <a:r>
                         <a:rPr lang="zh-CN" altLang="en-US" sz="1400" kern="1200" dirty="0">
@@ -4038,7 +4014,7 @@
                           <a:ea typeface="+mj-ea"/>
                           <a:cs typeface="+mj-cs"/>
                         </a:rPr>
-                        <a:t>存在 </a:t>
+                        <a:t>为当前用户，并且</a:t>
                       </a:r>
                       <a:r>
                         <a:rPr lang="en-US" altLang="zh-CN" sz="1400" kern="1200" dirty="0">
@@ -4049,29 +4025,7 @@
                           <a:ea typeface="+mj-ea"/>
                           <a:cs typeface="+mj-cs"/>
                         </a:rPr>
-                        <a:t>then add </a:t>
-                      </a:r>
-                      <a:r>
-                        <a:rPr lang="en-US" altLang="zh-CN" sz="1400" kern="1200" dirty="0" err="1">
-                          <a:solidFill>
-                            <a:schemeClr val="accent1"/>
-                          </a:solidFill>
-                          <a:latin typeface="+mj-lt"/>
-                          <a:ea typeface="+mj-ea"/>
-                          <a:cs typeface="+mj-cs"/>
-                        </a:rPr>
-                        <a:t>submit_id</a:t>
-                      </a:r>
-                      <a:r>
-                        <a:rPr lang="en-US" altLang="zh-CN" sz="1400" kern="1200" dirty="0">
-                          <a:solidFill>
-                            <a:schemeClr val="accent1"/>
-                          </a:solidFill>
-                          <a:latin typeface="+mj-lt"/>
-                          <a:ea typeface="+mj-ea"/>
-                          <a:cs typeface="+mj-cs"/>
-                        </a:rPr>
-                        <a:t> </a:t>
+                        <a:t>state</a:t>
                       </a:r>
                       <a:r>
                         <a:rPr lang="zh-CN" altLang="en-US" sz="1400" kern="1200" dirty="0">
@@ -4082,51 +4036,7 @@
                           <a:ea typeface="+mj-ea"/>
                           <a:cs typeface="+mj-cs"/>
                         </a:rPr>
-                        <a:t>记录 </a:t>
-                      </a:r>
-                      <a:r>
-                        <a:rPr lang="en-US" altLang="zh-CN" sz="1400" kern="1200" dirty="0">
-                          <a:solidFill>
-                            <a:schemeClr val="accent1"/>
-                          </a:solidFill>
-                          <a:latin typeface="+mj-lt"/>
-                          <a:ea typeface="+mj-ea"/>
-                          <a:cs typeface="+mj-cs"/>
-                        </a:rPr>
-                        <a:t>to </a:t>
-                      </a:r>
-                      <a:r>
-                        <a:rPr lang="en-US" altLang="zh-CN" sz="1400" kern="1200" dirty="0" err="1">
-                          <a:solidFill>
-                            <a:schemeClr val="accent1"/>
-                          </a:solidFill>
-                          <a:latin typeface="+mj-lt"/>
-                          <a:ea typeface="+mj-ea"/>
-                          <a:cs typeface="+mj-cs"/>
-                        </a:rPr>
-                        <a:t>stu_id</a:t>
-                      </a:r>
-                      <a:r>
-                        <a:rPr lang="en-US" altLang="zh-CN" sz="1400" kern="1200" dirty="0">
-                          <a:solidFill>
-                            <a:schemeClr val="accent1"/>
-                          </a:solidFill>
-                          <a:latin typeface="+mj-lt"/>
-                          <a:ea typeface="+mj-ea"/>
-                          <a:cs typeface="+mj-cs"/>
-                        </a:rPr>
-                        <a:t> wrong</a:t>
-                      </a:r>
-                      <a:r>
-                        <a:rPr lang="zh-CN" altLang="en-US" sz="1400" kern="1200" dirty="0">
-                          <a:solidFill>
-                            <a:schemeClr val="accent1"/>
-                          </a:solidFill>
-                          <a:latin typeface="+mj-lt"/>
-                          <a:ea typeface="+mj-ea"/>
-                          <a:cs typeface="+mj-cs"/>
-                        </a:rPr>
-                        <a:t>表</a:t>
+                        <a:t>为未读，展现未读公告</a:t>
                       </a:r>
                       <a:endParaRPr lang="en-US" altLang="zh-CN" sz="1400" kern="1200" dirty="0">
                         <a:solidFill>
@@ -4150,17 +4060,6 @@
                         <a:t>输出：</a:t>
                       </a:r>
                       <a:r>
-                        <a:rPr lang="en-US" altLang="zh-CN" sz="1400" kern="1200" dirty="0" err="1">
-                          <a:solidFill>
-                            <a:schemeClr val="accent1"/>
-                          </a:solidFill>
-                          <a:latin typeface="+mj-lt"/>
-                          <a:ea typeface="+mj-ea"/>
-                          <a:cs typeface="+mj-cs"/>
-                        </a:rPr>
-                        <a:t>submit_id</a:t>
-                      </a:r>
-                      <a:r>
                         <a:rPr lang="en-US" altLang="zh-CN" sz="1400" kern="1200" dirty="0">
                           <a:solidFill>
                             <a:schemeClr val="accent1"/>
@@ -4169,7 +4068,7 @@
                           <a:ea typeface="+mj-ea"/>
                           <a:cs typeface="+mj-cs"/>
                         </a:rPr>
-                        <a:t> </a:t>
+                        <a:t>news</a:t>
                       </a:r>
                       <a:r>
                         <a:rPr lang="zh-CN" altLang="en-US" sz="1400" kern="1200" dirty="0">
@@ -4180,7 +4079,7 @@
                           <a:ea typeface="+mj-ea"/>
                           <a:cs typeface="+mj-cs"/>
                         </a:rPr>
-                        <a:t>记录</a:t>
+                        <a:t>表中状态记为已读</a:t>
                       </a:r>
                       <a:endParaRPr lang="zh-CN" altLang="en-US" sz="1400" dirty="0"/>
                     </a:p>
@@ -4244,53 +4143,423 @@
           </a:graphicData>
         </a:graphic>
       </p:graphicFrame>
-      <p:sp>
-        <p:nvSpPr>
-          <p:cNvPr id="7" name="文本框 6">
+      <p:graphicFrame>
+        <p:nvGraphicFramePr>
+          <p:cNvPr id="8" name="表格 6">
             <a:extLst>
               <a:ext uri="{FF2B5EF4-FFF2-40B4-BE49-F238E27FC236}">
-                <a16:creationId xmlns:a16="http://schemas.microsoft.com/office/drawing/2014/main" id="{0E5A8431-9473-40E2-B714-E34E53529362}"/>
+                <a16:creationId xmlns:a16="http://schemas.microsoft.com/office/drawing/2014/main" id="{EA2A9FBF-FF92-421C-B71E-77FED4170EDA}"/>
               </a:ext>
             </a:extLst>
           </p:cNvPr>
-          <p:cNvSpPr txBox="1"/>
+          <p:cNvGraphicFramePr>
+            <a:graphicFrameLocks noGrp="1"/>
+          </p:cNvGraphicFramePr>
           <p:nvPr/>
-        </p:nvSpPr>
-        <p:spPr>
-          <a:xfrm>
-            <a:off x="7155809" y="1870744"/>
-            <a:ext cx="2810312" cy="1446550"/>
-          </a:xfrm>
-          <a:prstGeom prst="rect">
-            <a:avLst/>
-          </a:prstGeom>
-          <a:noFill/>
-        </p:spPr>
-        <p:txBody>
-          <a:bodyPr wrap="square" rtlCol="0">
-            <a:spAutoFit/>
-          </a:bodyPr>
-          <a:lstStyle/>
-          <a:p>
-            <a:r>
-              <a:rPr lang="zh-CN" altLang="en-US" sz="4400" dirty="0"/>
-              <a:t>每人写</a:t>
-            </a:r>
-            <a:r>
-              <a:rPr lang="en-US" altLang="zh-CN" sz="4400" dirty="0"/>
-              <a:t>3</a:t>
-            </a:r>
-            <a:r>
-              <a:rPr lang="zh-CN" altLang="en-US" sz="4400" dirty="0"/>
-              <a:t>个贴上来</a:t>
-            </a:r>
-          </a:p>
-        </p:txBody>
-      </p:sp>
+        </p:nvGraphicFramePr>
+        <p:xfrm>
+          <a:off x="6281361" y="1744317"/>
+          <a:ext cx="5486398" cy="3040725"/>
+        </p:xfrm>
+        <a:graphic>
+          <a:graphicData uri="http://schemas.openxmlformats.org/drawingml/2006/table">
+            <a:tbl>
+              <a:tblPr firstRow="1" bandRow="1">
+                <a:tableStyleId>{5C22544A-7EE6-4342-B048-85BDC9FD1C3A}</a:tableStyleId>
+              </a:tblPr>
+              <a:tblGrid>
+                <a:gridCol w="2740418">
+                  <a:extLst>
+                    <a:ext uri="{9D8B030D-6E8A-4147-A177-3AD203B41FA5}">
+                      <a16:colId xmlns:a16="http://schemas.microsoft.com/office/drawing/2014/main" val="784931328"/>
+                    </a:ext>
+                  </a:extLst>
+                </a:gridCol>
+                <a:gridCol w="2745980">
+                  <a:extLst>
+                    <a:ext uri="{9D8B030D-6E8A-4147-A177-3AD203B41FA5}">
+                      <a16:colId xmlns:a16="http://schemas.microsoft.com/office/drawing/2014/main" val="2941244266"/>
+                    </a:ext>
+                  </a:extLst>
+                </a:gridCol>
+              </a:tblGrid>
+              <a:tr h="381805">
+                <a:tc gridSpan="2">
+                  <a:txBody>
+                    <a:bodyPr/>
+                    <a:lstStyle/>
+                    <a:p>
+                      <a:r>
+                        <a:rPr lang="zh-CN" altLang="en-US" sz="1400" dirty="0"/>
+                        <a:t>系统：爱刷题系统</a:t>
+                      </a:r>
+                    </a:p>
+                  </a:txBody>
+                  <a:tcPr/>
+                </a:tc>
+                <a:tc hMerge="1">
+                  <a:txBody>
+                    <a:bodyPr/>
+                    <a:lstStyle/>
+                    <a:p>
+                      <a:endParaRPr lang="zh-CN" altLang="en-US" dirty="0"/>
+                    </a:p>
+                  </a:txBody>
+                  <a:tcPr/>
+                </a:tc>
+                <a:extLst>
+                  <a:ext uri="{0D108BD9-81ED-4DB2-BD59-A6C34878D82A}">
+                    <a16:rowId xmlns:a16="http://schemas.microsoft.com/office/drawing/2014/main" val="2904030591"/>
+                  </a:ext>
+                </a:extLst>
+              </a:tr>
+              <a:tr h="330009">
+                <a:tc>
+                  <a:txBody>
+                    <a:bodyPr/>
+                    <a:lstStyle/>
+                    <a:p>
+                      <a:r>
+                        <a:rPr lang="zh-CN" altLang="en-US" sz="1400" kern="1200" dirty="0">
+                          <a:solidFill>
+                            <a:schemeClr val="accent1"/>
+                          </a:solidFill>
+                          <a:latin typeface="+mj-lt"/>
+                          <a:ea typeface="+mj-ea"/>
+                          <a:cs typeface="+mj-cs"/>
+                        </a:rPr>
+                        <a:t>设计者：金方永</a:t>
+                      </a:r>
+                      <a:endParaRPr lang="zh-CN" altLang="en-US" sz="1400" dirty="0"/>
+                    </a:p>
+                  </a:txBody>
+                  <a:tcPr/>
+                </a:tc>
+                <a:tc>
+                  <a:txBody>
+                    <a:bodyPr/>
+                    <a:lstStyle/>
+                    <a:p>
+                      <a:r>
+                        <a:rPr lang="zh-CN" altLang="en-US" sz="1400" kern="1200" dirty="0">
+                          <a:solidFill>
+                            <a:schemeClr val="accent1"/>
+                          </a:solidFill>
+                          <a:latin typeface="+mj-lt"/>
+                          <a:ea typeface="+mj-ea"/>
+                          <a:cs typeface="+mj-cs"/>
+                        </a:rPr>
+                        <a:t>日期：</a:t>
+                      </a:r>
+                      <a:r>
+                        <a:rPr lang="en-US" altLang="zh-CN" sz="1400" kern="1200" dirty="0">
+                          <a:solidFill>
+                            <a:schemeClr val="accent1"/>
+                          </a:solidFill>
+                          <a:latin typeface="+mj-lt"/>
+                          <a:ea typeface="+mj-ea"/>
+                          <a:cs typeface="+mj-cs"/>
+                        </a:rPr>
+                        <a:t>2021/11/7</a:t>
+                      </a:r>
+                      <a:endParaRPr lang="zh-CN" altLang="en-US" sz="1400" kern="1200" dirty="0">
+                        <a:solidFill>
+                          <a:schemeClr val="accent1"/>
+                        </a:solidFill>
+                        <a:latin typeface="+mj-lt"/>
+                        <a:ea typeface="+mj-ea"/>
+                        <a:cs typeface="+mj-cs"/>
+                      </a:endParaRPr>
+                    </a:p>
+                  </a:txBody>
+                  <a:tcPr/>
+                </a:tc>
+                <a:extLst>
+                  <a:ext uri="{0D108BD9-81ED-4DB2-BD59-A6C34878D82A}">
+                    <a16:rowId xmlns:a16="http://schemas.microsoft.com/office/drawing/2014/main" val="1600763061"/>
+                  </a:ext>
+                </a:extLst>
+              </a:tr>
+              <a:tr h="956581">
+                <a:tc gridSpan="2">
+                  <a:txBody>
+                    <a:bodyPr/>
+                    <a:lstStyle/>
+                    <a:p>
+                      <a:r>
+                        <a:rPr lang="zh-CN" altLang="en-US" sz="1400" kern="1200" dirty="0">
+                          <a:solidFill>
+                            <a:schemeClr val="accent1"/>
+                          </a:solidFill>
+                          <a:latin typeface="+mj-lt"/>
+                          <a:ea typeface="+mj-ea"/>
+                          <a:cs typeface="+mj-cs"/>
+                        </a:rPr>
+                        <a:t>模块：题目板块</a:t>
+                      </a:r>
+                      <a:endParaRPr lang="en-US" altLang="zh-CN" sz="1400" kern="1200" dirty="0">
+                        <a:solidFill>
+                          <a:schemeClr val="accent1"/>
+                        </a:solidFill>
+                        <a:latin typeface="+mj-lt"/>
+                        <a:ea typeface="+mj-ea"/>
+                        <a:cs typeface="+mj-cs"/>
+                      </a:endParaRPr>
+                    </a:p>
+                    <a:p>
+                      <a:r>
+                        <a:rPr lang="zh-CN" altLang="en-US" sz="1400" kern="1200" dirty="0">
+                          <a:solidFill>
+                            <a:schemeClr val="accent1"/>
+                          </a:solidFill>
+                          <a:latin typeface="+mj-lt"/>
+                          <a:ea typeface="+mj-ea"/>
+                          <a:cs typeface="+mj-cs"/>
+                        </a:rPr>
+                        <a:t>编号：</a:t>
+                      </a:r>
+                      <a:r>
+                        <a:rPr lang="en-US" altLang="zh-CN" sz="1400" kern="1200" dirty="0">
+                          <a:solidFill>
+                            <a:schemeClr val="accent1"/>
+                          </a:solidFill>
+                          <a:latin typeface="+mj-lt"/>
+                          <a:ea typeface="+mj-ea"/>
+                          <a:cs typeface="+mj-cs"/>
+                        </a:rPr>
+                        <a:t>1.2</a:t>
+                      </a:r>
+                    </a:p>
+                    <a:p>
+                      <a:r>
+                        <a:rPr lang="zh-CN" altLang="en-US" sz="1400" kern="1200" dirty="0">
+                          <a:solidFill>
+                            <a:schemeClr val="accent1"/>
+                          </a:solidFill>
+                          <a:latin typeface="+mj-lt"/>
+                          <a:ea typeface="+mj-ea"/>
+                          <a:cs typeface="+mj-cs"/>
+                        </a:rPr>
+                        <a:t>被调用：选择科目、选择选项、提交</a:t>
+                      </a:r>
+                      <a:endParaRPr lang="en-US" altLang="zh-CN" sz="1400" kern="1200" dirty="0">
+                        <a:solidFill>
+                          <a:schemeClr val="accent1"/>
+                        </a:solidFill>
+                        <a:latin typeface="+mj-lt"/>
+                        <a:ea typeface="+mj-ea"/>
+                        <a:cs typeface="+mj-cs"/>
+                      </a:endParaRPr>
+                    </a:p>
+                    <a:p>
+                      <a:r>
+                        <a:rPr lang="zh-CN" altLang="en-US" sz="1400" kern="1200" dirty="0">
+                          <a:solidFill>
+                            <a:schemeClr val="accent1"/>
+                          </a:solidFill>
+                          <a:latin typeface="+mj-lt"/>
+                          <a:ea typeface="+mj-ea"/>
+                          <a:cs typeface="+mj-cs"/>
+                        </a:rPr>
+                        <a:t>调用：无</a:t>
+                      </a:r>
+                      <a:endParaRPr lang="en-US" altLang="zh-CN" sz="1400" kern="1200" dirty="0">
+                        <a:solidFill>
+                          <a:schemeClr val="accent1"/>
+                        </a:solidFill>
+                        <a:latin typeface="+mj-lt"/>
+                        <a:ea typeface="+mj-ea"/>
+                        <a:cs typeface="+mj-cs"/>
+                      </a:endParaRPr>
+                    </a:p>
+                  </a:txBody>
+                  <a:tcPr/>
+                </a:tc>
+                <a:tc hMerge="1">
+                  <a:txBody>
+                    <a:bodyPr/>
+                    <a:lstStyle/>
+                    <a:p>
+                      <a:endParaRPr lang="zh-CN" altLang="en-US" dirty="0"/>
+                    </a:p>
+                  </a:txBody>
+                  <a:tcPr/>
+                </a:tc>
+                <a:extLst>
+                  <a:ext uri="{0D108BD9-81ED-4DB2-BD59-A6C34878D82A}">
+                    <a16:rowId xmlns:a16="http://schemas.microsoft.com/office/drawing/2014/main" val="1142037319"/>
+                  </a:ext>
+                </a:extLst>
+              </a:tr>
+              <a:tr h="956581">
+                <a:tc gridSpan="2">
+                  <a:txBody>
+                    <a:bodyPr/>
+                    <a:lstStyle/>
+                    <a:p>
+                      <a:r>
+                        <a:rPr lang="zh-CN" altLang="en-US" sz="1400" kern="1200" dirty="0">
+                          <a:solidFill>
+                            <a:schemeClr val="accent1"/>
+                          </a:solidFill>
+                          <a:latin typeface="+mj-lt"/>
+                          <a:ea typeface="+mj-ea"/>
+                          <a:cs typeface="+mj-cs"/>
+                        </a:rPr>
+                        <a:t>输入：点击题目列表</a:t>
+                      </a:r>
+                      <a:endParaRPr lang="en-US" altLang="zh-CN" sz="1400" kern="1200" dirty="0">
+                        <a:solidFill>
+                          <a:schemeClr val="accent1"/>
+                        </a:solidFill>
+                        <a:latin typeface="+mj-lt"/>
+                        <a:ea typeface="+mj-ea"/>
+                        <a:cs typeface="+mj-cs"/>
+                      </a:endParaRPr>
+                    </a:p>
+                    <a:p>
+                      <a:r>
+                        <a:rPr lang="zh-CN" altLang="en-US" sz="1400" kern="1200" dirty="0">
+                          <a:solidFill>
+                            <a:schemeClr val="accent1"/>
+                          </a:solidFill>
+                          <a:latin typeface="+mj-lt"/>
+                          <a:ea typeface="+mj-ea"/>
+                          <a:cs typeface="+mj-cs"/>
+                        </a:rPr>
+                        <a:t>处理：以分页形式展现题库中的题目信息，并分类</a:t>
+                      </a:r>
+                      <a:endParaRPr lang="en-US" altLang="zh-CN" sz="1400" kern="1200" dirty="0">
+                        <a:solidFill>
+                          <a:schemeClr val="accent1"/>
+                        </a:solidFill>
+                        <a:latin typeface="+mj-lt"/>
+                        <a:ea typeface="+mj-ea"/>
+                        <a:cs typeface="+mj-cs"/>
+                      </a:endParaRPr>
+                    </a:p>
+                    <a:p>
+                      <a:r>
+                        <a:rPr lang="zh-CN" altLang="en-US" sz="1400" kern="1200" dirty="0">
+                          <a:solidFill>
+                            <a:schemeClr val="accent1"/>
+                          </a:solidFill>
+                          <a:latin typeface="+mj-lt"/>
+                          <a:ea typeface="+mj-ea"/>
+                          <a:cs typeface="+mj-cs"/>
+                        </a:rPr>
+                        <a:t>输出：</a:t>
+                      </a:r>
+                      <a:r>
+                        <a:rPr lang="en-US" altLang="zh-CN" sz="1400" kern="1200" dirty="0">
+                          <a:solidFill>
+                            <a:schemeClr val="accent1"/>
+                          </a:solidFill>
+                          <a:latin typeface="+mj-lt"/>
+                          <a:ea typeface="+mj-ea"/>
+                          <a:cs typeface="+mj-cs"/>
+                        </a:rPr>
+                        <a:t>submit </a:t>
+                      </a:r>
+                      <a:r>
+                        <a:rPr lang="zh-CN" altLang="en-US" sz="1400" kern="1200" dirty="0">
+                          <a:solidFill>
+                            <a:schemeClr val="accent1"/>
+                          </a:solidFill>
+                          <a:latin typeface="+mj-lt"/>
+                          <a:ea typeface="+mj-ea"/>
+                          <a:cs typeface="+mj-cs"/>
+                        </a:rPr>
+                        <a:t>表和</a:t>
+                      </a:r>
+                      <a:r>
+                        <a:rPr lang="en-US" altLang="zh-CN" sz="1400" kern="1200" dirty="0" err="1">
+                          <a:solidFill>
+                            <a:schemeClr val="accent1"/>
+                          </a:solidFill>
+                          <a:latin typeface="+mj-lt"/>
+                          <a:ea typeface="+mj-ea"/>
+                          <a:cs typeface="+mj-cs"/>
+                        </a:rPr>
+                        <a:t>submit_detail</a:t>
+                      </a:r>
+                      <a:r>
+                        <a:rPr lang="zh-CN" altLang="en-US" sz="1400" kern="1200" dirty="0">
+                          <a:solidFill>
+                            <a:schemeClr val="accent1"/>
+                          </a:solidFill>
+                          <a:latin typeface="+mj-lt"/>
+                          <a:ea typeface="+mj-ea"/>
+                          <a:cs typeface="+mj-cs"/>
+                        </a:rPr>
+                        <a:t>表中一条记录</a:t>
+                      </a:r>
+                      <a:endParaRPr lang="zh-CN" altLang="en-US" sz="1400" dirty="0"/>
+                    </a:p>
+                  </a:txBody>
+                  <a:tcPr/>
+                </a:tc>
+                <a:tc hMerge="1">
+                  <a:txBody>
+                    <a:bodyPr/>
+                    <a:lstStyle/>
+                    <a:p>
+                      <a:endParaRPr lang="zh-CN" altLang="en-US" dirty="0"/>
+                    </a:p>
+                  </a:txBody>
+                  <a:tcPr/>
+                </a:tc>
+                <a:extLst>
+                  <a:ext uri="{0D108BD9-81ED-4DB2-BD59-A6C34878D82A}">
+                    <a16:rowId xmlns:a16="http://schemas.microsoft.com/office/drawing/2014/main" val="3492077855"/>
+                  </a:ext>
+                </a:extLst>
+              </a:tr>
+              <a:tr h="415749">
+                <a:tc gridSpan="2">
+                  <a:txBody>
+                    <a:bodyPr/>
+                    <a:lstStyle/>
+                    <a:p>
+                      <a:r>
+                        <a:rPr lang="zh-CN" altLang="en-US" sz="1400" kern="1200" dirty="0">
+                          <a:solidFill>
+                            <a:schemeClr val="accent1"/>
+                          </a:solidFill>
+                          <a:latin typeface="+mj-lt"/>
+                          <a:ea typeface="+mj-ea"/>
+                          <a:cs typeface="+mj-cs"/>
+                        </a:rPr>
+                        <a:t>备注：</a:t>
+                      </a:r>
+                    </a:p>
+                  </a:txBody>
+                  <a:tcPr/>
+                </a:tc>
+                <a:tc hMerge="1">
+                  <a:txBody>
+                    <a:bodyPr/>
+                    <a:lstStyle/>
+                    <a:p>
+                      <a:endParaRPr lang="zh-CN" altLang="en-US" dirty="0"/>
+                    </a:p>
+                  </a:txBody>
+                  <a:tcPr/>
+                </a:tc>
+                <a:extLst>
+                  <a:ext uri="{0D108BD9-81ED-4DB2-BD59-A6C34878D82A}">
+                    <a16:rowId xmlns:a16="http://schemas.microsoft.com/office/drawing/2014/main" val="777161465"/>
+                  </a:ext>
+                </a:extLst>
+              </a:tr>
+            </a:tbl>
+          </a:graphicData>
+        </a:graphic>
+      </p:graphicFrame>
     </p:spTree>
     <p:extLst>
       <p:ext uri="{BB962C8B-B14F-4D97-AF65-F5344CB8AC3E}">
-        <p14:creationId xmlns:p14="http://schemas.microsoft.com/office/powerpoint/2010/main" val="161774877"/>
+        <p14:creationId xmlns:p14="http://schemas.microsoft.com/office/powerpoint/2010/main" val="2302526996"/>
       </p:ext>
     </p:extLst>
   </p:cSld>
@@ -4313,6 +4582,2035 @@
 </file>
 
 <file path=ppt/slides/slide11.xml><?xml version="1.0" encoding="utf-8"?>
+<p:sld xmlns:a="http://schemas.openxmlformats.org/drawingml/2006/main" xmlns:r="http://schemas.openxmlformats.org/officeDocument/2006/relationships" xmlns:p="http://schemas.openxmlformats.org/presentationml/2006/main">
+  <p:cSld>
+    <p:spTree>
+      <p:nvGrpSpPr>
+        <p:cNvPr id="1" name=""/>
+        <p:cNvGrpSpPr/>
+        <p:nvPr/>
+      </p:nvGrpSpPr>
+      <p:grpSpPr>
+        <a:xfrm>
+          <a:off x="0" y="0"/>
+          <a:ext cx="0" cy="0"/>
+          <a:chOff x="0" y="0"/>
+          <a:chExt cx="0" cy="0"/>
+        </a:xfrm>
+      </p:grpSpPr>
+      <p:sp>
+        <p:nvSpPr>
+          <p:cNvPr id="2" name="标题 1">
+            <a:extLst>
+              <a:ext uri="{FF2B5EF4-FFF2-40B4-BE49-F238E27FC236}">
+                <a16:creationId xmlns:a16="http://schemas.microsoft.com/office/drawing/2014/main" id="{BAD2837E-22B2-4375-A5C9-FBBE7FE53D11}"/>
+              </a:ext>
+            </a:extLst>
+          </p:cNvPr>
+          <p:cNvSpPr>
+            <a:spLocks noGrp="1"/>
+          </p:cNvSpPr>
+          <p:nvPr>
+            <p:ph type="title"/>
+          </p:nvPr>
+        </p:nvSpPr>
+        <p:spPr/>
+        <p:txBody>
+          <a:bodyPr/>
+          <a:lstStyle/>
+          <a:p>
+            <a:r>
+              <a:rPr lang="en-US" altLang="zh-CN" dirty="0"/>
+              <a:t>IPO</a:t>
+            </a:r>
+            <a:r>
+              <a:rPr lang="zh-CN" altLang="en-US" dirty="0"/>
+              <a:t>图</a:t>
+            </a:r>
+          </a:p>
+        </p:txBody>
+      </p:sp>
+      <p:graphicFrame>
+        <p:nvGraphicFramePr>
+          <p:cNvPr id="6" name="表格 6">
+            <a:extLst>
+              <a:ext uri="{FF2B5EF4-FFF2-40B4-BE49-F238E27FC236}">
+                <a16:creationId xmlns:a16="http://schemas.microsoft.com/office/drawing/2014/main" id="{9D7CCAE0-486C-4350-8A79-285DBB64F75D}"/>
+              </a:ext>
+            </a:extLst>
+          </p:cNvPr>
+          <p:cNvGraphicFramePr>
+            <a:graphicFrameLocks noGrp="1"/>
+          </p:cNvGraphicFramePr>
+          <p:nvPr/>
+        </p:nvGraphicFramePr>
+        <p:xfrm>
+          <a:off x="478565" y="1744317"/>
+          <a:ext cx="5486398" cy="3075512"/>
+        </p:xfrm>
+        <a:graphic>
+          <a:graphicData uri="http://schemas.openxmlformats.org/drawingml/2006/table">
+            <a:tbl>
+              <a:tblPr firstRow="1" bandRow="1">
+                <a:tableStyleId>{5C22544A-7EE6-4342-B048-85BDC9FD1C3A}</a:tableStyleId>
+              </a:tblPr>
+              <a:tblGrid>
+                <a:gridCol w="2740418">
+                  <a:extLst>
+                    <a:ext uri="{9D8B030D-6E8A-4147-A177-3AD203B41FA5}">
+                      <a16:colId xmlns:a16="http://schemas.microsoft.com/office/drawing/2014/main" val="784931328"/>
+                    </a:ext>
+                  </a:extLst>
+                </a:gridCol>
+                <a:gridCol w="2745980">
+                  <a:extLst>
+                    <a:ext uri="{9D8B030D-6E8A-4147-A177-3AD203B41FA5}">
+                      <a16:colId xmlns:a16="http://schemas.microsoft.com/office/drawing/2014/main" val="2941244266"/>
+                    </a:ext>
+                  </a:extLst>
+                </a:gridCol>
+              </a:tblGrid>
+              <a:tr h="416592">
+                <a:tc gridSpan="2">
+                  <a:txBody>
+                    <a:bodyPr/>
+                    <a:lstStyle/>
+                    <a:p>
+                      <a:r>
+                        <a:rPr lang="zh-CN" altLang="en-US" sz="1400" dirty="0"/>
+                        <a:t>系统：爱刷题系统</a:t>
+                      </a:r>
+                    </a:p>
+                  </a:txBody>
+                  <a:tcPr/>
+                </a:tc>
+                <a:tc hMerge="1">
+                  <a:txBody>
+                    <a:bodyPr/>
+                    <a:lstStyle/>
+                    <a:p>
+                      <a:endParaRPr lang="zh-CN" altLang="en-US" dirty="0"/>
+                    </a:p>
+                  </a:txBody>
+                  <a:tcPr/>
+                </a:tc>
+                <a:extLst>
+                  <a:ext uri="{0D108BD9-81ED-4DB2-BD59-A6C34878D82A}">
+                    <a16:rowId xmlns:a16="http://schemas.microsoft.com/office/drawing/2014/main" val="2904030591"/>
+                  </a:ext>
+                </a:extLst>
+              </a:tr>
+              <a:tr h="330009">
+                <a:tc>
+                  <a:txBody>
+                    <a:bodyPr/>
+                    <a:lstStyle/>
+                    <a:p>
+                      <a:r>
+                        <a:rPr lang="zh-CN" altLang="en-US" sz="1400" kern="1200" dirty="0">
+                          <a:solidFill>
+                            <a:schemeClr val="accent1"/>
+                          </a:solidFill>
+                          <a:latin typeface="+mj-lt"/>
+                          <a:ea typeface="+mj-ea"/>
+                          <a:cs typeface="+mj-cs"/>
+                        </a:rPr>
+                        <a:t>设计者：金方永</a:t>
+                      </a:r>
+                      <a:endParaRPr lang="zh-CN" altLang="en-US" sz="1400" dirty="0"/>
+                    </a:p>
+                  </a:txBody>
+                  <a:tcPr/>
+                </a:tc>
+                <a:tc>
+                  <a:txBody>
+                    <a:bodyPr/>
+                    <a:lstStyle/>
+                    <a:p>
+                      <a:r>
+                        <a:rPr lang="zh-CN" altLang="en-US" sz="1400" kern="1200" dirty="0">
+                          <a:solidFill>
+                            <a:schemeClr val="accent1"/>
+                          </a:solidFill>
+                          <a:latin typeface="+mj-lt"/>
+                          <a:ea typeface="+mj-ea"/>
+                          <a:cs typeface="+mj-cs"/>
+                        </a:rPr>
+                        <a:t>日期：</a:t>
+                      </a:r>
+                      <a:r>
+                        <a:rPr lang="en-US" altLang="zh-CN" sz="1400" kern="1200" dirty="0">
+                          <a:solidFill>
+                            <a:schemeClr val="accent1"/>
+                          </a:solidFill>
+                          <a:latin typeface="+mj-lt"/>
+                          <a:ea typeface="+mj-ea"/>
+                          <a:cs typeface="+mj-cs"/>
+                        </a:rPr>
+                        <a:t>2021/11/7</a:t>
+                      </a:r>
+                      <a:endParaRPr lang="zh-CN" altLang="en-US" sz="1400" kern="1200" dirty="0">
+                        <a:solidFill>
+                          <a:schemeClr val="accent1"/>
+                        </a:solidFill>
+                        <a:latin typeface="+mj-lt"/>
+                        <a:ea typeface="+mj-ea"/>
+                        <a:cs typeface="+mj-cs"/>
+                      </a:endParaRPr>
+                    </a:p>
+                  </a:txBody>
+                  <a:tcPr/>
+                </a:tc>
+                <a:extLst>
+                  <a:ext uri="{0D108BD9-81ED-4DB2-BD59-A6C34878D82A}">
+                    <a16:rowId xmlns:a16="http://schemas.microsoft.com/office/drawing/2014/main" val="1600763061"/>
+                  </a:ext>
+                </a:extLst>
+              </a:tr>
+              <a:tr h="956581">
+                <a:tc gridSpan="2">
+                  <a:txBody>
+                    <a:bodyPr/>
+                    <a:lstStyle/>
+                    <a:p>
+                      <a:r>
+                        <a:rPr lang="zh-CN" altLang="en-US" sz="1400" kern="1200" dirty="0">
+                          <a:solidFill>
+                            <a:schemeClr val="accent1"/>
+                          </a:solidFill>
+                          <a:latin typeface="+mj-lt"/>
+                          <a:ea typeface="+mj-ea"/>
+                          <a:cs typeface="+mj-cs"/>
+                        </a:rPr>
+                        <a:t>模块：错题本板块</a:t>
+                      </a:r>
+                      <a:endParaRPr lang="en-US" altLang="zh-CN" sz="1400" kern="1200" dirty="0">
+                        <a:solidFill>
+                          <a:schemeClr val="accent1"/>
+                        </a:solidFill>
+                        <a:latin typeface="+mj-lt"/>
+                        <a:ea typeface="+mj-ea"/>
+                        <a:cs typeface="+mj-cs"/>
+                      </a:endParaRPr>
+                    </a:p>
+                    <a:p>
+                      <a:r>
+                        <a:rPr lang="zh-CN" altLang="en-US" sz="1400" kern="1200" dirty="0">
+                          <a:solidFill>
+                            <a:schemeClr val="accent1"/>
+                          </a:solidFill>
+                          <a:latin typeface="+mj-lt"/>
+                          <a:ea typeface="+mj-ea"/>
+                          <a:cs typeface="+mj-cs"/>
+                        </a:rPr>
+                        <a:t>编号：</a:t>
+                      </a:r>
+                      <a:r>
+                        <a:rPr lang="en-US" altLang="zh-CN" sz="1400" kern="1200" dirty="0">
+                          <a:solidFill>
+                            <a:schemeClr val="accent1"/>
+                          </a:solidFill>
+                          <a:latin typeface="+mj-lt"/>
+                          <a:ea typeface="+mj-ea"/>
+                          <a:cs typeface="+mj-cs"/>
+                        </a:rPr>
+                        <a:t>1.4</a:t>
+                      </a:r>
+                    </a:p>
+                    <a:p>
+                      <a:r>
+                        <a:rPr lang="zh-CN" altLang="en-US" sz="1400" kern="1200" dirty="0">
+                          <a:solidFill>
+                            <a:schemeClr val="accent1"/>
+                          </a:solidFill>
+                          <a:latin typeface="+mj-lt"/>
+                          <a:ea typeface="+mj-ea"/>
+                          <a:cs typeface="+mj-cs"/>
+                        </a:rPr>
+                        <a:t>被调用：查看</a:t>
+                      </a:r>
+                      <a:endParaRPr lang="en-US" altLang="zh-CN" sz="1400" kern="1200" dirty="0">
+                        <a:solidFill>
+                          <a:schemeClr val="accent1"/>
+                        </a:solidFill>
+                        <a:latin typeface="+mj-lt"/>
+                        <a:ea typeface="+mj-ea"/>
+                        <a:cs typeface="+mj-cs"/>
+                      </a:endParaRPr>
+                    </a:p>
+                    <a:p>
+                      <a:r>
+                        <a:rPr lang="zh-CN" altLang="en-US" sz="1400" kern="1200" dirty="0">
+                          <a:solidFill>
+                            <a:schemeClr val="accent1"/>
+                          </a:solidFill>
+                          <a:latin typeface="+mj-lt"/>
+                          <a:ea typeface="+mj-ea"/>
+                          <a:cs typeface="+mj-cs"/>
+                        </a:rPr>
+                        <a:t>调用：提交</a:t>
+                      </a:r>
+                      <a:r>
+                        <a:rPr lang="en-US" altLang="zh-CN" sz="1400" kern="1200" dirty="0">
+                          <a:solidFill>
+                            <a:schemeClr val="accent1"/>
+                          </a:solidFill>
+                          <a:latin typeface="+mj-lt"/>
+                          <a:ea typeface="+mj-ea"/>
+                          <a:cs typeface="+mj-cs"/>
+                        </a:rPr>
+                        <a:t>1.3.3</a:t>
+                      </a:r>
+                    </a:p>
+                  </a:txBody>
+                  <a:tcPr/>
+                </a:tc>
+                <a:tc hMerge="1">
+                  <a:txBody>
+                    <a:bodyPr/>
+                    <a:lstStyle/>
+                    <a:p>
+                      <a:endParaRPr lang="zh-CN" altLang="en-US" dirty="0"/>
+                    </a:p>
+                  </a:txBody>
+                  <a:tcPr/>
+                </a:tc>
+                <a:extLst>
+                  <a:ext uri="{0D108BD9-81ED-4DB2-BD59-A6C34878D82A}">
+                    <a16:rowId xmlns:a16="http://schemas.microsoft.com/office/drawing/2014/main" val="1142037319"/>
+                  </a:ext>
+                </a:extLst>
+              </a:tr>
+              <a:tr h="956581">
+                <a:tc gridSpan="2">
+                  <a:txBody>
+                    <a:bodyPr/>
+                    <a:lstStyle/>
+                    <a:p>
+                      <a:r>
+                        <a:rPr lang="zh-CN" altLang="en-US" sz="1400" kern="1200" dirty="0">
+                          <a:solidFill>
+                            <a:schemeClr val="accent1"/>
+                          </a:solidFill>
+                          <a:latin typeface="+mj-lt"/>
+                          <a:ea typeface="+mj-ea"/>
+                          <a:cs typeface="+mj-cs"/>
+                        </a:rPr>
+                        <a:t>输入：提交选择题答案正确与否判断，</a:t>
+                      </a:r>
+                      <a:r>
+                        <a:rPr lang="en-US" altLang="zh-CN" sz="1400" kern="1200" dirty="0" err="1">
+                          <a:solidFill>
+                            <a:schemeClr val="accent1"/>
+                          </a:solidFill>
+                          <a:latin typeface="+mj-lt"/>
+                          <a:ea typeface="+mj-ea"/>
+                          <a:cs typeface="+mj-cs"/>
+                        </a:rPr>
+                        <a:t>problemId,submit_ans</a:t>
+                      </a:r>
+                      <a:endParaRPr lang="en-US" altLang="zh-CN" sz="1400" kern="1200" dirty="0">
+                        <a:solidFill>
+                          <a:schemeClr val="accent1"/>
+                        </a:solidFill>
+                        <a:latin typeface="+mj-lt"/>
+                        <a:ea typeface="+mj-ea"/>
+                        <a:cs typeface="+mj-cs"/>
+                      </a:endParaRPr>
+                    </a:p>
+                    <a:p>
+                      <a:r>
+                        <a:rPr lang="zh-CN" altLang="en-US" sz="1400" kern="1200" dirty="0">
+                          <a:solidFill>
+                            <a:schemeClr val="accent1"/>
+                          </a:solidFill>
+                          <a:latin typeface="+mj-lt"/>
+                          <a:ea typeface="+mj-ea"/>
+                          <a:cs typeface="+mj-cs"/>
+                        </a:rPr>
+                        <a:t>处理：</a:t>
+                      </a:r>
+                      <a:r>
+                        <a:rPr lang="en-US" altLang="zh-CN" sz="1400" kern="1200" dirty="0">
+                          <a:solidFill>
+                            <a:schemeClr val="accent1"/>
+                          </a:solidFill>
+                          <a:latin typeface="+mj-lt"/>
+                          <a:ea typeface="+mj-ea"/>
+                          <a:cs typeface="+mj-cs"/>
+                        </a:rPr>
+                        <a:t>if </a:t>
+                      </a:r>
+                      <a:r>
+                        <a:rPr lang="en-US" altLang="zh-CN" sz="1400" kern="1200" dirty="0" err="1">
+                          <a:solidFill>
+                            <a:schemeClr val="accent1"/>
+                          </a:solidFill>
+                          <a:latin typeface="+mj-lt"/>
+                          <a:ea typeface="+mj-ea"/>
+                          <a:cs typeface="+mj-cs"/>
+                        </a:rPr>
+                        <a:t>submit_ans</a:t>
+                      </a:r>
+                      <a:r>
+                        <a:rPr lang="zh-CN" altLang="en-US" sz="1400" kern="1200" dirty="0">
+                          <a:solidFill>
+                            <a:schemeClr val="accent1"/>
+                          </a:solidFill>
+                          <a:latin typeface="+mj-lt"/>
+                          <a:ea typeface="+mj-ea"/>
+                          <a:cs typeface="+mj-cs"/>
+                        </a:rPr>
+                        <a:t>与</a:t>
+                      </a:r>
+                      <a:r>
+                        <a:rPr lang="en-US" altLang="zh-CN" sz="1400" kern="1200" dirty="0">
+                          <a:solidFill>
+                            <a:schemeClr val="accent1"/>
+                          </a:solidFill>
+                          <a:latin typeface="+mj-lt"/>
+                          <a:ea typeface="+mj-ea"/>
+                          <a:cs typeface="+mj-cs"/>
+                        </a:rPr>
+                        <a:t>problem</a:t>
+                      </a:r>
+                      <a:r>
+                        <a:rPr lang="zh-CN" altLang="en-US" sz="1400" kern="1200" dirty="0">
+                          <a:solidFill>
+                            <a:schemeClr val="accent1"/>
+                          </a:solidFill>
+                          <a:latin typeface="+mj-lt"/>
+                          <a:ea typeface="+mj-ea"/>
+                          <a:cs typeface="+mj-cs"/>
+                        </a:rPr>
+                        <a:t>表中的</a:t>
+                      </a:r>
+                      <a:r>
+                        <a:rPr lang="en-US" altLang="zh-CN" sz="1400" kern="1200" dirty="0">
+                          <a:solidFill>
+                            <a:schemeClr val="accent1"/>
+                          </a:solidFill>
+                          <a:latin typeface="+mj-lt"/>
+                          <a:ea typeface="+mj-ea"/>
+                          <a:cs typeface="+mj-cs"/>
+                        </a:rPr>
+                        <a:t>correct</a:t>
+                      </a:r>
+                      <a:r>
+                        <a:rPr lang="zh-CN" altLang="en-US" sz="1400" kern="1200" dirty="0">
+                          <a:solidFill>
+                            <a:schemeClr val="accent1"/>
+                          </a:solidFill>
+                          <a:latin typeface="+mj-lt"/>
+                          <a:ea typeface="+mj-ea"/>
+                          <a:cs typeface="+mj-cs"/>
+                        </a:rPr>
+                        <a:t>不一致，则</a:t>
+                      </a:r>
+                      <a:r>
+                        <a:rPr lang="en-US" altLang="zh-CN" sz="1400" kern="1200" dirty="0">
+                          <a:solidFill>
+                            <a:schemeClr val="accent1"/>
+                          </a:solidFill>
+                          <a:latin typeface="+mj-lt"/>
+                          <a:ea typeface="+mj-ea"/>
+                          <a:cs typeface="+mj-cs"/>
+                        </a:rPr>
+                        <a:t>submit</a:t>
+                      </a:r>
+                      <a:r>
+                        <a:rPr lang="zh-CN" altLang="en-US" sz="1400" kern="1200" dirty="0">
+                          <a:solidFill>
+                            <a:schemeClr val="accent1"/>
+                          </a:solidFill>
+                          <a:latin typeface="+mj-lt"/>
+                          <a:ea typeface="+mj-ea"/>
+                          <a:cs typeface="+mj-cs"/>
+                        </a:rPr>
+                        <a:t>表中</a:t>
+                      </a:r>
+                      <a:r>
+                        <a:rPr lang="en-US" altLang="zh-CN" sz="1400" kern="1200" dirty="0">
+                          <a:solidFill>
+                            <a:schemeClr val="accent1"/>
+                          </a:solidFill>
+                          <a:latin typeface="+mj-lt"/>
+                          <a:ea typeface="+mj-ea"/>
+                          <a:cs typeface="+mj-cs"/>
+                        </a:rPr>
+                        <a:t>result</a:t>
+                      </a:r>
+                      <a:r>
+                        <a:rPr lang="zh-CN" altLang="en-US" sz="1400" kern="1200" dirty="0">
+                          <a:solidFill>
+                            <a:schemeClr val="accent1"/>
+                          </a:solidFill>
+                          <a:latin typeface="+mj-lt"/>
+                          <a:ea typeface="+mj-ea"/>
+                          <a:cs typeface="+mj-cs"/>
+                        </a:rPr>
+                        <a:t>为</a:t>
+                      </a:r>
+                      <a:r>
+                        <a:rPr lang="en-US" altLang="zh-CN" sz="1400" kern="1200" dirty="0">
+                          <a:solidFill>
+                            <a:schemeClr val="accent1"/>
+                          </a:solidFill>
+                          <a:latin typeface="+mj-lt"/>
+                          <a:ea typeface="+mj-ea"/>
+                          <a:cs typeface="+mj-cs"/>
+                        </a:rPr>
+                        <a:t>0</a:t>
+                      </a:r>
+                      <a:r>
+                        <a:rPr lang="zh-CN" altLang="en-US" sz="1400" kern="1200" dirty="0">
+                          <a:solidFill>
+                            <a:schemeClr val="accent1"/>
+                          </a:solidFill>
+                          <a:latin typeface="+mj-lt"/>
+                          <a:ea typeface="+mj-ea"/>
+                          <a:cs typeface="+mj-cs"/>
+                        </a:rPr>
+                        <a:t>，否则为</a:t>
+                      </a:r>
+                      <a:r>
+                        <a:rPr lang="en-US" altLang="zh-CN" sz="1400" kern="1200" dirty="0">
+                          <a:solidFill>
+                            <a:schemeClr val="accent1"/>
+                          </a:solidFill>
+                          <a:latin typeface="+mj-lt"/>
+                          <a:ea typeface="+mj-ea"/>
+                          <a:cs typeface="+mj-cs"/>
+                        </a:rPr>
+                        <a:t>1</a:t>
+                      </a:r>
+                    </a:p>
+                    <a:p>
+                      <a:r>
+                        <a:rPr lang="zh-CN" altLang="en-US" sz="1400" kern="1200" dirty="0">
+                          <a:solidFill>
+                            <a:schemeClr val="accent1"/>
+                          </a:solidFill>
+                          <a:latin typeface="+mj-lt"/>
+                          <a:ea typeface="+mj-ea"/>
+                          <a:cs typeface="+mj-cs"/>
+                        </a:rPr>
+                        <a:t>输出：</a:t>
+                      </a:r>
+                      <a:r>
+                        <a:rPr lang="en-US" altLang="zh-CN" sz="1400" kern="1200" dirty="0" err="1">
+                          <a:solidFill>
+                            <a:schemeClr val="accent1"/>
+                          </a:solidFill>
+                          <a:latin typeface="+mj-lt"/>
+                          <a:ea typeface="+mj-ea"/>
+                          <a:cs typeface="+mj-cs"/>
+                        </a:rPr>
+                        <a:t>sumbit</a:t>
+                      </a:r>
+                      <a:r>
+                        <a:rPr lang="zh-CN" altLang="en-US" sz="1400" kern="1200" dirty="0">
+                          <a:solidFill>
+                            <a:schemeClr val="accent1"/>
+                          </a:solidFill>
+                          <a:latin typeface="+mj-lt"/>
+                          <a:ea typeface="+mj-ea"/>
+                          <a:cs typeface="+mj-cs"/>
+                        </a:rPr>
+                        <a:t>表中</a:t>
+                      </a:r>
+                      <a:r>
+                        <a:rPr lang="en-US" altLang="zh-CN" sz="1400" kern="1200" dirty="0">
+                          <a:solidFill>
+                            <a:schemeClr val="accent1"/>
+                          </a:solidFill>
+                          <a:latin typeface="+mj-lt"/>
+                          <a:ea typeface="+mj-ea"/>
+                          <a:cs typeface="+mj-cs"/>
+                        </a:rPr>
+                        <a:t>result</a:t>
+                      </a:r>
+                      <a:r>
+                        <a:rPr lang="zh-CN" altLang="en-US" sz="1400" kern="1200" dirty="0">
+                          <a:solidFill>
+                            <a:schemeClr val="accent1"/>
+                          </a:solidFill>
+                          <a:latin typeface="+mj-lt"/>
+                          <a:ea typeface="+mj-ea"/>
+                          <a:cs typeface="+mj-cs"/>
+                        </a:rPr>
+                        <a:t>为</a:t>
+                      </a:r>
+                      <a:r>
+                        <a:rPr lang="en-US" altLang="zh-CN" sz="1400" kern="1200" dirty="0">
+                          <a:solidFill>
+                            <a:schemeClr val="accent1"/>
+                          </a:solidFill>
+                          <a:latin typeface="+mj-lt"/>
+                          <a:ea typeface="+mj-ea"/>
+                          <a:cs typeface="+mj-cs"/>
+                        </a:rPr>
+                        <a:t>0</a:t>
+                      </a:r>
+                      <a:r>
+                        <a:rPr lang="zh-CN" altLang="en-US" sz="1400" kern="1200" dirty="0">
+                          <a:solidFill>
+                            <a:schemeClr val="accent1"/>
+                          </a:solidFill>
+                          <a:latin typeface="+mj-lt"/>
+                          <a:ea typeface="+mj-ea"/>
+                          <a:cs typeface="+mj-cs"/>
+                        </a:rPr>
+                        <a:t>的一条记录</a:t>
+                      </a:r>
+                      <a:endParaRPr lang="zh-CN" altLang="en-US" sz="1400" dirty="0"/>
+                    </a:p>
+                  </a:txBody>
+                  <a:tcPr/>
+                </a:tc>
+                <a:tc hMerge="1">
+                  <a:txBody>
+                    <a:bodyPr/>
+                    <a:lstStyle/>
+                    <a:p>
+                      <a:endParaRPr lang="zh-CN" altLang="en-US" dirty="0"/>
+                    </a:p>
+                  </a:txBody>
+                  <a:tcPr/>
+                </a:tc>
+                <a:extLst>
+                  <a:ext uri="{0D108BD9-81ED-4DB2-BD59-A6C34878D82A}">
+                    <a16:rowId xmlns:a16="http://schemas.microsoft.com/office/drawing/2014/main" val="3492077855"/>
+                  </a:ext>
+                </a:extLst>
+              </a:tr>
+              <a:tr h="415749">
+                <a:tc gridSpan="2">
+                  <a:txBody>
+                    <a:bodyPr/>
+                    <a:lstStyle/>
+                    <a:p>
+                      <a:r>
+                        <a:rPr lang="zh-CN" altLang="en-US" sz="1400" kern="1200" dirty="0">
+                          <a:solidFill>
+                            <a:schemeClr val="accent1"/>
+                          </a:solidFill>
+                          <a:latin typeface="+mj-lt"/>
+                          <a:ea typeface="+mj-ea"/>
+                          <a:cs typeface="+mj-cs"/>
+                        </a:rPr>
+                        <a:t>备注：</a:t>
+                      </a:r>
+                    </a:p>
+                  </a:txBody>
+                  <a:tcPr/>
+                </a:tc>
+                <a:tc hMerge="1">
+                  <a:txBody>
+                    <a:bodyPr/>
+                    <a:lstStyle/>
+                    <a:p>
+                      <a:endParaRPr lang="zh-CN" altLang="en-US" dirty="0"/>
+                    </a:p>
+                  </a:txBody>
+                  <a:tcPr/>
+                </a:tc>
+                <a:extLst>
+                  <a:ext uri="{0D108BD9-81ED-4DB2-BD59-A6C34878D82A}">
+                    <a16:rowId xmlns:a16="http://schemas.microsoft.com/office/drawing/2014/main" val="777161465"/>
+                  </a:ext>
+                </a:extLst>
+              </a:tr>
+            </a:tbl>
+          </a:graphicData>
+        </a:graphic>
+      </p:graphicFrame>
+      <p:graphicFrame>
+        <p:nvGraphicFramePr>
+          <p:cNvPr id="8" name="表格 6">
+            <a:extLst>
+              <a:ext uri="{FF2B5EF4-FFF2-40B4-BE49-F238E27FC236}">
+                <a16:creationId xmlns:a16="http://schemas.microsoft.com/office/drawing/2014/main" id="{EA2A9FBF-FF92-421C-B71E-77FED4170EDA}"/>
+              </a:ext>
+            </a:extLst>
+          </p:cNvPr>
+          <p:cNvGraphicFramePr>
+            <a:graphicFrameLocks noGrp="1"/>
+          </p:cNvGraphicFramePr>
+          <p:nvPr/>
+        </p:nvGraphicFramePr>
+        <p:xfrm>
+          <a:off x="6281361" y="1744317"/>
+          <a:ext cx="5486398" cy="3040725"/>
+        </p:xfrm>
+        <a:graphic>
+          <a:graphicData uri="http://schemas.openxmlformats.org/drawingml/2006/table">
+            <a:tbl>
+              <a:tblPr firstRow="1" bandRow="1">
+                <a:tableStyleId>{5C22544A-7EE6-4342-B048-85BDC9FD1C3A}</a:tableStyleId>
+              </a:tblPr>
+              <a:tblGrid>
+                <a:gridCol w="2740418">
+                  <a:extLst>
+                    <a:ext uri="{9D8B030D-6E8A-4147-A177-3AD203B41FA5}">
+                      <a16:colId xmlns:a16="http://schemas.microsoft.com/office/drawing/2014/main" val="784931328"/>
+                    </a:ext>
+                  </a:extLst>
+                </a:gridCol>
+                <a:gridCol w="2745980">
+                  <a:extLst>
+                    <a:ext uri="{9D8B030D-6E8A-4147-A177-3AD203B41FA5}">
+                      <a16:colId xmlns:a16="http://schemas.microsoft.com/office/drawing/2014/main" val="2941244266"/>
+                    </a:ext>
+                  </a:extLst>
+                </a:gridCol>
+              </a:tblGrid>
+              <a:tr h="381805">
+                <a:tc gridSpan="2">
+                  <a:txBody>
+                    <a:bodyPr/>
+                    <a:lstStyle/>
+                    <a:p>
+                      <a:r>
+                        <a:rPr lang="zh-CN" altLang="en-US" sz="1400" dirty="0"/>
+                        <a:t>系统：爱刷题系统</a:t>
+                      </a:r>
+                    </a:p>
+                  </a:txBody>
+                  <a:tcPr/>
+                </a:tc>
+                <a:tc hMerge="1">
+                  <a:txBody>
+                    <a:bodyPr/>
+                    <a:lstStyle/>
+                    <a:p>
+                      <a:endParaRPr lang="zh-CN" altLang="en-US" dirty="0"/>
+                    </a:p>
+                  </a:txBody>
+                  <a:tcPr/>
+                </a:tc>
+                <a:extLst>
+                  <a:ext uri="{0D108BD9-81ED-4DB2-BD59-A6C34878D82A}">
+                    <a16:rowId xmlns:a16="http://schemas.microsoft.com/office/drawing/2014/main" val="2904030591"/>
+                  </a:ext>
+                </a:extLst>
+              </a:tr>
+              <a:tr h="330009">
+                <a:tc>
+                  <a:txBody>
+                    <a:bodyPr/>
+                    <a:lstStyle/>
+                    <a:p>
+                      <a:r>
+                        <a:rPr lang="zh-CN" altLang="en-US" sz="1400" kern="1200" dirty="0">
+                          <a:solidFill>
+                            <a:schemeClr val="accent1"/>
+                          </a:solidFill>
+                          <a:latin typeface="+mj-lt"/>
+                          <a:ea typeface="+mj-ea"/>
+                          <a:cs typeface="+mj-cs"/>
+                        </a:rPr>
+                        <a:t>设计者：金方永</a:t>
+                      </a:r>
+                      <a:endParaRPr lang="zh-CN" altLang="en-US" sz="1400" dirty="0"/>
+                    </a:p>
+                  </a:txBody>
+                  <a:tcPr/>
+                </a:tc>
+                <a:tc>
+                  <a:txBody>
+                    <a:bodyPr/>
+                    <a:lstStyle/>
+                    <a:p>
+                      <a:r>
+                        <a:rPr lang="zh-CN" altLang="en-US" sz="1400" kern="1200" dirty="0">
+                          <a:solidFill>
+                            <a:schemeClr val="accent1"/>
+                          </a:solidFill>
+                          <a:latin typeface="+mj-lt"/>
+                          <a:ea typeface="+mj-ea"/>
+                          <a:cs typeface="+mj-cs"/>
+                        </a:rPr>
+                        <a:t>日期：</a:t>
+                      </a:r>
+                      <a:r>
+                        <a:rPr lang="en-US" altLang="zh-CN" sz="1400" kern="1200" dirty="0">
+                          <a:solidFill>
+                            <a:schemeClr val="accent1"/>
+                          </a:solidFill>
+                          <a:latin typeface="+mj-lt"/>
+                          <a:ea typeface="+mj-ea"/>
+                          <a:cs typeface="+mj-cs"/>
+                        </a:rPr>
+                        <a:t>2021/11/7</a:t>
+                      </a:r>
+                      <a:endParaRPr lang="zh-CN" altLang="en-US" sz="1400" kern="1200" dirty="0">
+                        <a:solidFill>
+                          <a:schemeClr val="accent1"/>
+                        </a:solidFill>
+                        <a:latin typeface="+mj-lt"/>
+                        <a:ea typeface="+mj-ea"/>
+                        <a:cs typeface="+mj-cs"/>
+                      </a:endParaRPr>
+                    </a:p>
+                  </a:txBody>
+                  <a:tcPr/>
+                </a:tc>
+                <a:extLst>
+                  <a:ext uri="{0D108BD9-81ED-4DB2-BD59-A6C34878D82A}">
+                    <a16:rowId xmlns:a16="http://schemas.microsoft.com/office/drawing/2014/main" val="1600763061"/>
+                  </a:ext>
+                </a:extLst>
+              </a:tr>
+              <a:tr h="956581">
+                <a:tc gridSpan="2">
+                  <a:txBody>
+                    <a:bodyPr/>
+                    <a:lstStyle/>
+                    <a:p>
+                      <a:r>
+                        <a:rPr lang="zh-CN" altLang="en-US" sz="1400" kern="1200" dirty="0">
+                          <a:solidFill>
+                            <a:schemeClr val="accent1"/>
+                          </a:solidFill>
+                          <a:latin typeface="+mj-lt"/>
+                          <a:ea typeface="+mj-ea"/>
+                          <a:cs typeface="+mj-cs"/>
+                        </a:rPr>
+                        <a:t>模块：题目板块</a:t>
+                      </a:r>
+                      <a:endParaRPr lang="en-US" altLang="zh-CN" sz="1400" kern="1200" dirty="0">
+                        <a:solidFill>
+                          <a:schemeClr val="accent1"/>
+                        </a:solidFill>
+                        <a:latin typeface="+mj-lt"/>
+                        <a:ea typeface="+mj-ea"/>
+                        <a:cs typeface="+mj-cs"/>
+                      </a:endParaRPr>
+                    </a:p>
+                    <a:p>
+                      <a:r>
+                        <a:rPr lang="zh-CN" altLang="en-US" sz="1400" kern="1200" dirty="0">
+                          <a:solidFill>
+                            <a:schemeClr val="accent1"/>
+                          </a:solidFill>
+                          <a:latin typeface="+mj-lt"/>
+                          <a:ea typeface="+mj-ea"/>
+                          <a:cs typeface="+mj-cs"/>
+                        </a:rPr>
+                        <a:t>编号：</a:t>
+                      </a:r>
+                      <a:r>
+                        <a:rPr lang="en-US" altLang="zh-CN" sz="1400" kern="1200" dirty="0">
+                          <a:solidFill>
+                            <a:schemeClr val="accent1"/>
+                          </a:solidFill>
+                          <a:latin typeface="+mj-lt"/>
+                          <a:ea typeface="+mj-ea"/>
+                          <a:cs typeface="+mj-cs"/>
+                        </a:rPr>
+                        <a:t>1.3</a:t>
+                      </a:r>
+                    </a:p>
+                    <a:p>
+                      <a:r>
+                        <a:rPr lang="zh-CN" altLang="en-US" sz="1400" kern="1200" dirty="0">
+                          <a:solidFill>
+                            <a:schemeClr val="accent1"/>
+                          </a:solidFill>
+                          <a:latin typeface="+mj-lt"/>
+                          <a:ea typeface="+mj-ea"/>
+                          <a:cs typeface="+mj-cs"/>
+                        </a:rPr>
+                        <a:t>被调用：选择科目、选择选项、提交</a:t>
+                      </a:r>
+                      <a:endParaRPr lang="en-US" altLang="zh-CN" sz="1400" kern="1200" dirty="0">
+                        <a:solidFill>
+                          <a:schemeClr val="accent1"/>
+                        </a:solidFill>
+                        <a:latin typeface="+mj-lt"/>
+                        <a:ea typeface="+mj-ea"/>
+                        <a:cs typeface="+mj-cs"/>
+                      </a:endParaRPr>
+                    </a:p>
+                    <a:p>
+                      <a:r>
+                        <a:rPr lang="zh-CN" altLang="en-US" sz="1400" kern="1200" dirty="0">
+                          <a:solidFill>
+                            <a:schemeClr val="accent1"/>
+                          </a:solidFill>
+                          <a:latin typeface="+mj-lt"/>
+                          <a:ea typeface="+mj-ea"/>
+                          <a:cs typeface="+mj-cs"/>
+                        </a:rPr>
+                        <a:t>调用：无</a:t>
+                      </a:r>
+                      <a:endParaRPr lang="en-US" altLang="zh-CN" sz="1400" kern="1200" dirty="0">
+                        <a:solidFill>
+                          <a:schemeClr val="accent1"/>
+                        </a:solidFill>
+                        <a:latin typeface="+mj-lt"/>
+                        <a:ea typeface="+mj-ea"/>
+                        <a:cs typeface="+mj-cs"/>
+                      </a:endParaRPr>
+                    </a:p>
+                  </a:txBody>
+                  <a:tcPr/>
+                </a:tc>
+                <a:tc hMerge="1">
+                  <a:txBody>
+                    <a:bodyPr/>
+                    <a:lstStyle/>
+                    <a:p>
+                      <a:endParaRPr lang="zh-CN" altLang="en-US" dirty="0"/>
+                    </a:p>
+                  </a:txBody>
+                  <a:tcPr/>
+                </a:tc>
+                <a:extLst>
+                  <a:ext uri="{0D108BD9-81ED-4DB2-BD59-A6C34878D82A}">
+                    <a16:rowId xmlns:a16="http://schemas.microsoft.com/office/drawing/2014/main" val="1142037319"/>
+                  </a:ext>
+                </a:extLst>
+              </a:tr>
+              <a:tr h="956581">
+                <a:tc gridSpan="2">
+                  <a:txBody>
+                    <a:bodyPr/>
+                    <a:lstStyle/>
+                    <a:p>
+                      <a:r>
+                        <a:rPr lang="zh-CN" altLang="en-US" sz="1400" kern="1200" dirty="0">
+                          <a:solidFill>
+                            <a:schemeClr val="accent1"/>
+                          </a:solidFill>
+                          <a:latin typeface="+mj-lt"/>
+                          <a:ea typeface="+mj-ea"/>
+                          <a:cs typeface="+mj-cs"/>
+                        </a:rPr>
+                        <a:t>输入：点击题目列表</a:t>
+                      </a:r>
+                      <a:endParaRPr lang="en-US" altLang="zh-CN" sz="1400" kern="1200" dirty="0">
+                        <a:solidFill>
+                          <a:schemeClr val="accent1"/>
+                        </a:solidFill>
+                        <a:latin typeface="+mj-lt"/>
+                        <a:ea typeface="+mj-ea"/>
+                        <a:cs typeface="+mj-cs"/>
+                      </a:endParaRPr>
+                    </a:p>
+                    <a:p>
+                      <a:r>
+                        <a:rPr lang="zh-CN" altLang="en-US" sz="1400" kern="1200" dirty="0">
+                          <a:solidFill>
+                            <a:schemeClr val="accent1"/>
+                          </a:solidFill>
+                          <a:latin typeface="+mj-lt"/>
+                          <a:ea typeface="+mj-ea"/>
+                          <a:cs typeface="+mj-cs"/>
+                        </a:rPr>
+                        <a:t>处理：以分页形式展现题库中的题目信息，并分类</a:t>
+                      </a:r>
+                      <a:endParaRPr lang="en-US" altLang="zh-CN" sz="1400" kern="1200" dirty="0">
+                        <a:solidFill>
+                          <a:schemeClr val="accent1"/>
+                        </a:solidFill>
+                        <a:latin typeface="+mj-lt"/>
+                        <a:ea typeface="+mj-ea"/>
+                        <a:cs typeface="+mj-cs"/>
+                      </a:endParaRPr>
+                    </a:p>
+                    <a:p>
+                      <a:r>
+                        <a:rPr lang="zh-CN" altLang="en-US" sz="1400" kern="1200" dirty="0">
+                          <a:solidFill>
+                            <a:schemeClr val="accent1"/>
+                          </a:solidFill>
+                          <a:latin typeface="+mj-lt"/>
+                          <a:ea typeface="+mj-ea"/>
+                          <a:cs typeface="+mj-cs"/>
+                        </a:rPr>
+                        <a:t>输出：</a:t>
+                      </a:r>
+                      <a:r>
+                        <a:rPr lang="en-US" altLang="zh-CN" sz="1400" kern="1200" dirty="0">
+                          <a:solidFill>
+                            <a:schemeClr val="accent1"/>
+                          </a:solidFill>
+                          <a:latin typeface="+mj-lt"/>
+                          <a:ea typeface="+mj-ea"/>
+                          <a:cs typeface="+mj-cs"/>
+                        </a:rPr>
+                        <a:t>submit </a:t>
+                      </a:r>
+                      <a:r>
+                        <a:rPr lang="zh-CN" altLang="en-US" sz="1400" kern="1200" dirty="0">
+                          <a:solidFill>
+                            <a:schemeClr val="accent1"/>
+                          </a:solidFill>
+                          <a:latin typeface="+mj-lt"/>
+                          <a:ea typeface="+mj-ea"/>
+                          <a:cs typeface="+mj-cs"/>
+                        </a:rPr>
+                        <a:t>表和</a:t>
+                      </a:r>
+                      <a:r>
+                        <a:rPr lang="en-US" altLang="zh-CN" sz="1400" kern="1200" dirty="0" err="1">
+                          <a:solidFill>
+                            <a:schemeClr val="accent1"/>
+                          </a:solidFill>
+                          <a:latin typeface="+mj-lt"/>
+                          <a:ea typeface="+mj-ea"/>
+                          <a:cs typeface="+mj-cs"/>
+                        </a:rPr>
+                        <a:t>submit_detail</a:t>
+                      </a:r>
+                      <a:r>
+                        <a:rPr lang="zh-CN" altLang="en-US" sz="1400" kern="1200" dirty="0">
+                          <a:solidFill>
+                            <a:schemeClr val="accent1"/>
+                          </a:solidFill>
+                          <a:latin typeface="+mj-lt"/>
+                          <a:ea typeface="+mj-ea"/>
+                          <a:cs typeface="+mj-cs"/>
+                        </a:rPr>
+                        <a:t>表中一条记录</a:t>
+                      </a:r>
+                      <a:endParaRPr lang="zh-CN" altLang="en-US" sz="1400" dirty="0"/>
+                    </a:p>
+                  </a:txBody>
+                  <a:tcPr/>
+                </a:tc>
+                <a:tc hMerge="1">
+                  <a:txBody>
+                    <a:bodyPr/>
+                    <a:lstStyle/>
+                    <a:p>
+                      <a:endParaRPr lang="zh-CN" altLang="en-US" dirty="0"/>
+                    </a:p>
+                  </a:txBody>
+                  <a:tcPr/>
+                </a:tc>
+                <a:extLst>
+                  <a:ext uri="{0D108BD9-81ED-4DB2-BD59-A6C34878D82A}">
+                    <a16:rowId xmlns:a16="http://schemas.microsoft.com/office/drawing/2014/main" val="3492077855"/>
+                  </a:ext>
+                </a:extLst>
+              </a:tr>
+              <a:tr h="415749">
+                <a:tc gridSpan="2">
+                  <a:txBody>
+                    <a:bodyPr/>
+                    <a:lstStyle/>
+                    <a:p>
+                      <a:r>
+                        <a:rPr lang="zh-CN" altLang="en-US" sz="1400" kern="1200" dirty="0">
+                          <a:solidFill>
+                            <a:schemeClr val="accent1"/>
+                          </a:solidFill>
+                          <a:latin typeface="+mj-lt"/>
+                          <a:ea typeface="+mj-ea"/>
+                          <a:cs typeface="+mj-cs"/>
+                        </a:rPr>
+                        <a:t>备注：</a:t>
+                      </a:r>
+                    </a:p>
+                  </a:txBody>
+                  <a:tcPr/>
+                </a:tc>
+                <a:tc hMerge="1">
+                  <a:txBody>
+                    <a:bodyPr/>
+                    <a:lstStyle/>
+                    <a:p>
+                      <a:endParaRPr lang="zh-CN" altLang="en-US" dirty="0"/>
+                    </a:p>
+                  </a:txBody>
+                  <a:tcPr/>
+                </a:tc>
+                <a:extLst>
+                  <a:ext uri="{0D108BD9-81ED-4DB2-BD59-A6C34878D82A}">
+                    <a16:rowId xmlns:a16="http://schemas.microsoft.com/office/drawing/2014/main" val="777161465"/>
+                  </a:ext>
+                </a:extLst>
+              </a:tr>
+            </a:tbl>
+          </a:graphicData>
+        </a:graphic>
+      </p:graphicFrame>
+    </p:spTree>
+    <p:extLst>
+      <p:ext uri="{BB962C8B-B14F-4D97-AF65-F5344CB8AC3E}">
+        <p14:creationId xmlns:p14="http://schemas.microsoft.com/office/powerpoint/2010/main" val="1569713321"/>
+      </p:ext>
+    </p:extLst>
+  </p:cSld>
+  <p:clrMapOvr>
+    <a:masterClrMapping/>
+  </p:clrMapOvr>
+  <mc:AlternateContent xmlns:mc="http://schemas.openxmlformats.org/markup-compatibility/2006" xmlns:p14="http://schemas.microsoft.com/office/powerpoint/2010/main">
+    <mc:Choice Requires="p14">
+      <p:transition spd="med" p14:dur="700">
+        <p:fade/>
+      </p:transition>
+    </mc:Choice>
+    <mc:Fallback xmlns="">
+      <p:transition spd="med">
+        <p:fade/>
+      </p:transition>
+    </mc:Fallback>
+  </mc:AlternateContent>
+</p:sld>
+</file>
+
+<file path=ppt/slides/slide12.xml><?xml version="1.0" encoding="utf-8"?>
+<p:sld xmlns:a="http://schemas.openxmlformats.org/drawingml/2006/main" xmlns:r="http://schemas.openxmlformats.org/officeDocument/2006/relationships" xmlns:p="http://schemas.openxmlformats.org/presentationml/2006/main">
+  <p:cSld>
+    <p:spTree>
+      <p:nvGrpSpPr>
+        <p:cNvPr id="1" name=""/>
+        <p:cNvGrpSpPr/>
+        <p:nvPr/>
+      </p:nvGrpSpPr>
+      <p:grpSpPr>
+        <a:xfrm>
+          <a:off x="0" y="0"/>
+          <a:ext cx="0" cy="0"/>
+          <a:chOff x="0" y="0"/>
+          <a:chExt cx="0" cy="0"/>
+        </a:xfrm>
+      </p:grpSpPr>
+      <p:sp>
+        <p:nvSpPr>
+          <p:cNvPr id="2" name="标题 1">
+            <a:extLst>
+              <a:ext uri="{FF2B5EF4-FFF2-40B4-BE49-F238E27FC236}">
+                <a16:creationId xmlns:a16="http://schemas.microsoft.com/office/drawing/2014/main" id="{BAD2837E-22B2-4375-A5C9-FBBE7FE53D11}"/>
+              </a:ext>
+            </a:extLst>
+          </p:cNvPr>
+          <p:cNvSpPr>
+            <a:spLocks noGrp="1"/>
+          </p:cNvSpPr>
+          <p:nvPr>
+            <p:ph type="title"/>
+          </p:nvPr>
+        </p:nvSpPr>
+        <p:spPr/>
+        <p:txBody>
+          <a:bodyPr/>
+          <a:lstStyle/>
+          <a:p>
+            <a:r>
+              <a:rPr lang="en-US" altLang="zh-CN" dirty="0"/>
+              <a:t>IPO</a:t>
+            </a:r>
+            <a:r>
+              <a:rPr lang="zh-CN" altLang="en-US" dirty="0"/>
+              <a:t>图</a:t>
+            </a:r>
+          </a:p>
+        </p:txBody>
+      </p:sp>
+      <p:graphicFrame>
+        <p:nvGraphicFramePr>
+          <p:cNvPr id="6" name="表格 6">
+            <a:extLst>
+              <a:ext uri="{FF2B5EF4-FFF2-40B4-BE49-F238E27FC236}">
+                <a16:creationId xmlns:a16="http://schemas.microsoft.com/office/drawing/2014/main" id="{9D7CCAE0-486C-4350-8A79-285DBB64F75D}"/>
+              </a:ext>
+            </a:extLst>
+          </p:cNvPr>
+          <p:cNvGraphicFramePr>
+            <a:graphicFrameLocks noGrp="1"/>
+          </p:cNvGraphicFramePr>
+          <p:nvPr/>
+        </p:nvGraphicFramePr>
+        <p:xfrm>
+          <a:off x="478565" y="1744317"/>
+          <a:ext cx="5486398" cy="3075512"/>
+        </p:xfrm>
+        <a:graphic>
+          <a:graphicData uri="http://schemas.openxmlformats.org/drawingml/2006/table">
+            <a:tbl>
+              <a:tblPr firstRow="1" bandRow="1">
+                <a:tableStyleId>{5C22544A-7EE6-4342-B048-85BDC9FD1C3A}</a:tableStyleId>
+              </a:tblPr>
+              <a:tblGrid>
+                <a:gridCol w="2740418">
+                  <a:extLst>
+                    <a:ext uri="{9D8B030D-6E8A-4147-A177-3AD203B41FA5}">
+                      <a16:colId xmlns:a16="http://schemas.microsoft.com/office/drawing/2014/main" val="784931328"/>
+                    </a:ext>
+                  </a:extLst>
+                </a:gridCol>
+                <a:gridCol w="2745980">
+                  <a:extLst>
+                    <a:ext uri="{9D8B030D-6E8A-4147-A177-3AD203B41FA5}">
+                      <a16:colId xmlns:a16="http://schemas.microsoft.com/office/drawing/2014/main" val="2941244266"/>
+                    </a:ext>
+                  </a:extLst>
+                </a:gridCol>
+              </a:tblGrid>
+              <a:tr h="416592">
+                <a:tc gridSpan="2">
+                  <a:txBody>
+                    <a:bodyPr/>
+                    <a:lstStyle/>
+                    <a:p>
+                      <a:r>
+                        <a:rPr lang="zh-CN" altLang="en-US" sz="1400" dirty="0"/>
+                        <a:t>系统：爱刷题系统</a:t>
+                      </a:r>
+                    </a:p>
+                  </a:txBody>
+                  <a:tcPr/>
+                </a:tc>
+                <a:tc hMerge="1">
+                  <a:txBody>
+                    <a:bodyPr/>
+                    <a:lstStyle/>
+                    <a:p>
+                      <a:endParaRPr lang="zh-CN" altLang="en-US" dirty="0"/>
+                    </a:p>
+                  </a:txBody>
+                  <a:tcPr/>
+                </a:tc>
+                <a:extLst>
+                  <a:ext uri="{0D108BD9-81ED-4DB2-BD59-A6C34878D82A}">
+                    <a16:rowId xmlns:a16="http://schemas.microsoft.com/office/drawing/2014/main" val="2904030591"/>
+                  </a:ext>
+                </a:extLst>
+              </a:tr>
+              <a:tr h="330009">
+                <a:tc>
+                  <a:txBody>
+                    <a:bodyPr/>
+                    <a:lstStyle/>
+                    <a:p>
+                      <a:r>
+                        <a:rPr lang="zh-CN" altLang="en-US" sz="1400" kern="1200" dirty="0">
+                          <a:solidFill>
+                            <a:schemeClr val="accent1"/>
+                          </a:solidFill>
+                          <a:latin typeface="+mj-lt"/>
+                          <a:ea typeface="+mj-ea"/>
+                          <a:cs typeface="+mj-cs"/>
+                        </a:rPr>
+                        <a:t>设计者：金方永</a:t>
+                      </a:r>
+                      <a:endParaRPr lang="zh-CN" altLang="en-US" sz="1400" dirty="0"/>
+                    </a:p>
+                  </a:txBody>
+                  <a:tcPr/>
+                </a:tc>
+                <a:tc>
+                  <a:txBody>
+                    <a:bodyPr/>
+                    <a:lstStyle/>
+                    <a:p>
+                      <a:r>
+                        <a:rPr lang="zh-CN" altLang="en-US" sz="1400" kern="1200" dirty="0">
+                          <a:solidFill>
+                            <a:schemeClr val="accent1"/>
+                          </a:solidFill>
+                          <a:latin typeface="+mj-lt"/>
+                          <a:ea typeface="+mj-ea"/>
+                          <a:cs typeface="+mj-cs"/>
+                        </a:rPr>
+                        <a:t>日期：</a:t>
+                      </a:r>
+                      <a:r>
+                        <a:rPr lang="en-US" altLang="zh-CN" sz="1400" kern="1200" dirty="0">
+                          <a:solidFill>
+                            <a:schemeClr val="accent1"/>
+                          </a:solidFill>
+                          <a:latin typeface="+mj-lt"/>
+                          <a:ea typeface="+mj-ea"/>
+                          <a:cs typeface="+mj-cs"/>
+                        </a:rPr>
+                        <a:t>2021/11/7</a:t>
+                      </a:r>
+                      <a:endParaRPr lang="zh-CN" altLang="en-US" sz="1400" kern="1200" dirty="0">
+                        <a:solidFill>
+                          <a:schemeClr val="accent1"/>
+                        </a:solidFill>
+                        <a:latin typeface="+mj-lt"/>
+                        <a:ea typeface="+mj-ea"/>
+                        <a:cs typeface="+mj-cs"/>
+                      </a:endParaRPr>
+                    </a:p>
+                  </a:txBody>
+                  <a:tcPr/>
+                </a:tc>
+                <a:extLst>
+                  <a:ext uri="{0D108BD9-81ED-4DB2-BD59-A6C34878D82A}">
+                    <a16:rowId xmlns:a16="http://schemas.microsoft.com/office/drawing/2014/main" val="1600763061"/>
+                  </a:ext>
+                </a:extLst>
+              </a:tr>
+              <a:tr h="956581">
+                <a:tc gridSpan="2">
+                  <a:txBody>
+                    <a:bodyPr/>
+                    <a:lstStyle/>
+                    <a:p>
+                      <a:r>
+                        <a:rPr lang="zh-CN" altLang="en-US" sz="1400" kern="1200" dirty="0">
+                          <a:solidFill>
+                            <a:schemeClr val="accent1"/>
+                          </a:solidFill>
+                          <a:latin typeface="+mj-lt"/>
+                          <a:ea typeface="+mj-ea"/>
+                          <a:cs typeface="+mj-cs"/>
+                        </a:rPr>
+                        <a:t>模块：学生端登录模块</a:t>
+                      </a:r>
+                      <a:endParaRPr lang="en-US" altLang="zh-CN" sz="1400" kern="1200" dirty="0">
+                        <a:solidFill>
+                          <a:schemeClr val="accent1"/>
+                        </a:solidFill>
+                        <a:latin typeface="+mj-lt"/>
+                        <a:ea typeface="+mj-ea"/>
+                        <a:cs typeface="+mj-cs"/>
+                      </a:endParaRPr>
+                    </a:p>
+                    <a:p>
+                      <a:r>
+                        <a:rPr lang="zh-CN" altLang="en-US" sz="1400" kern="1200" dirty="0">
+                          <a:solidFill>
+                            <a:schemeClr val="accent1"/>
+                          </a:solidFill>
+                          <a:latin typeface="+mj-lt"/>
+                          <a:ea typeface="+mj-ea"/>
+                          <a:cs typeface="+mj-cs"/>
+                        </a:rPr>
+                        <a:t>编号：</a:t>
+                      </a:r>
+                      <a:r>
+                        <a:rPr lang="en-US" altLang="zh-CN" sz="1400" kern="1200" dirty="0">
+                          <a:solidFill>
+                            <a:schemeClr val="accent1"/>
+                          </a:solidFill>
+                          <a:latin typeface="+mj-lt"/>
+                          <a:ea typeface="+mj-ea"/>
+                          <a:cs typeface="+mj-cs"/>
+                        </a:rPr>
+                        <a:t>1.5</a:t>
+                      </a:r>
+                    </a:p>
+                    <a:p>
+                      <a:r>
+                        <a:rPr lang="zh-CN" altLang="en-US" sz="1400" kern="1200" dirty="0">
+                          <a:solidFill>
+                            <a:schemeClr val="accent1"/>
+                          </a:solidFill>
+                          <a:latin typeface="+mj-lt"/>
+                          <a:ea typeface="+mj-ea"/>
+                          <a:cs typeface="+mj-cs"/>
+                        </a:rPr>
+                        <a:t>被调用：登录、注册</a:t>
+                      </a:r>
+                      <a:endParaRPr lang="en-US" altLang="zh-CN" sz="1400" kern="1200" dirty="0">
+                        <a:solidFill>
+                          <a:schemeClr val="accent1"/>
+                        </a:solidFill>
+                        <a:latin typeface="+mj-lt"/>
+                        <a:ea typeface="+mj-ea"/>
+                        <a:cs typeface="+mj-cs"/>
+                      </a:endParaRPr>
+                    </a:p>
+                    <a:p>
+                      <a:r>
+                        <a:rPr lang="zh-CN" altLang="en-US" sz="1400" kern="1200" dirty="0">
+                          <a:solidFill>
+                            <a:schemeClr val="accent1"/>
+                          </a:solidFill>
+                          <a:latin typeface="+mj-lt"/>
+                          <a:ea typeface="+mj-ea"/>
+                          <a:cs typeface="+mj-cs"/>
+                        </a:rPr>
+                        <a:t>调用：无</a:t>
+                      </a:r>
+                      <a:endParaRPr lang="en-US" altLang="zh-CN" sz="1400" kern="1200" dirty="0">
+                        <a:solidFill>
+                          <a:schemeClr val="accent1"/>
+                        </a:solidFill>
+                        <a:latin typeface="+mj-lt"/>
+                        <a:ea typeface="+mj-ea"/>
+                        <a:cs typeface="+mj-cs"/>
+                      </a:endParaRPr>
+                    </a:p>
+                  </a:txBody>
+                  <a:tcPr/>
+                </a:tc>
+                <a:tc hMerge="1">
+                  <a:txBody>
+                    <a:bodyPr/>
+                    <a:lstStyle/>
+                    <a:p>
+                      <a:endParaRPr lang="zh-CN" altLang="en-US" dirty="0"/>
+                    </a:p>
+                  </a:txBody>
+                  <a:tcPr/>
+                </a:tc>
+                <a:extLst>
+                  <a:ext uri="{0D108BD9-81ED-4DB2-BD59-A6C34878D82A}">
+                    <a16:rowId xmlns:a16="http://schemas.microsoft.com/office/drawing/2014/main" val="1142037319"/>
+                  </a:ext>
+                </a:extLst>
+              </a:tr>
+              <a:tr h="956581">
+                <a:tc gridSpan="2">
+                  <a:txBody>
+                    <a:bodyPr/>
+                    <a:lstStyle/>
+                    <a:p>
+                      <a:r>
+                        <a:rPr lang="zh-CN" altLang="en-US" sz="1400" kern="1200" dirty="0">
+                          <a:solidFill>
+                            <a:schemeClr val="accent1"/>
+                          </a:solidFill>
+                          <a:latin typeface="+mj-lt"/>
+                          <a:ea typeface="+mj-ea"/>
+                          <a:cs typeface="+mj-cs"/>
+                        </a:rPr>
+                        <a:t>输入：</a:t>
+                      </a:r>
+                      <a:r>
+                        <a:rPr lang="en-US" altLang="zh-CN" sz="1400" kern="1200" dirty="0" err="1">
+                          <a:solidFill>
+                            <a:schemeClr val="accent1"/>
+                          </a:solidFill>
+                          <a:latin typeface="+mj-lt"/>
+                          <a:ea typeface="+mj-ea"/>
+                          <a:cs typeface="+mj-cs"/>
+                        </a:rPr>
+                        <a:t>stu_Accond,stu_Pwd</a:t>
+                      </a:r>
+                      <a:r>
+                        <a:rPr lang="en-US" altLang="zh-CN" sz="1400" kern="1200" dirty="0">
+                          <a:solidFill>
+                            <a:schemeClr val="accent1"/>
+                          </a:solidFill>
+                          <a:latin typeface="+mj-lt"/>
+                          <a:ea typeface="+mj-ea"/>
+                          <a:cs typeface="+mj-cs"/>
+                        </a:rPr>
+                        <a:t>,</a:t>
+                      </a:r>
+                    </a:p>
+                    <a:p>
+                      <a:r>
+                        <a:rPr lang="zh-CN" altLang="en-US" sz="1400" kern="1200" dirty="0">
+                          <a:solidFill>
+                            <a:schemeClr val="accent1"/>
+                          </a:solidFill>
+                          <a:latin typeface="+mj-lt"/>
+                          <a:ea typeface="+mj-ea"/>
+                          <a:cs typeface="+mj-cs"/>
+                        </a:rPr>
+                        <a:t>处理：</a:t>
+                      </a:r>
+                      <a:r>
+                        <a:rPr lang="en-US" altLang="zh-CN" sz="1400" kern="1200" dirty="0">
+                          <a:solidFill>
+                            <a:schemeClr val="accent1"/>
+                          </a:solidFill>
+                          <a:latin typeface="+mj-lt"/>
+                          <a:ea typeface="+mj-ea"/>
+                          <a:cs typeface="+mj-cs"/>
+                        </a:rPr>
+                        <a:t>if </a:t>
+                      </a:r>
+                      <a:r>
+                        <a:rPr lang="en-US" altLang="zh-CN" sz="1400" kern="1200" dirty="0" err="1">
+                          <a:solidFill>
+                            <a:schemeClr val="accent1"/>
+                          </a:solidFill>
+                          <a:latin typeface="+mj-lt"/>
+                          <a:ea typeface="+mj-ea"/>
+                          <a:cs typeface="+mj-cs"/>
+                        </a:rPr>
+                        <a:t>stu_pwd</a:t>
+                      </a:r>
+                      <a:r>
+                        <a:rPr lang="zh-CN" altLang="en-US" sz="1400" kern="1200" dirty="0">
+                          <a:solidFill>
+                            <a:schemeClr val="accent1"/>
+                          </a:solidFill>
+                          <a:latin typeface="+mj-lt"/>
+                          <a:ea typeface="+mj-ea"/>
+                          <a:cs typeface="+mj-cs"/>
+                        </a:rPr>
+                        <a:t>与</a:t>
+                      </a:r>
+                      <a:r>
+                        <a:rPr lang="en-US" altLang="zh-CN" sz="1400" kern="1200" dirty="0">
+                          <a:solidFill>
+                            <a:schemeClr val="accent1"/>
+                          </a:solidFill>
+                          <a:latin typeface="+mj-lt"/>
+                          <a:ea typeface="+mj-ea"/>
+                          <a:cs typeface="+mj-cs"/>
+                        </a:rPr>
+                        <a:t>student</a:t>
+                      </a:r>
+                      <a:r>
+                        <a:rPr lang="zh-CN" altLang="en-US" sz="1400" kern="1200" dirty="0">
+                          <a:solidFill>
+                            <a:schemeClr val="accent1"/>
+                          </a:solidFill>
+                          <a:latin typeface="+mj-lt"/>
+                          <a:ea typeface="+mj-ea"/>
+                          <a:cs typeface="+mj-cs"/>
+                        </a:rPr>
+                        <a:t>表中的</a:t>
+                      </a:r>
+                      <a:r>
+                        <a:rPr lang="en-US" altLang="zh-CN" sz="1400" kern="1200" dirty="0" err="1">
+                          <a:solidFill>
+                            <a:schemeClr val="accent1"/>
+                          </a:solidFill>
+                          <a:latin typeface="+mj-lt"/>
+                          <a:ea typeface="+mj-ea"/>
+                          <a:cs typeface="+mj-cs"/>
+                        </a:rPr>
+                        <a:t>pwd</a:t>
+                      </a:r>
+                      <a:r>
+                        <a:rPr lang="zh-CN" altLang="en-US" sz="1400" kern="1200" dirty="0">
+                          <a:solidFill>
+                            <a:schemeClr val="accent1"/>
+                          </a:solidFill>
+                          <a:latin typeface="+mj-lt"/>
+                          <a:ea typeface="+mj-ea"/>
+                          <a:cs typeface="+mj-cs"/>
+                        </a:rPr>
+                        <a:t>不一致，则返回密码错误，否则返回登录成功</a:t>
+                      </a:r>
+                      <a:endParaRPr lang="en-US" altLang="zh-CN" sz="1400" kern="1200" dirty="0">
+                        <a:solidFill>
+                          <a:schemeClr val="accent1"/>
+                        </a:solidFill>
+                        <a:latin typeface="+mj-lt"/>
+                        <a:ea typeface="+mj-ea"/>
+                        <a:cs typeface="+mj-cs"/>
+                      </a:endParaRPr>
+                    </a:p>
+                    <a:p>
+                      <a:r>
+                        <a:rPr lang="zh-CN" altLang="en-US" sz="1400" kern="1200" dirty="0">
+                          <a:solidFill>
+                            <a:schemeClr val="accent1"/>
+                          </a:solidFill>
+                          <a:latin typeface="+mj-lt"/>
+                          <a:ea typeface="+mj-ea"/>
+                          <a:cs typeface="+mj-cs"/>
+                        </a:rPr>
+                        <a:t>输出：</a:t>
+                      </a:r>
+                      <a:r>
+                        <a:rPr lang="en-US" altLang="zh-CN" sz="1400" kern="1200" dirty="0" err="1">
+                          <a:solidFill>
+                            <a:schemeClr val="accent1"/>
+                          </a:solidFill>
+                          <a:latin typeface="+mj-lt"/>
+                          <a:ea typeface="+mj-ea"/>
+                          <a:cs typeface="+mj-cs"/>
+                        </a:rPr>
+                        <a:t>user_event_log</a:t>
+                      </a:r>
+                      <a:r>
+                        <a:rPr lang="zh-CN" altLang="en-US" sz="1400" kern="1200" dirty="0">
+                          <a:solidFill>
+                            <a:schemeClr val="accent1"/>
+                          </a:solidFill>
+                          <a:latin typeface="+mj-lt"/>
+                          <a:ea typeface="+mj-ea"/>
+                          <a:cs typeface="+mj-cs"/>
+                        </a:rPr>
+                        <a:t>表中的一条记录</a:t>
+                      </a:r>
+                      <a:endParaRPr lang="zh-CN" altLang="en-US" sz="1400" dirty="0"/>
+                    </a:p>
+                  </a:txBody>
+                  <a:tcPr/>
+                </a:tc>
+                <a:tc hMerge="1">
+                  <a:txBody>
+                    <a:bodyPr/>
+                    <a:lstStyle/>
+                    <a:p>
+                      <a:endParaRPr lang="zh-CN" altLang="en-US" dirty="0"/>
+                    </a:p>
+                  </a:txBody>
+                  <a:tcPr/>
+                </a:tc>
+                <a:extLst>
+                  <a:ext uri="{0D108BD9-81ED-4DB2-BD59-A6C34878D82A}">
+                    <a16:rowId xmlns:a16="http://schemas.microsoft.com/office/drawing/2014/main" val="3492077855"/>
+                  </a:ext>
+                </a:extLst>
+              </a:tr>
+              <a:tr h="415749">
+                <a:tc gridSpan="2">
+                  <a:txBody>
+                    <a:bodyPr/>
+                    <a:lstStyle/>
+                    <a:p>
+                      <a:r>
+                        <a:rPr lang="zh-CN" altLang="en-US" sz="1400" kern="1200" dirty="0">
+                          <a:solidFill>
+                            <a:schemeClr val="accent1"/>
+                          </a:solidFill>
+                          <a:latin typeface="+mj-lt"/>
+                          <a:ea typeface="+mj-ea"/>
+                          <a:cs typeface="+mj-cs"/>
+                        </a:rPr>
+                        <a:t>备注：</a:t>
+                      </a:r>
+                    </a:p>
+                  </a:txBody>
+                  <a:tcPr/>
+                </a:tc>
+                <a:tc hMerge="1">
+                  <a:txBody>
+                    <a:bodyPr/>
+                    <a:lstStyle/>
+                    <a:p>
+                      <a:endParaRPr lang="zh-CN" altLang="en-US" dirty="0"/>
+                    </a:p>
+                  </a:txBody>
+                  <a:tcPr/>
+                </a:tc>
+                <a:extLst>
+                  <a:ext uri="{0D108BD9-81ED-4DB2-BD59-A6C34878D82A}">
+                    <a16:rowId xmlns:a16="http://schemas.microsoft.com/office/drawing/2014/main" val="777161465"/>
+                  </a:ext>
+                </a:extLst>
+              </a:tr>
+            </a:tbl>
+          </a:graphicData>
+        </a:graphic>
+      </p:graphicFrame>
+      <p:graphicFrame>
+        <p:nvGraphicFramePr>
+          <p:cNvPr id="8" name="表格 6">
+            <a:extLst>
+              <a:ext uri="{FF2B5EF4-FFF2-40B4-BE49-F238E27FC236}">
+                <a16:creationId xmlns:a16="http://schemas.microsoft.com/office/drawing/2014/main" id="{EA2A9FBF-FF92-421C-B71E-77FED4170EDA}"/>
+              </a:ext>
+            </a:extLst>
+          </p:cNvPr>
+          <p:cNvGraphicFramePr>
+            <a:graphicFrameLocks noGrp="1"/>
+          </p:cNvGraphicFramePr>
+          <p:nvPr/>
+        </p:nvGraphicFramePr>
+        <p:xfrm>
+          <a:off x="6281361" y="1744317"/>
+          <a:ext cx="5486398" cy="3040725"/>
+        </p:xfrm>
+        <a:graphic>
+          <a:graphicData uri="http://schemas.openxmlformats.org/drawingml/2006/table">
+            <a:tbl>
+              <a:tblPr firstRow="1" bandRow="1">
+                <a:tableStyleId>{5C22544A-7EE6-4342-B048-85BDC9FD1C3A}</a:tableStyleId>
+              </a:tblPr>
+              <a:tblGrid>
+                <a:gridCol w="2740418">
+                  <a:extLst>
+                    <a:ext uri="{9D8B030D-6E8A-4147-A177-3AD203B41FA5}">
+                      <a16:colId xmlns:a16="http://schemas.microsoft.com/office/drawing/2014/main" val="784931328"/>
+                    </a:ext>
+                  </a:extLst>
+                </a:gridCol>
+                <a:gridCol w="2745980">
+                  <a:extLst>
+                    <a:ext uri="{9D8B030D-6E8A-4147-A177-3AD203B41FA5}">
+                      <a16:colId xmlns:a16="http://schemas.microsoft.com/office/drawing/2014/main" val="2941244266"/>
+                    </a:ext>
+                  </a:extLst>
+                </a:gridCol>
+              </a:tblGrid>
+              <a:tr h="381805">
+                <a:tc gridSpan="2">
+                  <a:txBody>
+                    <a:bodyPr/>
+                    <a:lstStyle/>
+                    <a:p>
+                      <a:r>
+                        <a:rPr lang="zh-CN" altLang="en-US" sz="1400" dirty="0"/>
+                        <a:t>系统：爱刷题系统</a:t>
+                      </a:r>
+                    </a:p>
+                  </a:txBody>
+                  <a:tcPr/>
+                </a:tc>
+                <a:tc hMerge="1">
+                  <a:txBody>
+                    <a:bodyPr/>
+                    <a:lstStyle/>
+                    <a:p>
+                      <a:endParaRPr lang="zh-CN" altLang="en-US" dirty="0"/>
+                    </a:p>
+                  </a:txBody>
+                  <a:tcPr/>
+                </a:tc>
+                <a:extLst>
+                  <a:ext uri="{0D108BD9-81ED-4DB2-BD59-A6C34878D82A}">
+                    <a16:rowId xmlns:a16="http://schemas.microsoft.com/office/drawing/2014/main" val="2904030591"/>
+                  </a:ext>
+                </a:extLst>
+              </a:tr>
+              <a:tr h="330009">
+                <a:tc>
+                  <a:txBody>
+                    <a:bodyPr/>
+                    <a:lstStyle/>
+                    <a:p>
+                      <a:r>
+                        <a:rPr lang="zh-CN" altLang="en-US" sz="1400" kern="1200" dirty="0">
+                          <a:solidFill>
+                            <a:schemeClr val="accent1"/>
+                          </a:solidFill>
+                          <a:latin typeface="+mj-lt"/>
+                          <a:ea typeface="+mj-ea"/>
+                          <a:cs typeface="+mj-cs"/>
+                        </a:rPr>
+                        <a:t>设计者：金方永</a:t>
+                      </a:r>
+                      <a:endParaRPr lang="zh-CN" altLang="en-US" sz="1400" dirty="0"/>
+                    </a:p>
+                  </a:txBody>
+                  <a:tcPr/>
+                </a:tc>
+                <a:tc>
+                  <a:txBody>
+                    <a:bodyPr/>
+                    <a:lstStyle/>
+                    <a:p>
+                      <a:r>
+                        <a:rPr lang="zh-CN" altLang="en-US" sz="1400" kern="1200" dirty="0">
+                          <a:solidFill>
+                            <a:schemeClr val="accent1"/>
+                          </a:solidFill>
+                          <a:latin typeface="+mj-lt"/>
+                          <a:ea typeface="+mj-ea"/>
+                          <a:cs typeface="+mj-cs"/>
+                        </a:rPr>
+                        <a:t>日期：</a:t>
+                      </a:r>
+                      <a:r>
+                        <a:rPr lang="en-US" altLang="zh-CN" sz="1400" kern="1200" dirty="0">
+                          <a:solidFill>
+                            <a:schemeClr val="accent1"/>
+                          </a:solidFill>
+                          <a:latin typeface="+mj-lt"/>
+                          <a:ea typeface="+mj-ea"/>
+                          <a:cs typeface="+mj-cs"/>
+                        </a:rPr>
+                        <a:t>2021/11/7</a:t>
+                      </a:r>
+                      <a:endParaRPr lang="zh-CN" altLang="en-US" sz="1400" kern="1200" dirty="0">
+                        <a:solidFill>
+                          <a:schemeClr val="accent1"/>
+                        </a:solidFill>
+                        <a:latin typeface="+mj-lt"/>
+                        <a:ea typeface="+mj-ea"/>
+                        <a:cs typeface="+mj-cs"/>
+                      </a:endParaRPr>
+                    </a:p>
+                  </a:txBody>
+                  <a:tcPr/>
+                </a:tc>
+                <a:extLst>
+                  <a:ext uri="{0D108BD9-81ED-4DB2-BD59-A6C34878D82A}">
+                    <a16:rowId xmlns:a16="http://schemas.microsoft.com/office/drawing/2014/main" val="1600763061"/>
+                  </a:ext>
+                </a:extLst>
+              </a:tr>
+              <a:tr h="956581">
+                <a:tc gridSpan="2">
+                  <a:txBody>
+                    <a:bodyPr/>
+                    <a:lstStyle/>
+                    <a:p>
+                      <a:r>
+                        <a:rPr lang="zh-CN" altLang="en-US" sz="1400" kern="1200" dirty="0">
+                          <a:solidFill>
+                            <a:schemeClr val="accent1"/>
+                          </a:solidFill>
+                          <a:latin typeface="+mj-lt"/>
+                          <a:ea typeface="+mj-ea"/>
+                          <a:cs typeface="+mj-cs"/>
+                        </a:rPr>
+                        <a:t>模块：管理员主页模块</a:t>
+                      </a:r>
+                      <a:endParaRPr lang="en-US" altLang="zh-CN" sz="1400" kern="1200" dirty="0">
+                        <a:solidFill>
+                          <a:schemeClr val="accent1"/>
+                        </a:solidFill>
+                        <a:latin typeface="+mj-lt"/>
+                        <a:ea typeface="+mj-ea"/>
+                        <a:cs typeface="+mj-cs"/>
+                      </a:endParaRPr>
+                    </a:p>
+                    <a:p>
+                      <a:r>
+                        <a:rPr lang="zh-CN" altLang="en-US" sz="1400" kern="1200" dirty="0">
+                          <a:solidFill>
+                            <a:schemeClr val="accent1"/>
+                          </a:solidFill>
+                          <a:latin typeface="+mj-lt"/>
+                          <a:ea typeface="+mj-ea"/>
+                          <a:cs typeface="+mj-cs"/>
+                        </a:rPr>
+                        <a:t>编号：</a:t>
+                      </a:r>
+                      <a:r>
+                        <a:rPr lang="en-US" altLang="zh-CN" sz="1400" kern="1200" dirty="0">
+                          <a:solidFill>
+                            <a:schemeClr val="accent1"/>
+                          </a:solidFill>
+                          <a:latin typeface="+mj-lt"/>
+                          <a:ea typeface="+mj-ea"/>
+                          <a:cs typeface="+mj-cs"/>
+                        </a:rPr>
+                        <a:t>2.1</a:t>
+                      </a:r>
+                    </a:p>
+                    <a:p>
+                      <a:r>
+                        <a:rPr lang="zh-CN" altLang="en-US" sz="1400" kern="1200" dirty="0">
+                          <a:solidFill>
+                            <a:schemeClr val="accent1"/>
+                          </a:solidFill>
+                          <a:latin typeface="+mj-lt"/>
+                          <a:ea typeface="+mj-ea"/>
+                          <a:cs typeface="+mj-cs"/>
+                        </a:rPr>
+                        <a:t>被调用：查看、发布</a:t>
+                      </a:r>
+                      <a:endParaRPr lang="en-US" altLang="zh-CN" sz="1400" kern="1200" dirty="0">
+                        <a:solidFill>
+                          <a:schemeClr val="accent1"/>
+                        </a:solidFill>
+                        <a:latin typeface="+mj-lt"/>
+                        <a:ea typeface="+mj-ea"/>
+                        <a:cs typeface="+mj-cs"/>
+                      </a:endParaRPr>
+                    </a:p>
+                    <a:p>
+                      <a:r>
+                        <a:rPr lang="zh-CN" altLang="en-US" sz="1400" kern="1200" dirty="0">
+                          <a:solidFill>
+                            <a:schemeClr val="accent1"/>
+                          </a:solidFill>
+                          <a:latin typeface="+mj-lt"/>
+                          <a:ea typeface="+mj-ea"/>
+                          <a:cs typeface="+mj-cs"/>
+                        </a:rPr>
+                        <a:t>调用：无</a:t>
+                      </a:r>
+                      <a:endParaRPr lang="en-US" altLang="zh-CN" sz="1400" kern="1200" dirty="0">
+                        <a:solidFill>
+                          <a:schemeClr val="accent1"/>
+                        </a:solidFill>
+                        <a:latin typeface="+mj-lt"/>
+                        <a:ea typeface="+mj-ea"/>
+                        <a:cs typeface="+mj-cs"/>
+                      </a:endParaRPr>
+                    </a:p>
+                  </a:txBody>
+                  <a:tcPr/>
+                </a:tc>
+                <a:tc hMerge="1">
+                  <a:txBody>
+                    <a:bodyPr/>
+                    <a:lstStyle/>
+                    <a:p>
+                      <a:endParaRPr lang="zh-CN" altLang="en-US" dirty="0"/>
+                    </a:p>
+                  </a:txBody>
+                  <a:tcPr/>
+                </a:tc>
+                <a:extLst>
+                  <a:ext uri="{0D108BD9-81ED-4DB2-BD59-A6C34878D82A}">
+                    <a16:rowId xmlns:a16="http://schemas.microsoft.com/office/drawing/2014/main" val="1142037319"/>
+                  </a:ext>
+                </a:extLst>
+              </a:tr>
+              <a:tr h="956581">
+                <a:tc gridSpan="2">
+                  <a:txBody>
+                    <a:bodyPr/>
+                    <a:lstStyle/>
+                    <a:p>
+                      <a:r>
+                        <a:rPr lang="zh-CN" altLang="en-US" sz="1400" kern="1200" dirty="0">
+                          <a:solidFill>
+                            <a:schemeClr val="accent1"/>
+                          </a:solidFill>
+                          <a:latin typeface="+mj-lt"/>
+                          <a:ea typeface="+mj-ea"/>
+                          <a:cs typeface="+mj-cs"/>
+                        </a:rPr>
+                        <a:t>输入：管理员登录成功</a:t>
+                      </a:r>
+                      <a:endParaRPr lang="en-US" altLang="zh-CN" sz="1400" kern="1200" dirty="0">
+                        <a:solidFill>
+                          <a:schemeClr val="accent1"/>
+                        </a:solidFill>
+                        <a:latin typeface="+mj-lt"/>
+                        <a:ea typeface="+mj-ea"/>
+                        <a:cs typeface="+mj-cs"/>
+                      </a:endParaRPr>
+                    </a:p>
+                    <a:p>
+                      <a:r>
+                        <a:rPr lang="zh-CN" altLang="en-US" sz="1400" kern="1200" dirty="0">
+                          <a:solidFill>
+                            <a:schemeClr val="accent1"/>
+                          </a:solidFill>
+                          <a:latin typeface="+mj-lt"/>
+                          <a:ea typeface="+mj-ea"/>
+                          <a:cs typeface="+mj-cs"/>
+                        </a:rPr>
+                        <a:t>处理：展示系统题库中所含有的全部题目数量，试卷总数信息。学生用户端的未读反馈</a:t>
+                      </a:r>
+                      <a:endParaRPr lang="en-US" altLang="zh-CN" sz="1400" kern="1200" dirty="0">
+                        <a:solidFill>
+                          <a:schemeClr val="accent1"/>
+                        </a:solidFill>
+                        <a:latin typeface="+mj-lt"/>
+                        <a:ea typeface="+mj-ea"/>
+                        <a:cs typeface="+mj-cs"/>
+                      </a:endParaRPr>
+                    </a:p>
+                    <a:p>
+                      <a:r>
+                        <a:rPr lang="zh-CN" altLang="en-US" sz="1400" kern="1200" dirty="0">
+                          <a:solidFill>
+                            <a:schemeClr val="accent1"/>
+                          </a:solidFill>
+                          <a:latin typeface="+mj-lt"/>
+                          <a:ea typeface="+mj-ea"/>
+                          <a:cs typeface="+mj-cs"/>
+                        </a:rPr>
+                        <a:t>输出：</a:t>
+                      </a:r>
+                      <a:r>
+                        <a:rPr lang="en-US" altLang="zh-CN" sz="1400" kern="1200" dirty="0" err="1">
+                          <a:solidFill>
+                            <a:schemeClr val="accent1"/>
+                          </a:solidFill>
+                          <a:latin typeface="+mj-lt"/>
+                          <a:ea typeface="+mj-ea"/>
+                          <a:cs typeface="+mj-cs"/>
+                        </a:rPr>
+                        <a:t>feetback</a:t>
+                      </a:r>
+                      <a:r>
+                        <a:rPr lang="zh-CN" altLang="en-US" sz="1400" kern="1200" dirty="0">
+                          <a:solidFill>
+                            <a:schemeClr val="accent1"/>
+                          </a:solidFill>
+                          <a:latin typeface="+mj-lt"/>
+                          <a:ea typeface="+mj-ea"/>
+                          <a:cs typeface="+mj-cs"/>
+                        </a:rPr>
+                        <a:t>表中的信息标为已读。</a:t>
+                      </a:r>
+                      <a:endParaRPr lang="zh-CN" altLang="en-US" sz="1400" dirty="0"/>
+                    </a:p>
+                  </a:txBody>
+                  <a:tcPr/>
+                </a:tc>
+                <a:tc hMerge="1">
+                  <a:txBody>
+                    <a:bodyPr/>
+                    <a:lstStyle/>
+                    <a:p>
+                      <a:endParaRPr lang="zh-CN" altLang="en-US" dirty="0"/>
+                    </a:p>
+                  </a:txBody>
+                  <a:tcPr/>
+                </a:tc>
+                <a:extLst>
+                  <a:ext uri="{0D108BD9-81ED-4DB2-BD59-A6C34878D82A}">
+                    <a16:rowId xmlns:a16="http://schemas.microsoft.com/office/drawing/2014/main" val="3492077855"/>
+                  </a:ext>
+                </a:extLst>
+              </a:tr>
+              <a:tr h="415749">
+                <a:tc gridSpan="2">
+                  <a:txBody>
+                    <a:bodyPr/>
+                    <a:lstStyle/>
+                    <a:p>
+                      <a:r>
+                        <a:rPr lang="zh-CN" altLang="en-US" sz="1400" kern="1200" dirty="0">
+                          <a:solidFill>
+                            <a:schemeClr val="accent1"/>
+                          </a:solidFill>
+                          <a:latin typeface="+mj-lt"/>
+                          <a:ea typeface="+mj-ea"/>
+                          <a:cs typeface="+mj-cs"/>
+                        </a:rPr>
+                        <a:t>备注：</a:t>
+                      </a:r>
+                    </a:p>
+                  </a:txBody>
+                  <a:tcPr/>
+                </a:tc>
+                <a:tc hMerge="1">
+                  <a:txBody>
+                    <a:bodyPr/>
+                    <a:lstStyle/>
+                    <a:p>
+                      <a:endParaRPr lang="zh-CN" altLang="en-US" dirty="0"/>
+                    </a:p>
+                  </a:txBody>
+                  <a:tcPr/>
+                </a:tc>
+                <a:extLst>
+                  <a:ext uri="{0D108BD9-81ED-4DB2-BD59-A6C34878D82A}">
+                    <a16:rowId xmlns:a16="http://schemas.microsoft.com/office/drawing/2014/main" val="777161465"/>
+                  </a:ext>
+                </a:extLst>
+              </a:tr>
+            </a:tbl>
+          </a:graphicData>
+        </a:graphic>
+      </p:graphicFrame>
+    </p:spTree>
+    <p:extLst>
+      <p:ext uri="{BB962C8B-B14F-4D97-AF65-F5344CB8AC3E}">
+        <p14:creationId xmlns:p14="http://schemas.microsoft.com/office/powerpoint/2010/main" val="4178891601"/>
+      </p:ext>
+    </p:extLst>
+  </p:cSld>
+  <p:clrMapOvr>
+    <a:masterClrMapping/>
+  </p:clrMapOvr>
+  <mc:AlternateContent xmlns:mc="http://schemas.openxmlformats.org/markup-compatibility/2006" xmlns:p14="http://schemas.microsoft.com/office/powerpoint/2010/main">
+    <mc:Choice Requires="p14">
+      <p:transition spd="med" p14:dur="700">
+        <p:fade/>
+      </p:transition>
+    </mc:Choice>
+    <mc:Fallback xmlns="">
+      <p:transition spd="med">
+        <p:fade/>
+      </p:transition>
+    </mc:Fallback>
+  </mc:AlternateContent>
+</p:sld>
+</file>
+
+<file path=ppt/slides/slide13.xml><?xml version="1.0" encoding="utf-8"?>
 <p:sld xmlns:a="http://schemas.openxmlformats.org/drawingml/2006/main" xmlns:r="http://schemas.openxmlformats.org/officeDocument/2006/relationships" xmlns:p="http://schemas.openxmlformats.org/presentationml/2006/main">
   <p:cSld>
     <p:spTree>
@@ -4796,7 +7094,7 @@
 </p:sld>
 </file>
 
-<file path=ppt/slides/slide12.xml><?xml version="1.0" encoding="utf-8"?>
+<file path=ppt/slides/slide14.xml><?xml version="1.0" encoding="utf-8"?>
 <p:sld xmlns:a="http://schemas.openxmlformats.org/drawingml/2006/main" xmlns:r="http://schemas.openxmlformats.org/officeDocument/2006/relationships" xmlns:p="http://schemas.openxmlformats.org/presentationml/2006/main">
   <p:cSld>
     <p:spTree>
@@ -5070,7 +7368,7 @@
 </p:sld>
 </file>
 
-<file path=ppt/slides/slide13.xml><?xml version="1.0" encoding="utf-8"?>
+<file path=ppt/slides/slide15.xml><?xml version="1.0" encoding="utf-8"?>
 <p:sld xmlns:a="http://schemas.openxmlformats.org/drawingml/2006/main" xmlns:r="http://schemas.openxmlformats.org/officeDocument/2006/relationships" xmlns:p="http://schemas.openxmlformats.org/presentationml/2006/main">
   <p:cSld>
     <p:spTree>
@@ -5359,7 +7657,7 @@
 </p:sld>
 </file>
 
-<file path=ppt/slides/slide14.xml><?xml version="1.0" encoding="utf-8"?>
+<file path=ppt/slides/slide16.xml><?xml version="1.0" encoding="utf-8"?>
 <p:sld xmlns:a="http://schemas.openxmlformats.org/drawingml/2006/main" xmlns:r="http://schemas.openxmlformats.org/officeDocument/2006/relationships" xmlns:p="http://schemas.openxmlformats.org/presentationml/2006/main">
   <p:cSld>
     <p:spTree>
@@ -5863,7 +8161,7 @@
 </p:sld>
 </file>
 
-<file path=ppt/slides/slide15.xml><?xml version="1.0" encoding="utf-8"?>
+<file path=ppt/slides/slide17.xml><?xml version="1.0" encoding="utf-8"?>
 <p:sld xmlns:a="http://schemas.openxmlformats.org/drawingml/2006/main" xmlns:r="http://schemas.openxmlformats.org/officeDocument/2006/relationships" xmlns:p="http://schemas.openxmlformats.org/presentationml/2006/main">
   <p:cSld>
     <p:spTree>
@@ -6048,7 +8346,7 @@
 </p:sld>
 </file>
 
-<file path=ppt/slides/slide16.xml><?xml version="1.0" encoding="utf-8"?>
+<file path=ppt/slides/slide18.xml><?xml version="1.0" encoding="utf-8"?>
 <p:sld xmlns:a="http://schemas.openxmlformats.org/drawingml/2006/main" xmlns:r="http://schemas.openxmlformats.org/officeDocument/2006/relationships" xmlns:p="http://schemas.openxmlformats.org/presentationml/2006/main">
   <p:cSld>
     <p:spTree>
@@ -6093,36 +8391,6 @@
           </a:p>
         </p:txBody>
       </p:sp>
-      <p:pic>
-        <p:nvPicPr>
-          <p:cNvPr id="4" name="图片 3">
-            <a:extLst>
-              <a:ext uri="{FF2B5EF4-FFF2-40B4-BE49-F238E27FC236}">
-                <a16:creationId xmlns:a16="http://schemas.microsoft.com/office/drawing/2014/main" id="{D2F0D740-1071-4F6F-B1CB-02F2A3B93B2C}"/>
-              </a:ext>
-            </a:extLst>
-          </p:cNvPr>
-          <p:cNvPicPr>
-            <a:picLocks noChangeAspect="1"/>
-          </p:cNvPicPr>
-          <p:nvPr/>
-        </p:nvPicPr>
-        <p:blipFill>
-          <a:blip r:embed="rId2"/>
-          <a:stretch>
-            <a:fillRect/>
-          </a:stretch>
-        </p:blipFill>
-        <p:spPr>
-          <a:xfrm>
-            <a:off x="1743740" y="1156545"/>
-            <a:ext cx="6724772" cy="4544909"/>
-          </a:xfrm>
-          <a:prstGeom prst="rect">
-            <a:avLst/>
-          </a:prstGeom>
-        </p:spPr>
-      </p:pic>
       <p:sp>
         <p:nvSpPr>
           <p:cNvPr id="5" name="文本框 4">
@@ -6159,6 +8427,36 @@
           </a:p>
         </p:txBody>
       </p:sp>
+      <p:pic>
+        <p:nvPicPr>
+          <p:cNvPr id="6" name="图片 5">
+            <a:extLst>
+              <a:ext uri="{FF2B5EF4-FFF2-40B4-BE49-F238E27FC236}">
+                <a16:creationId xmlns:a16="http://schemas.microsoft.com/office/drawing/2014/main" id="{5966EDC9-4775-413D-A995-80B1FF22C293}"/>
+              </a:ext>
+            </a:extLst>
+          </p:cNvPr>
+          <p:cNvPicPr>
+            <a:picLocks noChangeAspect="1"/>
+          </p:cNvPicPr>
+          <p:nvPr/>
+        </p:nvPicPr>
+        <p:blipFill>
+          <a:blip r:embed="rId2"/>
+          <a:stretch>
+            <a:fillRect/>
+          </a:stretch>
+        </p:blipFill>
+        <p:spPr>
+          <a:xfrm>
+            <a:off x="1723992" y="1158197"/>
+            <a:ext cx="7573290" cy="4541606"/>
+          </a:xfrm>
+          <a:prstGeom prst="rect">
+            <a:avLst/>
+          </a:prstGeom>
+        </p:spPr>
+      </p:pic>
     </p:spTree>
     <p:extLst>
       <p:ext uri="{BB962C8B-B14F-4D97-AF65-F5344CB8AC3E}">
@@ -6184,7 +8482,7 @@
 </p:sld>
 </file>
 
-<file path=ppt/slides/slide17.xml><?xml version="1.0" encoding="utf-8"?>
+<file path=ppt/slides/slide19.xml><?xml version="1.0" encoding="utf-8"?>
 <p:sld xmlns:a="http://schemas.openxmlformats.org/drawingml/2006/main" xmlns:r="http://schemas.openxmlformats.org/officeDocument/2006/relationships" xmlns:p="http://schemas.openxmlformats.org/presentationml/2006/main">
   <p:cSld>
     <p:spTree>
@@ -6244,14 +8542,14 @@
           <p:nvPr>
             <p:extLst>
               <p:ext uri="{D42A27DB-BD31-4B8C-83A1-F6EECF244321}">
-                <p14:modId xmlns:p14="http://schemas.microsoft.com/office/powerpoint/2010/main" val="3723169647"/>
+                <p14:modId xmlns:p14="http://schemas.microsoft.com/office/powerpoint/2010/main" val="4292234549"/>
               </p:ext>
             </p:extLst>
           </p:nvPr>
         </p:nvGraphicFramePr>
         <p:xfrm>
-          <a:off x="2158253" y="924411"/>
-          <a:ext cx="8280027" cy="5779036"/>
+          <a:off x="2503918" y="924411"/>
+          <a:ext cx="7934363" cy="4749996"/>
         </p:xfrm>
         <a:graphic>
           <a:graphicData uri="http://schemas.openxmlformats.org/drawingml/2006/table">
@@ -6260,21 +8558,21 @@
                 <a:tableStyleId>{5C22544A-7EE6-4342-B048-85BDC9FD1C3A}</a:tableStyleId>
               </a:tblPr>
               <a:tblGrid>
-                <a:gridCol w="1694329">
+                <a:gridCol w="1625102">
                   <a:extLst>
                     <a:ext uri="{9D8B030D-6E8A-4147-A177-3AD203B41FA5}">
                       <a16:colId xmlns:a16="http://schemas.microsoft.com/office/drawing/2014/main" val="2220486308"/>
                     </a:ext>
                   </a:extLst>
                 </a:gridCol>
-                <a:gridCol w="3829798">
+                <a:gridCol w="3668411">
                   <a:extLst>
                     <a:ext uri="{9D8B030D-6E8A-4147-A177-3AD203B41FA5}">
                       <a16:colId xmlns:a16="http://schemas.microsoft.com/office/drawing/2014/main" val="2654393185"/>
                     </a:ext>
                   </a:extLst>
                 </a:gridCol>
-                <a:gridCol w="2755900">
+                <a:gridCol w="2640850">
                   <a:extLst>
                     <a:ext uri="{9D8B030D-6E8A-4147-A177-3AD203B41FA5}">
                       <a16:colId xmlns:a16="http://schemas.microsoft.com/office/drawing/2014/main" val="1517525559"/>
@@ -6282,7 +8580,7 @@
                   </a:extLst>
                 </a:gridCol>
               </a:tblGrid>
-              <a:tr h="497091">
+              <a:tr h="474205">
                 <a:tc>
                   <a:txBody>
                     <a:bodyPr/>
@@ -6328,7 +8626,7 @@
                   </a:ext>
                 </a:extLst>
               </a:tr>
-              <a:tr h="1697886">
+              <a:tr h="1619716">
                 <a:tc>
                   <a:txBody>
                     <a:bodyPr/>
@@ -6357,18 +8655,6 @@
                     <a:p>
                       <a:pPr marL="0" algn="l" defTabSz="914400" rtl="0" eaLnBrk="1" latinLnBrk="0" hangingPunct="1"/>
                       <a:r>
-                        <a:rPr lang="zh-CN" altLang="zh-CN" sz="1800" kern="1200" dirty="0">
-                          <a:solidFill>
-                            <a:schemeClr val="dk1"/>
-                          </a:solidFill>
-                          <a:effectLst/>
-                          <a:latin typeface="+mn-lt"/>
-                          <a:ea typeface="+mn-ea"/>
-                          <a:cs typeface="+mn-cs"/>
-                        </a:rPr>
-                        <a:t>项目开发计划</a:t>
-                      </a:r>
-                      <a:r>
                         <a:rPr lang="en-US" altLang="zh-CN" sz="1800" kern="1200" dirty="0">
                           <a:solidFill>
                             <a:schemeClr val="dk1"/>
@@ -6378,34 +8664,7 @@
                           <a:ea typeface="+mn-ea"/>
                           <a:cs typeface="Arial" panose="020B0604020202020204" pitchFamily="34" charset="0"/>
                         </a:rPr>
-                        <a:t>6-8</a:t>
-                      </a:r>
-                    </a:p>
-                    <a:p>
-                      <a:pPr marL="0" algn="l" defTabSz="914400" rtl="0" eaLnBrk="1" latinLnBrk="0" hangingPunct="1"/>
-                      <a:r>
-                        <a:rPr lang="zh-CN" altLang="zh-CN" sz="1800" kern="1200" dirty="0">
-                          <a:solidFill>
-                            <a:schemeClr val="dk1"/>
-                          </a:solidFill>
-                          <a:effectLst/>
-                          <a:latin typeface="+mn-lt"/>
-                          <a:ea typeface="+mn-ea"/>
-                          <a:cs typeface="+mn-cs"/>
-                        </a:rPr>
-                        <a:t>可行性分析报告</a:t>
-                      </a:r>
-                      <a:r>
-                        <a:rPr lang="en-US" altLang="zh-CN" sz="1800" kern="1200" dirty="0">
-                          <a:solidFill>
-                            <a:schemeClr val="dk1"/>
-                          </a:solidFill>
-                          <a:effectLst/>
-                          <a:latin typeface="Arial" panose="020B0604020202020204" pitchFamily="34" charset="0"/>
-                          <a:ea typeface="+mn-ea"/>
-                          <a:cs typeface="Arial" panose="020B0604020202020204" pitchFamily="34" charset="0"/>
-                        </a:rPr>
-                        <a:t>1-3</a:t>
+                        <a:t>PPT</a:t>
                       </a:r>
                     </a:p>
                     <a:p>
@@ -6420,7 +8679,7 @@
                           <a:ea typeface="+mn-ea"/>
                           <a:cs typeface="+mn-cs"/>
                         </a:rPr>
-                        <a:t>甘特图更新</a:t>
+                        <a:t>文档</a:t>
                       </a:r>
                       <a:endParaRPr lang="en-US" altLang="zh-CN" sz="1800" kern="1200" dirty="0">
                         <a:solidFill>
@@ -6435,151 +8694,6 @@
                     <a:p>
                       <a:pPr marL="0" algn="l" defTabSz="914400" rtl="0" eaLnBrk="1" latinLnBrk="0" hangingPunct="1"/>
                       <a:r>
-                        <a:rPr lang="zh-CN" altLang="en-US" sz="1800" kern="1200" dirty="0">
-                          <a:solidFill>
-                            <a:schemeClr val="dk1"/>
-                          </a:solidFill>
-                          <a:effectLst/>
-                          <a:latin typeface="+mn-lt"/>
-                          <a:ea typeface="+mn-ea"/>
-                          <a:cs typeface="+mn-cs"/>
-                        </a:rPr>
-                        <a:t>管理员访谈</a:t>
-                      </a:r>
-                      <a:endParaRPr lang="en-US" altLang="zh-CN" sz="1800" kern="1200" dirty="0">
-                        <a:solidFill>
-                          <a:schemeClr val="dk1"/>
-                        </a:solidFill>
-                        <a:effectLst/>
-                        <a:latin typeface="+mn-lt"/>
-                        <a:ea typeface="+mn-ea"/>
-                        <a:cs typeface="+mn-cs"/>
-                      </a:endParaRPr>
-                    </a:p>
-                    <a:p>
-                      <a:pPr marL="0" algn="l" defTabSz="914400" rtl="0" eaLnBrk="1" latinLnBrk="0" hangingPunct="1"/>
-                      <a:r>
-                        <a:rPr lang="zh-CN" altLang="en-US" sz="1800" kern="1200" dirty="0">
-                          <a:solidFill>
-                            <a:schemeClr val="dk1"/>
-                          </a:solidFill>
-                          <a:effectLst/>
-                          <a:latin typeface="+mn-lt"/>
-                          <a:ea typeface="+mn-ea"/>
-                          <a:cs typeface="+mn-cs"/>
-                        </a:rPr>
-                        <a:t>界面原型制作</a:t>
-                      </a:r>
-                      <a:endParaRPr lang="en-US" altLang="zh-CN" sz="1800" kern="1200" dirty="0">
-                        <a:solidFill>
-                          <a:schemeClr val="dk1"/>
-                        </a:solidFill>
-                        <a:effectLst/>
-                        <a:latin typeface="+mn-lt"/>
-                        <a:ea typeface="+mn-ea"/>
-                        <a:cs typeface="+mn-cs"/>
-                      </a:endParaRPr>
-                    </a:p>
-                    <a:p>
-                      <a:endParaRPr lang="zh-CN" altLang="en-US" dirty="0"/>
-                    </a:p>
-                  </a:txBody>
-                  <a:tcPr/>
-                </a:tc>
-                <a:tc>
-                  <a:txBody>
-                    <a:bodyPr/>
-                    <a:lstStyle/>
-                    <a:p>
-                      <a:pPr marL="0" algn="ctr" defTabSz="914400" rtl="0" eaLnBrk="1" latinLnBrk="0" hangingPunct="1"/>
-                      <a:r>
-                        <a:rPr lang="en-US" altLang="zh-CN" sz="1800" kern="1200" dirty="0">
-                          <a:solidFill>
-                            <a:schemeClr val="dk1"/>
-                          </a:solidFill>
-                          <a:latin typeface="Arial" panose="020B0604020202020204" pitchFamily="34" charset="0"/>
-                          <a:ea typeface="+mn-ea"/>
-                          <a:cs typeface="Arial" panose="020B0604020202020204" pitchFamily="34" charset="0"/>
-                        </a:rPr>
-                        <a:t>87</a:t>
-                      </a:r>
-                      <a:endParaRPr lang="zh-CN" altLang="en-US" sz="1800" kern="1200" dirty="0">
-                        <a:solidFill>
-                          <a:schemeClr val="dk1"/>
-                        </a:solidFill>
-                        <a:latin typeface="Arial" panose="020B0604020202020204" pitchFamily="34" charset="0"/>
-                        <a:ea typeface="+mn-ea"/>
-                        <a:cs typeface="Arial" panose="020B0604020202020204" pitchFamily="34" charset="0"/>
-                      </a:endParaRPr>
-                    </a:p>
-                  </a:txBody>
-                  <a:tcPr anchor="ctr"/>
-                </a:tc>
-                <a:extLst>
-                  <a:ext uri="{0D108BD9-81ED-4DB2-BD59-A6C34878D82A}">
-                    <a16:rowId xmlns:a16="http://schemas.microsoft.com/office/drawing/2014/main" val="3794870757"/>
-                  </a:ext>
-                </a:extLst>
-              </a:tr>
-              <a:tr h="1354462">
-                <a:tc>
-                  <a:txBody>
-                    <a:bodyPr/>
-                    <a:lstStyle/>
-                    <a:p>
-                      <a:pPr algn="ctr"/>
-                      <a:r>
-                        <a:rPr lang="zh-CN" altLang="en-US" dirty="0"/>
-                        <a:t>金方永</a:t>
-                      </a:r>
-                    </a:p>
-                  </a:txBody>
-                  <a:tcPr anchor="ctr"/>
-                </a:tc>
-                <a:tc>
-                  <a:txBody>
-                    <a:bodyPr/>
-                    <a:lstStyle/>
-                    <a:p>
-                      <a:r>
-                        <a:rPr lang="zh-CN" altLang="zh-CN" sz="1800" kern="1200" dirty="0">
-                          <a:solidFill>
-                            <a:schemeClr val="dk1"/>
-                          </a:solidFill>
-                          <a:effectLst/>
-                          <a:latin typeface="+mn-lt"/>
-                          <a:ea typeface="+mn-ea"/>
-                          <a:cs typeface="+mn-cs"/>
-                        </a:rPr>
-                        <a:t>项目开发计划</a:t>
-                      </a:r>
-                      <a:r>
-                        <a:rPr lang="en-US" altLang="zh-CN" sz="1800" kern="1200" dirty="0">
-                          <a:solidFill>
-                            <a:schemeClr val="dk1"/>
-                          </a:solidFill>
-                          <a:effectLst/>
-                          <a:latin typeface="Arial" panose="020B0604020202020204" pitchFamily="34" charset="0"/>
-                          <a:ea typeface="+mn-ea"/>
-                          <a:cs typeface="Arial" panose="020B0604020202020204" pitchFamily="34" charset="0"/>
-                        </a:rPr>
-                        <a:t>1-5</a:t>
-                      </a:r>
-                    </a:p>
-                    <a:p>
-                      <a:r>
-                        <a:rPr lang="zh-CN" altLang="zh-CN" sz="1800" kern="1200" dirty="0">
-                          <a:solidFill>
-                            <a:schemeClr val="dk1"/>
-                          </a:solidFill>
-                          <a:effectLst/>
-                          <a:latin typeface="+mn-lt"/>
-                          <a:ea typeface="+mn-ea"/>
-                          <a:cs typeface="+mn-cs"/>
-                        </a:rPr>
-                        <a:t>可行性分析报告</a:t>
-                      </a:r>
-                      <a:r>
                         <a:rPr lang="en-US" altLang="zh-CN" sz="1800" kern="1200" dirty="0">
                           <a:solidFill>
                             <a:schemeClr val="dk1"/>
@@ -6589,33 +8703,7 @@
                           <a:ea typeface="+mn-ea"/>
                           <a:cs typeface="+mn-cs"/>
                         </a:rPr>
-                        <a:t> </a:t>
-                      </a:r>
-                      <a:r>
-                        <a:rPr lang="en-US" altLang="zh-CN" sz="1800" kern="1200" dirty="0">
-                          <a:solidFill>
-                            <a:schemeClr val="dk1"/>
-                          </a:solidFill>
-                          <a:effectLst/>
-                          <a:latin typeface="Arial" panose="020B0604020202020204" pitchFamily="34" charset="0"/>
-                          <a:ea typeface="+mn-ea"/>
-                          <a:cs typeface="Arial" panose="020B0604020202020204" pitchFamily="34" charset="0"/>
-                        </a:rPr>
-                        <a:t>4-5</a:t>
-                      </a:r>
-                    </a:p>
-                    <a:p>
-                      <a:r>
-                        <a:rPr lang="en-US" altLang="zh-CN" sz="1800" kern="1200" dirty="0">
-                          <a:solidFill>
-                            <a:schemeClr val="dk1"/>
-                          </a:solidFill>
-                          <a:effectLst/>
-                          <a:latin typeface="Arial" panose="020B0604020202020204" pitchFamily="34" charset="0"/>
-                          <a:ea typeface="+mn-ea"/>
-                          <a:cs typeface="Arial" panose="020B0604020202020204" pitchFamily="34" charset="0"/>
-                        </a:rPr>
-                        <a:t>ER</a:t>
+                        <a:t>HIPO</a:t>
                       </a:r>
                       <a:r>
                         <a:rPr lang="zh-CN" altLang="en-US" sz="1800" kern="1200" dirty="0">
@@ -6629,6 +8717,41 @@
                         </a:rPr>
                         <a:t>图</a:t>
                       </a:r>
+                      <a:endParaRPr lang="en-US" altLang="zh-CN" sz="1800" kern="1200" dirty="0">
+                        <a:solidFill>
+                          <a:schemeClr val="dk1"/>
+                        </a:solidFill>
+                        <a:effectLst/>
+                        <a:latin typeface="+mn-lt"/>
+                        <a:ea typeface="+mn-ea"/>
+                        <a:cs typeface="+mn-cs"/>
+                      </a:endParaRPr>
+                    </a:p>
+                    <a:p>
+                      <a:pPr marL="0" algn="l" defTabSz="914400" rtl="0" eaLnBrk="1" latinLnBrk="0" hangingPunct="1"/>
+                      <a:r>
+                        <a:rPr lang="zh-CN" altLang="en-US" sz="1800" kern="1200" dirty="0">
+                          <a:solidFill>
+                            <a:schemeClr val="dk1"/>
+                          </a:solidFill>
+                          <a:effectLst/>
+                          <a:latin typeface="+mn-lt"/>
+                          <a:ea typeface="+mn-ea"/>
+                          <a:cs typeface="+mn-cs"/>
+                        </a:rPr>
+                        <a:t>架构图</a:t>
+                      </a:r>
+                      <a:endParaRPr lang="en-US" altLang="zh-CN" sz="1800" kern="1200" dirty="0">
+                        <a:solidFill>
+                          <a:schemeClr val="dk1"/>
+                        </a:solidFill>
+                        <a:effectLst/>
+                        <a:latin typeface="+mn-lt"/>
+                        <a:ea typeface="+mn-ea"/>
+                        <a:cs typeface="+mn-cs"/>
+                      </a:endParaRPr>
+                    </a:p>
+                    <a:p>
                       <a:endParaRPr lang="zh-CN" altLang="en-US" dirty="0"/>
                     </a:p>
                   </a:txBody>
@@ -6665,11 +8788,149 @@
                 </a:tc>
                 <a:extLst>
                   <a:ext uri="{0D108BD9-81ED-4DB2-BD59-A6C34878D82A}">
+                    <a16:rowId xmlns:a16="http://schemas.microsoft.com/office/drawing/2014/main" val="3794870757"/>
+                  </a:ext>
+                </a:extLst>
+              </a:tr>
+              <a:tr h="1292103">
+                <a:tc>
+                  <a:txBody>
+                    <a:bodyPr/>
+                    <a:lstStyle/>
+                    <a:p>
+                      <a:pPr algn="ctr"/>
+                      <a:r>
+                        <a:rPr lang="zh-CN" altLang="en-US" dirty="0"/>
+                        <a:t>金方永</a:t>
+                      </a:r>
+                    </a:p>
+                  </a:txBody>
+                  <a:tcPr anchor="ctr"/>
+                </a:tc>
+                <a:tc>
+                  <a:txBody>
+                    <a:bodyPr/>
+                    <a:lstStyle/>
+                    <a:p>
+                      <a:r>
+                        <a:rPr lang="zh-CN" altLang="en-US" sz="1800" kern="1200" dirty="0">
+                          <a:solidFill>
+                            <a:schemeClr val="dk1"/>
+                          </a:solidFill>
+                          <a:effectLst/>
+                          <a:latin typeface="+mn-lt"/>
+                          <a:ea typeface="+mn-ea"/>
+                          <a:cs typeface="+mn-cs"/>
+                        </a:rPr>
+                        <a:t>数据流图</a:t>
+                      </a:r>
+                      <a:endParaRPr lang="en-US" altLang="zh-CN" sz="1800" kern="1200" dirty="0">
+                        <a:solidFill>
+                          <a:schemeClr val="dk1"/>
+                        </a:solidFill>
+                        <a:effectLst/>
+                        <a:latin typeface="+mn-lt"/>
+                        <a:ea typeface="+mn-ea"/>
+                        <a:cs typeface="+mn-cs"/>
+                      </a:endParaRPr>
+                    </a:p>
+                    <a:p>
+                      <a:r>
+                        <a:rPr lang="en-US" altLang="zh-CN" sz="1800" kern="1200" dirty="0">
+                          <a:solidFill>
+                            <a:schemeClr val="dk1"/>
+                          </a:solidFill>
+                          <a:effectLst/>
+                          <a:latin typeface="Arial" panose="020B0604020202020204" pitchFamily="34" charset="0"/>
+                          <a:ea typeface="+mn-ea"/>
+                          <a:cs typeface="Arial" panose="020B0604020202020204" pitchFamily="34" charset="0"/>
+                        </a:rPr>
+                        <a:t>IPO</a:t>
+                      </a:r>
+                      <a:r>
+                        <a:rPr lang="zh-CN" altLang="en-US" sz="1800" kern="1200" dirty="0">
+                          <a:solidFill>
+                            <a:schemeClr val="dk1"/>
+                          </a:solidFill>
+                          <a:effectLst/>
+                          <a:latin typeface="+mn-lt"/>
+                          <a:ea typeface="+mn-ea"/>
+                          <a:cs typeface="+mn-cs"/>
+                        </a:rPr>
+                        <a:t>图</a:t>
+                      </a:r>
+                      <a:endParaRPr lang="en-US" altLang="zh-CN" sz="1800" kern="1200" dirty="0">
+                        <a:solidFill>
+                          <a:schemeClr val="dk1"/>
+                        </a:solidFill>
+                        <a:effectLst/>
+                        <a:latin typeface="+mn-lt"/>
+                        <a:ea typeface="+mn-ea"/>
+                        <a:cs typeface="+mn-cs"/>
+                      </a:endParaRPr>
+                    </a:p>
+                    <a:p>
+                      <a:r>
+                        <a:rPr lang="zh-CN" altLang="en-US" sz="1800" kern="1200" dirty="0">
+                          <a:solidFill>
+                            <a:schemeClr val="dk1"/>
+                          </a:solidFill>
+                          <a:effectLst/>
+                          <a:latin typeface="+mn-lt"/>
+                          <a:ea typeface="+mn-ea"/>
+                          <a:cs typeface="+mn-cs"/>
+                        </a:rPr>
+                        <a:t>接口</a:t>
+                      </a:r>
+                      <a:endParaRPr lang="en-US" altLang="zh-CN" sz="1800" kern="1200" dirty="0">
+                        <a:solidFill>
+                          <a:schemeClr val="dk1"/>
+                        </a:solidFill>
+                        <a:effectLst/>
+                        <a:latin typeface="+mn-lt"/>
+                        <a:ea typeface="+mn-ea"/>
+                        <a:cs typeface="+mn-cs"/>
+                      </a:endParaRPr>
+                    </a:p>
+                  </a:txBody>
+                  <a:tcPr/>
+                </a:tc>
+                <a:tc>
+                  <a:txBody>
+                    <a:bodyPr/>
+                    <a:lstStyle/>
+                    <a:p>
+                      <a:pPr marL="0" algn="ctr" defTabSz="914400" rtl="0" eaLnBrk="1" latinLnBrk="0" hangingPunct="1"/>
+                      <a:r>
+                        <a:rPr lang="en-US" altLang="zh-CN" sz="1800" kern="1200" dirty="0">
+                          <a:solidFill>
+                            <a:schemeClr val="dk1"/>
+                          </a:solidFill>
+                          <a:latin typeface="Arial" panose="020B0604020202020204" pitchFamily="34" charset="0"/>
+                          <a:ea typeface="+mn-ea"/>
+                          <a:cs typeface="Arial" panose="020B0604020202020204" pitchFamily="34" charset="0"/>
+                        </a:rPr>
+                        <a:t>86</a:t>
+                      </a:r>
+                      <a:endParaRPr lang="zh-CN" altLang="en-US" sz="1800" kern="1200" dirty="0">
+                        <a:solidFill>
+                          <a:schemeClr val="dk1"/>
+                        </a:solidFill>
+                        <a:latin typeface="Arial" panose="020B0604020202020204" pitchFamily="34" charset="0"/>
+                        <a:ea typeface="+mn-ea"/>
+                        <a:cs typeface="Arial" panose="020B0604020202020204" pitchFamily="34" charset="0"/>
+                      </a:endParaRPr>
+                    </a:p>
+                  </a:txBody>
+                  <a:tcPr anchor="ctr"/>
+                </a:tc>
+                <a:extLst>
+                  <a:ext uri="{0D108BD9-81ED-4DB2-BD59-A6C34878D82A}">
                     <a16:rowId xmlns:a16="http://schemas.microsoft.com/office/drawing/2014/main" val="1282379175"/>
                   </a:ext>
                 </a:extLst>
               </a:tr>
-              <a:tr h="1429799">
+              <a:tr h="1363972">
                 <a:tc>
                   <a:txBody>
                     <a:bodyPr/>
@@ -6707,7 +8968,7 @@
                         <a:defRPr/>
                       </a:pPr>
                       <a:r>
-                        <a:rPr lang="zh-CN" altLang="zh-CN" sz="1800" kern="1200" dirty="0">
+                        <a:rPr lang="zh-CN" altLang="en-US" sz="1800" kern="1200" dirty="0">
                           <a:solidFill>
                             <a:schemeClr val="dk1"/>
                           </a:solidFill>
@@ -6716,20 +8977,17 @@
                           <a:ea typeface="+mn-ea"/>
                           <a:cs typeface="Arial" panose="020B0604020202020204" pitchFamily="34" charset="0"/>
                         </a:rPr>
-                        <a:t>项目开发计划</a:t>
-                      </a:r>
-                      <a:r>
-                        <a:rPr lang="en-US" altLang="zh-CN" sz="1800" kern="1200" dirty="0">
-                          <a:solidFill>
-                            <a:schemeClr val="dk1"/>
-                          </a:solidFill>
-                          <a:effectLst/>
-                          <a:latin typeface="Arial" panose="020B0604020202020204" pitchFamily="34" charset="0"/>
-                          <a:ea typeface="+mn-ea"/>
-                          <a:cs typeface="Arial" panose="020B0604020202020204" pitchFamily="34" charset="0"/>
-                        </a:rPr>
-                        <a:t>9-13</a:t>
-                      </a:r>
+                        <a:t>文档</a:t>
+                      </a:r>
+                      <a:endParaRPr lang="en-US" altLang="zh-CN" sz="1800" kern="1200" dirty="0">
+                        <a:solidFill>
+                          <a:schemeClr val="dk1"/>
+                        </a:solidFill>
+                        <a:effectLst/>
+                        <a:latin typeface="Arial" panose="020B0604020202020204" pitchFamily="34" charset="0"/>
+                        <a:ea typeface="+mn-ea"/>
+                        <a:cs typeface="Arial" panose="020B0604020202020204" pitchFamily="34" charset="0"/>
+                      </a:endParaRPr>
                     </a:p>
                     <a:p>
                       <a:pPr marL="0" marR="0" lvl="0" indent="0" algn="l" defTabSz="914400" rtl="0" eaLnBrk="1" fontAlgn="auto" latinLnBrk="0" hangingPunct="1">
@@ -6750,7 +9008,7 @@
                         <a:defRPr/>
                       </a:pPr>
                       <a:r>
-                        <a:rPr lang="zh-CN" altLang="zh-CN" sz="1800" kern="1200" dirty="0">
+                        <a:rPr lang="zh-CN" altLang="en-US" sz="1800" kern="1200" dirty="0">
                           <a:solidFill>
                             <a:schemeClr val="dk1"/>
                           </a:solidFill>
@@ -6759,20 +9017,17 @@
                           <a:ea typeface="+mn-ea"/>
                           <a:cs typeface="Arial" panose="020B0604020202020204" pitchFamily="34" charset="0"/>
                         </a:rPr>
-                        <a:t>可行性分析报告</a:t>
-                      </a:r>
-                      <a:r>
-                        <a:rPr lang="en-US" altLang="zh-CN" sz="1800" kern="1200" dirty="0">
-                          <a:solidFill>
-                            <a:schemeClr val="dk1"/>
-                          </a:solidFill>
-                          <a:effectLst/>
-                          <a:latin typeface="Arial" panose="020B0604020202020204" pitchFamily="34" charset="0"/>
-                          <a:ea typeface="+mn-ea"/>
-                          <a:cs typeface="Arial" panose="020B0604020202020204" pitchFamily="34" charset="0"/>
-                        </a:rPr>
-                        <a:t>9-12</a:t>
-                      </a:r>
+                        <a:t>会议记录</a:t>
+                      </a:r>
+                      <a:endParaRPr lang="en-US" altLang="zh-CN" sz="1800" kern="1200" dirty="0">
+                        <a:solidFill>
+                          <a:schemeClr val="dk1"/>
+                        </a:solidFill>
+                        <a:effectLst/>
+                        <a:latin typeface="Arial" panose="020B0604020202020204" pitchFamily="34" charset="0"/>
+                        <a:ea typeface="+mn-ea"/>
+                        <a:cs typeface="Arial" panose="020B0604020202020204" pitchFamily="34" charset="0"/>
+                      </a:endParaRPr>
                     </a:p>
                     <a:p>
                       <a:pPr marL="0" marR="0" lvl="0" indent="0" algn="l" defTabSz="914400" rtl="0" eaLnBrk="1" fontAlgn="auto" latinLnBrk="0" hangingPunct="1">
@@ -6802,29 +9057,8 @@
                           <a:ea typeface="+mn-ea"/>
                           <a:cs typeface="Arial" panose="020B0604020202020204" pitchFamily="34" charset="0"/>
                         </a:rPr>
-                        <a:t>WBS</a:t>
-                      </a:r>
-                      <a:r>
-                        <a:rPr lang="zh-CN" altLang="en-US" sz="1800" kern="1200" dirty="0">
-                          <a:solidFill>
-                            <a:schemeClr val="dk1"/>
-                          </a:solidFill>
-                          <a:effectLst/>
-                          <a:latin typeface="Arial" panose="020B0604020202020204" pitchFamily="34" charset="0"/>
-                          <a:ea typeface="+mn-ea"/>
-                          <a:cs typeface="Arial" panose="020B0604020202020204" pitchFamily="34" charset="0"/>
-                        </a:rPr>
-                        <a:t>更新</a:t>
-                      </a:r>
-                      <a:endParaRPr lang="en-US" altLang="zh-CN" sz="1800" kern="1200" dirty="0">
-                        <a:solidFill>
-                          <a:schemeClr val="dk1"/>
-                        </a:solidFill>
-                        <a:effectLst/>
-                        <a:latin typeface="Arial" panose="020B0604020202020204" pitchFamily="34" charset="0"/>
-                        <a:ea typeface="+mn-ea"/>
-                        <a:cs typeface="Arial" panose="020B0604020202020204" pitchFamily="34" charset="0"/>
-                      </a:endParaRPr>
+                        <a:t>PPT</a:t>
+                      </a:r>
                     </a:p>
                     <a:p>
                       <a:pPr marL="0" marR="0" lvl="0" indent="0" algn="l" defTabSz="914400" rtl="0" eaLnBrk="1" fontAlgn="auto" latinLnBrk="0" hangingPunct="1">
@@ -6854,99 +9088,7 @@
                           <a:ea typeface="+mn-ea"/>
                           <a:cs typeface="Arial" panose="020B0604020202020204" pitchFamily="34" charset="0"/>
                         </a:rPr>
-                        <a:t>用户问卷制作</a:t>
-                      </a:r>
-                      <a:endParaRPr lang="en-US" altLang="zh-CN" sz="1800" kern="1200" dirty="0">
-                        <a:solidFill>
-                          <a:schemeClr val="dk1"/>
-                        </a:solidFill>
-                        <a:effectLst/>
-                        <a:latin typeface="Arial" panose="020B0604020202020204" pitchFamily="34" charset="0"/>
-                        <a:ea typeface="+mn-ea"/>
-                        <a:cs typeface="Arial" panose="020B0604020202020204" pitchFamily="34" charset="0"/>
-                      </a:endParaRPr>
-                    </a:p>
-                    <a:p>
-                      <a:pPr marL="0" marR="0" lvl="0" indent="0" algn="l" defTabSz="914400" rtl="0" eaLnBrk="1" fontAlgn="auto" latinLnBrk="0" hangingPunct="1">
-                        <a:lnSpc>
-                          <a:spcPct val="100000"/>
-                        </a:lnSpc>
-                        <a:spcBef>
-                          <a:spcPts val="0"/>
-                        </a:spcBef>
-                        <a:spcAft>
-                          <a:spcPts val="0"/>
-                        </a:spcAft>
-                        <a:buClrTx/>
-                        <a:buSzTx/>
-                        <a:buFontTx/>
-                        <a:buNone/>
-                        <a:tabLst/>
-                        <a:defRPr/>
-                      </a:pPr>
-                      <a:r>
-                        <a:rPr lang="zh-CN" altLang="en-US" sz="1800" kern="1200" dirty="0">
-                          <a:solidFill>
-                            <a:schemeClr val="dk1"/>
-                          </a:solidFill>
-                          <a:effectLst/>
-                          <a:latin typeface="+mn-lt"/>
-                          <a:ea typeface="+mn-ea"/>
-                          <a:cs typeface="+mn-cs"/>
-                        </a:rPr>
-                        <a:t>数据字典</a:t>
-                      </a:r>
-                      <a:endParaRPr lang="en-US" altLang="zh-CN" sz="1800" kern="1200" dirty="0">
-                        <a:solidFill>
-                          <a:schemeClr val="dk1"/>
-                        </a:solidFill>
-                        <a:effectLst/>
-                        <a:latin typeface="Arial" panose="020B0604020202020204" pitchFamily="34" charset="0"/>
-                        <a:ea typeface="+mn-ea"/>
-                        <a:cs typeface="Arial" panose="020B0604020202020204" pitchFamily="34" charset="0"/>
-                      </a:endParaRPr>
-                    </a:p>
-                    <a:p>
-                      <a:pPr marL="0" marR="0" lvl="0" indent="0" algn="l" defTabSz="914400" rtl="0" eaLnBrk="1" fontAlgn="auto" latinLnBrk="0" hangingPunct="1">
-                        <a:lnSpc>
-                          <a:spcPct val="100000"/>
-                        </a:lnSpc>
-                        <a:spcBef>
-                          <a:spcPts val="0"/>
-                        </a:spcBef>
-                        <a:spcAft>
-                          <a:spcPts val="0"/>
-                        </a:spcAft>
-                        <a:buClrTx/>
-                        <a:buSzTx/>
-                        <a:buFontTx/>
-                        <a:buNone/>
-                        <a:tabLst/>
-                        <a:defRPr/>
-                      </a:pPr>
-                      <a:r>
-                        <a:rPr lang="en-US" altLang="zh-CN" sz="1800" kern="1200" dirty="0">
-                          <a:solidFill>
-                            <a:schemeClr val="dk1"/>
-                          </a:solidFill>
-                          <a:effectLst/>
-                          <a:latin typeface="Arial" panose="020B0604020202020204" pitchFamily="34" charset="0"/>
-                          <a:ea typeface="+mn-ea"/>
-                          <a:cs typeface="Arial" panose="020B0604020202020204" pitchFamily="34" charset="0"/>
-                        </a:rPr>
-                        <a:t>PPT</a:t>
-                      </a:r>
-                      <a:r>
-                        <a:rPr lang="zh-CN" altLang="en-US" sz="1800" kern="1200" dirty="0">
-                          <a:solidFill>
-                            <a:schemeClr val="dk1"/>
-                          </a:solidFill>
-                          <a:effectLst/>
-                          <a:latin typeface="Arial" panose="020B0604020202020204" pitchFamily="34" charset="0"/>
-                          <a:ea typeface="+mn-ea"/>
-                          <a:cs typeface="Arial" panose="020B0604020202020204" pitchFamily="34" charset="0"/>
-                        </a:rPr>
-                        <a:t>制作</a:t>
+                        <a:t>技术</a:t>
                       </a:r>
                     </a:p>
                   </a:txBody>
@@ -6967,7 +9109,7 @@
                           <a:ea typeface="+mn-ea"/>
                           <a:cs typeface="Arial" panose="020B0604020202020204" pitchFamily="34" charset="0"/>
                         </a:rPr>
-                        <a:t>86</a:t>
+                        <a:t>87</a:t>
                       </a:r>
                       <a:endParaRPr lang="zh-CN" altLang="en-US" sz="1800" kern="1200" dirty="0">
                         <a:solidFill>
@@ -6987,686 +9129,11 @@
                   </a:ext>
                 </a:extLst>
               </a:tr>
-              <a:tr h="452763">
-                <a:tc>
-                  <a:txBody>
-                    <a:bodyPr/>
-                    <a:lstStyle/>
-                    <a:p>
-                      <a:endParaRPr lang="zh-CN" altLang="en-US" dirty="0"/>
-                    </a:p>
-                  </a:txBody>
-                  <a:tcPr/>
-                </a:tc>
-                <a:tc>
-                  <a:txBody>
-                    <a:bodyPr/>
-                    <a:lstStyle/>
-                    <a:p>
-                      <a:endParaRPr lang="zh-CN" altLang="en-US" dirty="0"/>
-                    </a:p>
-                  </a:txBody>
-                  <a:tcPr/>
-                </a:tc>
-                <a:tc>
-                  <a:txBody>
-                    <a:bodyPr/>
-                    <a:lstStyle/>
-                    <a:p>
-                      <a:endParaRPr lang="zh-CN" altLang="en-US" dirty="0"/>
-                    </a:p>
-                  </a:txBody>
-                  <a:tcPr/>
-                </a:tc>
-                <a:extLst>
-                  <a:ext uri="{0D108BD9-81ED-4DB2-BD59-A6C34878D82A}">
-                    <a16:rowId xmlns:a16="http://schemas.microsoft.com/office/drawing/2014/main" val="499521727"/>
-                  </a:ext>
-                </a:extLst>
-              </a:tr>
             </a:tbl>
           </a:graphicData>
         </a:graphic>
       </p:graphicFrame>
     </p:spTree>
-  </p:cSld>
-  <p:clrMapOvr>
-    <a:masterClrMapping/>
-  </p:clrMapOvr>
-  <mc:AlternateContent xmlns:mc="http://schemas.openxmlformats.org/markup-compatibility/2006" xmlns:p14="http://schemas.microsoft.com/office/powerpoint/2010/main">
-    <mc:Choice Requires="p14">
-      <p:transition spd="med" p14:dur="700">
-        <p:fade/>
-      </p:transition>
-    </mc:Choice>
-    <mc:Fallback xmlns="">
-      <p:transition spd="med">
-        <p:fade/>
-      </p:transition>
-    </mc:Fallback>
-  </mc:AlternateContent>
-</p:sld>
-</file>
-
-<file path=ppt/slides/slide18.xml><?xml version="1.0" encoding="utf-8"?>
-<p:sld xmlns:a="http://schemas.openxmlformats.org/drawingml/2006/main" xmlns:r="http://schemas.openxmlformats.org/officeDocument/2006/relationships" xmlns:p="http://schemas.openxmlformats.org/presentationml/2006/main">
-  <p:cSld>
-    <p:spTree>
-      <p:nvGrpSpPr>
-        <p:cNvPr id="1" name=""/>
-        <p:cNvGrpSpPr/>
-        <p:nvPr/>
-      </p:nvGrpSpPr>
-      <p:grpSpPr>
-        <a:xfrm>
-          <a:off x="0" y="0"/>
-          <a:ext cx="0" cy="0"/>
-          <a:chOff x="0" y="0"/>
-          <a:chExt cx="0" cy="0"/>
-        </a:xfrm>
-      </p:grpSpPr>
-      <p:sp>
-        <p:nvSpPr>
-          <p:cNvPr id="4" name="标题 3"/>
-          <p:cNvSpPr>
-            <a:spLocks noGrp="1"/>
-          </p:cNvSpPr>
-          <p:nvPr>
-            <p:ph type="title"/>
-          </p:nvPr>
-        </p:nvSpPr>
-        <p:spPr>
-          <a:prstGeom prst="rect">
-            <a:avLst/>
-          </a:prstGeom>
-        </p:spPr>
-        <p:txBody>
-          <a:bodyPr>
-            <a:normAutofit/>
-          </a:bodyPr>
-          <a:lstStyle/>
-          <a:p>
-            <a:r>
-              <a:rPr lang="zh-CN" altLang="en-US" dirty="0"/>
-              <a:t>成员分工</a:t>
-            </a:r>
-          </a:p>
-        </p:txBody>
-      </p:sp>
-      <p:pic>
-        <p:nvPicPr>
-          <p:cNvPr id="5" name="图片 4">
-            <a:extLst>
-              <a:ext uri="{FF2B5EF4-FFF2-40B4-BE49-F238E27FC236}">
-                <a16:creationId xmlns:a16="http://schemas.microsoft.com/office/drawing/2014/main" id="{FC955519-351E-473A-84CB-2779397CFA6A}"/>
-              </a:ext>
-            </a:extLst>
-          </p:cNvPr>
-          <p:cNvPicPr>
-            <a:picLocks noChangeAspect="1"/>
-          </p:cNvPicPr>
-          <p:nvPr/>
-        </p:nvPicPr>
-        <p:blipFill>
-          <a:blip r:embed="rId2"/>
-          <a:stretch>
-            <a:fillRect/>
-          </a:stretch>
-        </p:blipFill>
-        <p:spPr>
-          <a:xfrm>
-            <a:off x="1169384" y="1539687"/>
-            <a:ext cx="9387851" cy="3643150"/>
-          </a:xfrm>
-          <a:prstGeom prst="rect">
-            <a:avLst/>
-          </a:prstGeom>
-        </p:spPr>
-      </p:pic>
-    </p:spTree>
-    <p:extLst>
-      <p:ext uri="{BB962C8B-B14F-4D97-AF65-F5344CB8AC3E}">
-        <p14:creationId xmlns:p14="http://schemas.microsoft.com/office/powerpoint/2010/main" val="3184918748"/>
-      </p:ext>
-    </p:extLst>
-  </p:cSld>
-  <p:clrMapOvr>
-    <a:masterClrMapping/>
-  </p:clrMapOvr>
-  <mc:AlternateContent xmlns:mc="http://schemas.openxmlformats.org/markup-compatibility/2006" xmlns:p14="http://schemas.microsoft.com/office/powerpoint/2010/main">
-    <mc:Choice Requires="p14">
-      <p:transition spd="med" p14:dur="700">
-        <p:fade/>
-      </p:transition>
-    </mc:Choice>
-    <mc:Fallback xmlns="">
-      <p:transition spd="med">
-        <p:fade/>
-      </p:transition>
-    </mc:Fallback>
-  </mc:AlternateContent>
-</p:sld>
-</file>
-
-<file path=ppt/slides/slide19.xml><?xml version="1.0" encoding="utf-8"?>
-<p:sld xmlns:a="http://schemas.openxmlformats.org/drawingml/2006/main" xmlns:r="http://schemas.openxmlformats.org/officeDocument/2006/relationships" xmlns:p="http://schemas.openxmlformats.org/presentationml/2006/main">
-  <p:cSld>
-    <p:spTree>
-      <p:nvGrpSpPr>
-        <p:cNvPr id="1" name=""/>
-        <p:cNvGrpSpPr/>
-        <p:nvPr/>
-      </p:nvGrpSpPr>
-      <p:grpSpPr>
-        <a:xfrm>
-          <a:off x="0" y="0"/>
-          <a:ext cx="0" cy="0"/>
-          <a:chOff x="0" y="0"/>
-          <a:chExt cx="0" cy="0"/>
-        </a:xfrm>
-      </p:grpSpPr>
-      <p:sp>
-        <p:nvSpPr>
-          <p:cNvPr id="16" name="文本占位符 15"/>
-          <p:cNvSpPr>
-            <a:spLocks noGrp="1"/>
-          </p:cNvSpPr>
-          <p:nvPr>
-            <p:ph type="body" sz="quarter" idx="10"/>
-          </p:nvPr>
-        </p:nvSpPr>
-        <p:spPr>
-          <a:xfrm>
-            <a:off x="5749751" y="1718058"/>
-            <a:ext cx="692498" cy="747897"/>
-          </a:xfrm>
-          <a:custGeom>
-            <a:avLst/>
-            <a:gdLst>
-              <a:gd name="connsiteX0" fmla="*/ 0 w 65"/>
-              <a:gd name="connsiteY0" fmla="*/ 0 h 276999"/>
-              <a:gd name="connsiteX1" fmla="*/ 65 w 65"/>
-              <a:gd name="connsiteY1" fmla="*/ 0 h 276999"/>
-              <a:gd name="connsiteX2" fmla="*/ 65 w 65"/>
-              <a:gd name="connsiteY2" fmla="*/ 276999 h 276999"/>
-              <a:gd name="connsiteX3" fmla="*/ 0 w 65"/>
-              <a:gd name="connsiteY3" fmla="*/ 276999 h 276999"/>
-            </a:gdLst>
-            <a:ahLst/>
-            <a:cxnLst>
-              <a:cxn ang="0">
-                <a:pos x="connsiteX0" y="connsiteY0"/>
-              </a:cxn>
-              <a:cxn ang="0">
-                <a:pos x="connsiteX1" y="connsiteY1"/>
-              </a:cxn>
-              <a:cxn ang="0">
-                <a:pos x="connsiteX2" y="connsiteY2"/>
-              </a:cxn>
-              <a:cxn ang="0">
-                <a:pos x="connsiteX3" y="connsiteY3"/>
-              </a:cxn>
-            </a:cxnLst>
-            <a:rect l="l" t="t" r="r" b="b"/>
-            <a:pathLst>
-              <a:path w="65" h="276999">
-                <a:moveTo>
-                  <a:pt x="0" y="0"/>
-                </a:moveTo>
-                <a:lnTo>
-                  <a:pt x="65" y="0"/>
-                </a:lnTo>
-                <a:lnTo>
-                  <a:pt x="65" y="276999"/>
-                </a:lnTo>
-                <a:lnTo>
-                  <a:pt x="0" y="276999"/>
-                </a:lnTo>
-                <a:close/>
-              </a:path>
-            </a:pathLst>
-          </a:custGeom>
-        </p:spPr>
-        <p:txBody>
-          <a:bodyPr/>
-          <a:lstStyle/>
-          <a:p>
-            <a:r>
-              <a:rPr lang="en-US" altLang="zh-CN"/>
-              <a:t>01</a:t>
-            </a:r>
-            <a:endParaRPr lang="zh-CN" altLang="en-US"/>
-          </a:p>
-        </p:txBody>
-      </p:sp>
-      <p:sp>
-        <p:nvSpPr>
-          <p:cNvPr id="17" name="文本占位符 16"/>
-          <p:cNvSpPr>
-            <a:spLocks noGrp="1"/>
-          </p:cNvSpPr>
-          <p:nvPr>
-            <p:ph type="body" sz="quarter" idx="11"/>
-          </p:nvPr>
-        </p:nvSpPr>
-        <p:spPr>
-          <a:custGeom>
-            <a:avLst/>
-            <a:gdLst>
-              <a:gd name="connsiteX0" fmla="*/ 0 w 2059940"/>
-              <a:gd name="connsiteY0" fmla="*/ 0 h 276999"/>
-              <a:gd name="connsiteX1" fmla="*/ 2059940 w 2059940"/>
-              <a:gd name="connsiteY1" fmla="*/ 0 h 276999"/>
-              <a:gd name="connsiteX2" fmla="*/ 2059940 w 2059940"/>
-              <a:gd name="connsiteY2" fmla="*/ 276999 h 276999"/>
-              <a:gd name="connsiteX3" fmla="*/ 0 w 2059940"/>
-              <a:gd name="connsiteY3" fmla="*/ 276999 h 276999"/>
-            </a:gdLst>
-            <a:ahLst/>
-            <a:cxnLst>
-              <a:cxn ang="0">
-                <a:pos x="connsiteX0" y="connsiteY0"/>
-              </a:cxn>
-              <a:cxn ang="0">
-                <a:pos x="connsiteX1" y="connsiteY1"/>
-              </a:cxn>
-              <a:cxn ang="0">
-                <a:pos x="connsiteX2" y="connsiteY2"/>
-              </a:cxn>
-              <a:cxn ang="0">
-                <a:pos x="connsiteX3" y="connsiteY3"/>
-              </a:cxn>
-            </a:cxnLst>
-            <a:rect l="l" t="t" r="r" b="b"/>
-            <a:pathLst>
-              <a:path w="2059940" h="276999">
-                <a:moveTo>
-                  <a:pt x="0" y="0"/>
-                </a:moveTo>
-                <a:lnTo>
-                  <a:pt x="2059940" y="0"/>
-                </a:lnTo>
-                <a:lnTo>
-                  <a:pt x="2059940" y="276999"/>
-                </a:lnTo>
-                <a:lnTo>
-                  <a:pt x="0" y="276999"/>
-                </a:lnTo>
-                <a:close/>
-              </a:path>
-            </a:pathLst>
-          </a:custGeom>
-        </p:spPr>
-        <p:txBody>
-          <a:bodyPr/>
-          <a:lstStyle/>
-          <a:p>
-            <a:r>
-              <a:rPr lang="en-US" altLang="zh-CN" dirty="0"/>
-              <a:t>Part five</a:t>
-            </a:r>
-            <a:endParaRPr lang="zh-CN" altLang="en-US" dirty="0"/>
-          </a:p>
-        </p:txBody>
-      </p:sp>
-      <p:sp>
-        <p:nvSpPr>
-          <p:cNvPr id="19" name="文本占位符 18"/>
-          <p:cNvSpPr>
-            <a:spLocks noGrp="1"/>
-          </p:cNvSpPr>
-          <p:nvPr>
-            <p:ph type="body" sz="quarter" idx="12"/>
-          </p:nvPr>
-        </p:nvSpPr>
-        <p:spPr>
-          <a:prstGeom prst="rect">
-            <a:avLst/>
-          </a:prstGeom>
-        </p:spPr>
-        <p:txBody>
-          <a:bodyPr/>
-          <a:lstStyle/>
-          <a:p>
-            <a:r>
-              <a:rPr lang="zh-CN" altLang="en-US" dirty="0"/>
-              <a:t>参考文献</a:t>
-            </a:r>
-          </a:p>
-        </p:txBody>
-      </p:sp>
-      <p:sp>
-        <p:nvSpPr>
-          <p:cNvPr id="14" name="椭圆 13"/>
-          <p:cNvSpPr/>
-          <p:nvPr/>
-        </p:nvSpPr>
-        <p:spPr>
-          <a:xfrm>
-            <a:off x="6611938" y="5459540"/>
-            <a:ext cx="100012" cy="100012"/>
-          </a:xfrm>
-          <a:prstGeom prst="ellipse">
-            <a:avLst/>
-          </a:prstGeom>
-          <a:solidFill>
-            <a:schemeClr val="accent1"/>
-          </a:solidFill>
-          <a:ln w="12700" cap="flat" cmpd="sng" algn="ctr">
-            <a:noFill/>
-            <a:prstDash val="solid"/>
-            <a:miter lim="800000"/>
-          </a:ln>
-          <a:effectLst/>
-          <a:extLst>
-            <a:ext uri="{91240B29-F687-4F45-9708-019B960494DF}">
-              <a14:hiddenLine xmlns:a14="http://schemas.microsoft.com/office/drawing/2010/main" w="0">
-                <a:solidFill>
-                  <a:schemeClr val="accent1">
-                    <a:shade val="50000"/>
-                  </a:schemeClr>
-                </a:solidFill>
-                <a:prstDash val="solid"/>
-                <a:miter lim="800000"/>
-                <a:headEnd/>
-                <a:tailEnd/>
-              </a14:hiddenLine>
-            </a:ext>
-          </a:extLst>
-        </p:spPr>
-        <p:style>
-          <a:lnRef idx="2">
-            <a:schemeClr val="accent1">
-              <a:shade val="50000"/>
-            </a:schemeClr>
-          </a:lnRef>
-          <a:fillRef idx="1">
-            <a:schemeClr val="accent1"/>
-          </a:fillRef>
-          <a:effectRef idx="0">
-            <a:schemeClr val="accent1"/>
-          </a:effectRef>
-          <a:fontRef idx="minor">
-            <a:schemeClr val="lt1"/>
-          </a:fontRef>
-        </p:style>
-        <p:txBody>
-          <a:bodyPr rtlCol="0" anchor="ctr"/>
-          <a:lstStyle/>
-          <a:p>
-            <a:pPr algn="ctr"/>
-            <a:endParaRPr lang="zh-CN" altLang="en-US"/>
-          </a:p>
-        </p:txBody>
-      </p:sp>
-      <p:sp>
-        <p:nvSpPr>
-          <p:cNvPr id="15" name="椭圆 14"/>
-          <p:cNvSpPr/>
-          <p:nvPr/>
-        </p:nvSpPr>
-        <p:spPr>
-          <a:xfrm>
-            <a:off x="5932885" y="5459540"/>
-            <a:ext cx="100012" cy="100012"/>
-          </a:xfrm>
-          <a:prstGeom prst="ellipse">
-            <a:avLst/>
-          </a:prstGeom>
-          <a:noFill/>
-          <a:ln w="12700" cap="flat" cmpd="sng" algn="ctr">
-            <a:solidFill>
-              <a:schemeClr val="accent1"/>
-            </a:solidFill>
-            <a:prstDash val="solid"/>
-            <a:miter lim="800000"/>
-          </a:ln>
-          <a:effectLst/>
-        </p:spPr>
-        <p:style>
-          <a:lnRef idx="2">
-            <a:schemeClr val="accent1">
-              <a:shade val="50000"/>
-            </a:schemeClr>
-          </a:lnRef>
-          <a:fillRef idx="1">
-            <a:schemeClr val="accent1"/>
-          </a:fillRef>
-          <a:effectRef idx="0">
-            <a:schemeClr val="accent1"/>
-          </a:effectRef>
-          <a:fontRef idx="minor">
-            <a:schemeClr val="lt1"/>
-          </a:fontRef>
-        </p:style>
-        <p:txBody>
-          <a:bodyPr rtlCol="0" anchor="ctr"/>
-          <a:lstStyle/>
-          <a:p>
-            <a:pPr algn="ctr"/>
-            <a:endParaRPr lang="zh-CN" altLang="en-US"/>
-          </a:p>
-        </p:txBody>
-      </p:sp>
-      <p:sp>
-        <p:nvSpPr>
-          <p:cNvPr id="18" name="椭圆 17"/>
-          <p:cNvSpPr/>
-          <p:nvPr/>
-        </p:nvSpPr>
-        <p:spPr>
-          <a:xfrm>
-            <a:off x="6159103" y="5459540"/>
-            <a:ext cx="100012" cy="100012"/>
-          </a:xfrm>
-          <a:prstGeom prst="ellipse">
-            <a:avLst/>
-          </a:prstGeom>
-          <a:noFill/>
-          <a:ln w="12700" cap="flat" cmpd="sng" algn="ctr">
-            <a:solidFill>
-              <a:schemeClr val="accent1"/>
-            </a:solidFill>
-            <a:prstDash val="solid"/>
-            <a:miter lim="800000"/>
-          </a:ln>
-          <a:effectLst/>
-        </p:spPr>
-        <p:style>
-          <a:lnRef idx="2">
-            <a:schemeClr val="accent1">
-              <a:shade val="50000"/>
-            </a:schemeClr>
-          </a:lnRef>
-          <a:fillRef idx="1">
-            <a:schemeClr val="accent1"/>
-          </a:fillRef>
-          <a:effectRef idx="0">
-            <a:schemeClr val="accent1"/>
-          </a:effectRef>
-          <a:fontRef idx="minor">
-            <a:schemeClr val="lt1"/>
-          </a:fontRef>
-        </p:style>
-        <p:txBody>
-          <a:bodyPr rtlCol="0" anchor="ctr"/>
-          <a:lstStyle/>
-          <a:p>
-            <a:pPr algn="ctr"/>
-            <a:endParaRPr lang="zh-CN" altLang="en-US"/>
-          </a:p>
-        </p:txBody>
-      </p:sp>
-      <p:sp>
-        <p:nvSpPr>
-          <p:cNvPr id="21" name="椭圆 20"/>
-          <p:cNvSpPr/>
-          <p:nvPr/>
-        </p:nvSpPr>
-        <p:spPr>
-          <a:xfrm>
-            <a:off x="6385321" y="5459540"/>
-            <a:ext cx="100012" cy="100012"/>
-          </a:xfrm>
-          <a:prstGeom prst="ellipse">
-            <a:avLst/>
-          </a:prstGeom>
-          <a:noFill/>
-          <a:ln w="12700" cap="flat" cmpd="sng" algn="ctr">
-            <a:solidFill>
-              <a:schemeClr val="accent1"/>
-            </a:solidFill>
-            <a:prstDash val="solid"/>
-            <a:miter lim="800000"/>
-          </a:ln>
-          <a:effectLst/>
-        </p:spPr>
-        <p:style>
-          <a:lnRef idx="2">
-            <a:schemeClr val="accent1">
-              <a:shade val="50000"/>
-            </a:schemeClr>
-          </a:lnRef>
-          <a:fillRef idx="1">
-            <a:schemeClr val="accent1"/>
-          </a:fillRef>
-          <a:effectRef idx="0">
-            <a:schemeClr val="accent1"/>
-          </a:effectRef>
-          <a:fontRef idx="minor">
-            <a:schemeClr val="lt1"/>
-          </a:fontRef>
-        </p:style>
-        <p:txBody>
-          <a:bodyPr rtlCol="0" anchor="ctr"/>
-          <a:lstStyle/>
-          <a:p>
-            <a:pPr algn="ctr"/>
-            <a:endParaRPr lang="zh-CN" altLang="en-US"/>
-          </a:p>
-        </p:txBody>
-      </p:sp>
-      <p:sp>
-        <p:nvSpPr>
-          <p:cNvPr id="9" name="椭圆 8">
-            <a:extLst>
-              <a:ext uri="{FF2B5EF4-FFF2-40B4-BE49-F238E27FC236}">
-                <a16:creationId xmlns:a16="http://schemas.microsoft.com/office/drawing/2014/main" id="{3A93BF8B-DF1D-4789-A8D7-4A0BC22B9D05}"/>
-              </a:ext>
-            </a:extLst>
-          </p:cNvPr>
-          <p:cNvSpPr/>
-          <p:nvPr/>
-        </p:nvSpPr>
-        <p:spPr>
-          <a:xfrm>
-            <a:off x="5699745" y="5459540"/>
-            <a:ext cx="100012" cy="100012"/>
-          </a:xfrm>
-          <a:prstGeom prst="ellipse">
-            <a:avLst/>
-          </a:prstGeom>
-          <a:noFill/>
-          <a:ln w="12700" cap="flat" cmpd="sng" algn="ctr">
-            <a:solidFill>
-              <a:schemeClr val="accent1"/>
-            </a:solidFill>
-            <a:prstDash val="solid"/>
-            <a:miter lim="800000"/>
-          </a:ln>
-          <a:effectLst/>
-        </p:spPr>
-        <p:style>
-          <a:lnRef idx="2">
-            <a:schemeClr val="accent1">
-              <a:shade val="50000"/>
-            </a:schemeClr>
-          </a:lnRef>
-          <a:fillRef idx="1">
-            <a:schemeClr val="accent1"/>
-          </a:fillRef>
-          <a:effectRef idx="0">
-            <a:schemeClr val="accent1"/>
-          </a:effectRef>
-          <a:fontRef idx="minor">
-            <a:schemeClr val="lt1"/>
-          </a:fontRef>
-        </p:style>
-        <p:txBody>
-          <a:bodyPr rtlCol="0" anchor="ctr"/>
-          <a:lstStyle/>
-          <a:p>
-            <a:pPr algn="ctr"/>
-            <a:endParaRPr lang="zh-CN" altLang="en-US"/>
-          </a:p>
-        </p:txBody>
-      </p:sp>
-      <p:pic>
-        <p:nvPicPr>
-          <p:cNvPr id="10" name="Picture 4">
-            <a:extLst>
-              <a:ext uri="{FF2B5EF4-FFF2-40B4-BE49-F238E27FC236}">
-                <a16:creationId xmlns:a16="http://schemas.microsoft.com/office/drawing/2014/main" id="{3A642458-1DE9-487E-A4F4-C8B7FADED3E2}"/>
-              </a:ext>
-            </a:extLst>
-          </p:cNvPr>
-          <p:cNvPicPr>
-            <a:picLocks noChangeAspect="1" noChangeArrowheads="1"/>
-          </p:cNvPicPr>
-          <p:nvPr/>
-        </p:nvPicPr>
-        <p:blipFill>
-          <a:blip r:embed="rId2" cstate="print">
-            <a:extLst>
-              <a:ext uri="{28A0092B-C50C-407E-A947-70E740481C1C}">
-                <a14:useLocalDpi xmlns:a14="http://schemas.microsoft.com/office/drawing/2010/main" val="0"/>
-              </a:ext>
-            </a:extLst>
-          </a:blip>
-          <a:srcRect/>
-          <a:stretch>
-            <a:fillRect/>
-          </a:stretch>
-        </p:blipFill>
-        <p:spPr bwMode="auto">
-          <a:xfrm>
-            <a:off x="10979381" y="5768236"/>
-            <a:ext cx="759333" cy="726869"/>
-          </a:xfrm>
-          <a:prstGeom prst="rect">
-            <a:avLst/>
-          </a:prstGeom>
-          <a:noFill/>
-          <a:ln>
-            <a:noFill/>
-          </a:ln>
-          <a:extLst>
-            <a:ext uri="{909E8E84-426E-40DD-AFC4-6F175D3DCCD1}">
-              <a14:hiddenFill xmlns:a14="http://schemas.microsoft.com/office/drawing/2010/main">
-                <a:solidFill>
-                  <a:srgbClr val="FFFFFF"/>
-                </a:solidFill>
-              </a14:hiddenFill>
-            </a:ext>
-            <a:ext uri="{91240B29-F687-4F45-9708-019B960494DF}">
-              <a14:hiddenLine xmlns:a14="http://schemas.microsoft.com/office/drawing/2010/main" w="9525">
-                <a:solidFill>
-                  <a:srgbClr val="000000"/>
-                </a:solidFill>
-                <a:miter lim="800000"/>
-                <a:headEnd/>
-                <a:tailEnd/>
-              </a14:hiddenLine>
-            </a:ext>
-          </a:extLst>
-        </p:spPr>
-      </p:pic>
-    </p:spTree>
-    <p:extLst>
-      <p:ext uri="{BB962C8B-B14F-4D97-AF65-F5344CB8AC3E}">
-        <p14:creationId xmlns:p14="http://schemas.microsoft.com/office/powerpoint/2010/main" val="3819688291"/>
-      </p:ext>
-    </p:extLst>
   </p:cSld>
   <p:clrMapOvr>
     <a:masterClrMapping/>
@@ -9052,6 +10519,644 @@
           <a:lstStyle/>
           <a:p>
             <a:r>
+              <a:rPr lang="zh-CN" altLang="en-US" dirty="0"/>
+              <a:t>成员分工</a:t>
+            </a:r>
+          </a:p>
+        </p:txBody>
+      </p:sp>
+      <p:pic>
+        <p:nvPicPr>
+          <p:cNvPr id="3" name="图片 2">
+            <a:extLst>
+              <a:ext uri="{FF2B5EF4-FFF2-40B4-BE49-F238E27FC236}">
+                <a16:creationId xmlns:a16="http://schemas.microsoft.com/office/drawing/2014/main" id="{32EB0DB2-2512-45A7-B0AD-B4E2BF13C0DB}"/>
+              </a:ext>
+            </a:extLst>
+          </p:cNvPr>
+          <p:cNvPicPr>
+            <a:picLocks noChangeAspect="1"/>
+          </p:cNvPicPr>
+          <p:nvPr/>
+        </p:nvPicPr>
+        <p:blipFill>
+          <a:blip r:embed="rId2"/>
+          <a:stretch>
+            <a:fillRect/>
+          </a:stretch>
+        </p:blipFill>
+        <p:spPr>
+          <a:xfrm>
+            <a:off x="1521152" y="1697248"/>
+            <a:ext cx="7768370" cy="3122580"/>
+          </a:xfrm>
+          <a:prstGeom prst="rect">
+            <a:avLst/>
+          </a:prstGeom>
+        </p:spPr>
+      </p:pic>
+    </p:spTree>
+    <p:extLst>
+      <p:ext uri="{BB962C8B-B14F-4D97-AF65-F5344CB8AC3E}">
+        <p14:creationId xmlns:p14="http://schemas.microsoft.com/office/powerpoint/2010/main" val="3184918748"/>
+      </p:ext>
+    </p:extLst>
+  </p:cSld>
+  <p:clrMapOvr>
+    <a:masterClrMapping/>
+  </p:clrMapOvr>
+  <mc:AlternateContent xmlns:mc="http://schemas.openxmlformats.org/markup-compatibility/2006" xmlns:p14="http://schemas.microsoft.com/office/powerpoint/2010/main">
+    <mc:Choice Requires="p14">
+      <p:transition spd="med" p14:dur="700">
+        <p:fade/>
+      </p:transition>
+    </mc:Choice>
+    <mc:Fallback xmlns="">
+      <p:transition spd="med">
+        <p:fade/>
+      </p:transition>
+    </mc:Fallback>
+  </mc:AlternateContent>
+</p:sld>
+</file>
+
+<file path=ppt/slides/slide21.xml><?xml version="1.0" encoding="utf-8"?>
+<p:sld xmlns:a="http://schemas.openxmlformats.org/drawingml/2006/main" xmlns:r="http://schemas.openxmlformats.org/officeDocument/2006/relationships" xmlns:p="http://schemas.openxmlformats.org/presentationml/2006/main">
+  <p:cSld>
+    <p:spTree>
+      <p:nvGrpSpPr>
+        <p:cNvPr id="1" name=""/>
+        <p:cNvGrpSpPr/>
+        <p:nvPr/>
+      </p:nvGrpSpPr>
+      <p:grpSpPr>
+        <a:xfrm>
+          <a:off x="0" y="0"/>
+          <a:ext cx="0" cy="0"/>
+          <a:chOff x="0" y="0"/>
+          <a:chExt cx="0" cy="0"/>
+        </a:xfrm>
+      </p:grpSpPr>
+      <p:sp>
+        <p:nvSpPr>
+          <p:cNvPr id="16" name="文本占位符 15"/>
+          <p:cNvSpPr>
+            <a:spLocks noGrp="1"/>
+          </p:cNvSpPr>
+          <p:nvPr>
+            <p:ph type="body" sz="quarter" idx="10"/>
+          </p:nvPr>
+        </p:nvSpPr>
+        <p:spPr>
+          <a:xfrm>
+            <a:off x="5749751" y="1718058"/>
+            <a:ext cx="692498" cy="747897"/>
+          </a:xfrm>
+          <a:custGeom>
+            <a:avLst/>
+            <a:gdLst>
+              <a:gd name="connsiteX0" fmla="*/ 0 w 65"/>
+              <a:gd name="connsiteY0" fmla="*/ 0 h 276999"/>
+              <a:gd name="connsiteX1" fmla="*/ 65 w 65"/>
+              <a:gd name="connsiteY1" fmla="*/ 0 h 276999"/>
+              <a:gd name="connsiteX2" fmla="*/ 65 w 65"/>
+              <a:gd name="connsiteY2" fmla="*/ 276999 h 276999"/>
+              <a:gd name="connsiteX3" fmla="*/ 0 w 65"/>
+              <a:gd name="connsiteY3" fmla="*/ 276999 h 276999"/>
+            </a:gdLst>
+            <a:ahLst/>
+            <a:cxnLst>
+              <a:cxn ang="0">
+                <a:pos x="connsiteX0" y="connsiteY0"/>
+              </a:cxn>
+              <a:cxn ang="0">
+                <a:pos x="connsiteX1" y="connsiteY1"/>
+              </a:cxn>
+              <a:cxn ang="0">
+                <a:pos x="connsiteX2" y="connsiteY2"/>
+              </a:cxn>
+              <a:cxn ang="0">
+                <a:pos x="connsiteX3" y="connsiteY3"/>
+              </a:cxn>
+            </a:cxnLst>
+            <a:rect l="l" t="t" r="r" b="b"/>
+            <a:pathLst>
+              <a:path w="65" h="276999">
+                <a:moveTo>
+                  <a:pt x="0" y="0"/>
+                </a:moveTo>
+                <a:lnTo>
+                  <a:pt x="65" y="0"/>
+                </a:lnTo>
+                <a:lnTo>
+                  <a:pt x="65" y="276999"/>
+                </a:lnTo>
+                <a:lnTo>
+                  <a:pt x="0" y="276999"/>
+                </a:lnTo>
+                <a:close/>
+              </a:path>
+            </a:pathLst>
+          </a:custGeom>
+        </p:spPr>
+        <p:txBody>
+          <a:bodyPr/>
+          <a:lstStyle/>
+          <a:p>
+            <a:r>
+              <a:rPr lang="en-US" altLang="zh-CN"/>
+              <a:t>01</a:t>
+            </a:r>
+            <a:endParaRPr lang="zh-CN" altLang="en-US"/>
+          </a:p>
+        </p:txBody>
+      </p:sp>
+      <p:sp>
+        <p:nvSpPr>
+          <p:cNvPr id="17" name="文本占位符 16"/>
+          <p:cNvSpPr>
+            <a:spLocks noGrp="1"/>
+          </p:cNvSpPr>
+          <p:nvPr>
+            <p:ph type="body" sz="quarter" idx="11"/>
+          </p:nvPr>
+        </p:nvSpPr>
+        <p:spPr>
+          <a:custGeom>
+            <a:avLst/>
+            <a:gdLst>
+              <a:gd name="connsiteX0" fmla="*/ 0 w 2059940"/>
+              <a:gd name="connsiteY0" fmla="*/ 0 h 276999"/>
+              <a:gd name="connsiteX1" fmla="*/ 2059940 w 2059940"/>
+              <a:gd name="connsiteY1" fmla="*/ 0 h 276999"/>
+              <a:gd name="connsiteX2" fmla="*/ 2059940 w 2059940"/>
+              <a:gd name="connsiteY2" fmla="*/ 276999 h 276999"/>
+              <a:gd name="connsiteX3" fmla="*/ 0 w 2059940"/>
+              <a:gd name="connsiteY3" fmla="*/ 276999 h 276999"/>
+            </a:gdLst>
+            <a:ahLst/>
+            <a:cxnLst>
+              <a:cxn ang="0">
+                <a:pos x="connsiteX0" y="connsiteY0"/>
+              </a:cxn>
+              <a:cxn ang="0">
+                <a:pos x="connsiteX1" y="connsiteY1"/>
+              </a:cxn>
+              <a:cxn ang="0">
+                <a:pos x="connsiteX2" y="connsiteY2"/>
+              </a:cxn>
+              <a:cxn ang="0">
+                <a:pos x="connsiteX3" y="connsiteY3"/>
+              </a:cxn>
+            </a:cxnLst>
+            <a:rect l="l" t="t" r="r" b="b"/>
+            <a:pathLst>
+              <a:path w="2059940" h="276999">
+                <a:moveTo>
+                  <a:pt x="0" y="0"/>
+                </a:moveTo>
+                <a:lnTo>
+                  <a:pt x="2059940" y="0"/>
+                </a:lnTo>
+                <a:lnTo>
+                  <a:pt x="2059940" y="276999"/>
+                </a:lnTo>
+                <a:lnTo>
+                  <a:pt x="0" y="276999"/>
+                </a:lnTo>
+                <a:close/>
+              </a:path>
+            </a:pathLst>
+          </a:custGeom>
+        </p:spPr>
+        <p:txBody>
+          <a:bodyPr/>
+          <a:lstStyle/>
+          <a:p>
+            <a:r>
+              <a:rPr lang="en-US" altLang="zh-CN" dirty="0"/>
+              <a:t>Part five</a:t>
+            </a:r>
+            <a:endParaRPr lang="zh-CN" altLang="en-US" dirty="0"/>
+          </a:p>
+        </p:txBody>
+      </p:sp>
+      <p:sp>
+        <p:nvSpPr>
+          <p:cNvPr id="19" name="文本占位符 18"/>
+          <p:cNvSpPr>
+            <a:spLocks noGrp="1"/>
+          </p:cNvSpPr>
+          <p:nvPr>
+            <p:ph type="body" sz="quarter" idx="12"/>
+          </p:nvPr>
+        </p:nvSpPr>
+        <p:spPr>
+          <a:prstGeom prst="rect">
+            <a:avLst/>
+          </a:prstGeom>
+        </p:spPr>
+        <p:txBody>
+          <a:bodyPr/>
+          <a:lstStyle/>
+          <a:p>
+            <a:r>
+              <a:rPr lang="zh-CN" altLang="en-US" dirty="0"/>
+              <a:t>参考文献</a:t>
+            </a:r>
+          </a:p>
+        </p:txBody>
+      </p:sp>
+      <p:sp>
+        <p:nvSpPr>
+          <p:cNvPr id="14" name="椭圆 13"/>
+          <p:cNvSpPr/>
+          <p:nvPr/>
+        </p:nvSpPr>
+        <p:spPr>
+          <a:xfrm>
+            <a:off x="6611938" y="5459540"/>
+            <a:ext cx="100012" cy="100012"/>
+          </a:xfrm>
+          <a:prstGeom prst="ellipse">
+            <a:avLst/>
+          </a:prstGeom>
+          <a:solidFill>
+            <a:schemeClr val="accent1"/>
+          </a:solidFill>
+          <a:ln w="12700" cap="flat" cmpd="sng" algn="ctr">
+            <a:noFill/>
+            <a:prstDash val="solid"/>
+            <a:miter lim="800000"/>
+          </a:ln>
+          <a:effectLst/>
+          <a:extLst>
+            <a:ext uri="{91240B29-F687-4F45-9708-019B960494DF}">
+              <a14:hiddenLine xmlns:a14="http://schemas.microsoft.com/office/drawing/2010/main" w="0">
+                <a:solidFill>
+                  <a:schemeClr val="accent1">
+                    <a:shade val="50000"/>
+                  </a:schemeClr>
+                </a:solidFill>
+                <a:prstDash val="solid"/>
+                <a:miter lim="800000"/>
+                <a:headEnd/>
+                <a:tailEnd/>
+              </a14:hiddenLine>
+            </a:ext>
+          </a:extLst>
+        </p:spPr>
+        <p:style>
+          <a:lnRef idx="2">
+            <a:schemeClr val="accent1">
+              <a:shade val="50000"/>
+            </a:schemeClr>
+          </a:lnRef>
+          <a:fillRef idx="1">
+            <a:schemeClr val="accent1"/>
+          </a:fillRef>
+          <a:effectRef idx="0">
+            <a:schemeClr val="accent1"/>
+          </a:effectRef>
+          <a:fontRef idx="minor">
+            <a:schemeClr val="lt1"/>
+          </a:fontRef>
+        </p:style>
+        <p:txBody>
+          <a:bodyPr rtlCol="0" anchor="ctr"/>
+          <a:lstStyle/>
+          <a:p>
+            <a:pPr algn="ctr"/>
+            <a:endParaRPr lang="zh-CN" altLang="en-US"/>
+          </a:p>
+        </p:txBody>
+      </p:sp>
+      <p:sp>
+        <p:nvSpPr>
+          <p:cNvPr id="15" name="椭圆 14"/>
+          <p:cNvSpPr/>
+          <p:nvPr/>
+        </p:nvSpPr>
+        <p:spPr>
+          <a:xfrm>
+            <a:off x="5932885" y="5459540"/>
+            <a:ext cx="100012" cy="100012"/>
+          </a:xfrm>
+          <a:prstGeom prst="ellipse">
+            <a:avLst/>
+          </a:prstGeom>
+          <a:noFill/>
+          <a:ln w="12700" cap="flat" cmpd="sng" algn="ctr">
+            <a:solidFill>
+              <a:schemeClr val="accent1"/>
+            </a:solidFill>
+            <a:prstDash val="solid"/>
+            <a:miter lim="800000"/>
+          </a:ln>
+          <a:effectLst/>
+        </p:spPr>
+        <p:style>
+          <a:lnRef idx="2">
+            <a:schemeClr val="accent1">
+              <a:shade val="50000"/>
+            </a:schemeClr>
+          </a:lnRef>
+          <a:fillRef idx="1">
+            <a:schemeClr val="accent1"/>
+          </a:fillRef>
+          <a:effectRef idx="0">
+            <a:schemeClr val="accent1"/>
+          </a:effectRef>
+          <a:fontRef idx="minor">
+            <a:schemeClr val="lt1"/>
+          </a:fontRef>
+        </p:style>
+        <p:txBody>
+          <a:bodyPr rtlCol="0" anchor="ctr"/>
+          <a:lstStyle/>
+          <a:p>
+            <a:pPr algn="ctr"/>
+            <a:endParaRPr lang="zh-CN" altLang="en-US"/>
+          </a:p>
+        </p:txBody>
+      </p:sp>
+      <p:sp>
+        <p:nvSpPr>
+          <p:cNvPr id="18" name="椭圆 17"/>
+          <p:cNvSpPr/>
+          <p:nvPr/>
+        </p:nvSpPr>
+        <p:spPr>
+          <a:xfrm>
+            <a:off x="6159103" y="5459540"/>
+            <a:ext cx="100012" cy="100012"/>
+          </a:xfrm>
+          <a:prstGeom prst="ellipse">
+            <a:avLst/>
+          </a:prstGeom>
+          <a:noFill/>
+          <a:ln w="12700" cap="flat" cmpd="sng" algn="ctr">
+            <a:solidFill>
+              <a:schemeClr val="accent1"/>
+            </a:solidFill>
+            <a:prstDash val="solid"/>
+            <a:miter lim="800000"/>
+          </a:ln>
+          <a:effectLst/>
+        </p:spPr>
+        <p:style>
+          <a:lnRef idx="2">
+            <a:schemeClr val="accent1">
+              <a:shade val="50000"/>
+            </a:schemeClr>
+          </a:lnRef>
+          <a:fillRef idx="1">
+            <a:schemeClr val="accent1"/>
+          </a:fillRef>
+          <a:effectRef idx="0">
+            <a:schemeClr val="accent1"/>
+          </a:effectRef>
+          <a:fontRef idx="minor">
+            <a:schemeClr val="lt1"/>
+          </a:fontRef>
+        </p:style>
+        <p:txBody>
+          <a:bodyPr rtlCol="0" anchor="ctr"/>
+          <a:lstStyle/>
+          <a:p>
+            <a:pPr algn="ctr"/>
+            <a:endParaRPr lang="zh-CN" altLang="en-US"/>
+          </a:p>
+        </p:txBody>
+      </p:sp>
+      <p:sp>
+        <p:nvSpPr>
+          <p:cNvPr id="21" name="椭圆 20"/>
+          <p:cNvSpPr/>
+          <p:nvPr/>
+        </p:nvSpPr>
+        <p:spPr>
+          <a:xfrm>
+            <a:off x="6385321" y="5459540"/>
+            <a:ext cx="100012" cy="100012"/>
+          </a:xfrm>
+          <a:prstGeom prst="ellipse">
+            <a:avLst/>
+          </a:prstGeom>
+          <a:noFill/>
+          <a:ln w="12700" cap="flat" cmpd="sng" algn="ctr">
+            <a:solidFill>
+              <a:schemeClr val="accent1"/>
+            </a:solidFill>
+            <a:prstDash val="solid"/>
+            <a:miter lim="800000"/>
+          </a:ln>
+          <a:effectLst/>
+        </p:spPr>
+        <p:style>
+          <a:lnRef idx="2">
+            <a:schemeClr val="accent1">
+              <a:shade val="50000"/>
+            </a:schemeClr>
+          </a:lnRef>
+          <a:fillRef idx="1">
+            <a:schemeClr val="accent1"/>
+          </a:fillRef>
+          <a:effectRef idx="0">
+            <a:schemeClr val="accent1"/>
+          </a:effectRef>
+          <a:fontRef idx="minor">
+            <a:schemeClr val="lt1"/>
+          </a:fontRef>
+        </p:style>
+        <p:txBody>
+          <a:bodyPr rtlCol="0" anchor="ctr"/>
+          <a:lstStyle/>
+          <a:p>
+            <a:pPr algn="ctr"/>
+            <a:endParaRPr lang="zh-CN" altLang="en-US"/>
+          </a:p>
+        </p:txBody>
+      </p:sp>
+      <p:sp>
+        <p:nvSpPr>
+          <p:cNvPr id="9" name="椭圆 8">
+            <a:extLst>
+              <a:ext uri="{FF2B5EF4-FFF2-40B4-BE49-F238E27FC236}">
+                <a16:creationId xmlns:a16="http://schemas.microsoft.com/office/drawing/2014/main" id="{3A93BF8B-DF1D-4789-A8D7-4A0BC22B9D05}"/>
+              </a:ext>
+            </a:extLst>
+          </p:cNvPr>
+          <p:cNvSpPr/>
+          <p:nvPr/>
+        </p:nvSpPr>
+        <p:spPr>
+          <a:xfrm>
+            <a:off x="5699745" y="5459540"/>
+            <a:ext cx="100012" cy="100012"/>
+          </a:xfrm>
+          <a:prstGeom prst="ellipse">
+            <a:avLst/>
+          </a:prstGeom>
+          <a:noFill/>
+          <a:ln w="12700" cap="flat" cmpd="sng" algn="ctr">
+            <a:solidFill>
+              <a:schemeClr val="accent1"/>
+            </a:solidFill>
+            <a:prstDash val="solid"/>
+            <a:miter lim="800000"/>
+          </a:ln>
+          <a:effectLst/>
+        </p:spPr>
+        <p:style>
+          <a:lnRef idx="2">
+            <a:schemeClr val="accent1">
+              <a:shade val="50000"/>
+            </a:schemeClr>
+          </a:lnRef>
+          <a:fillRef idx="1">
+            <a:schemeClr val="accent1"/>
+          </a:fillRef>
+          <a:effectRef idx="0">
+            <a:schemeClr val="accent1"/>
+          </a:effectRef>
+          <a:fontRef idx="minor">
+            <a:schemeClr val="lt1"/>
+          </a:fontRef>
+        </p:style>
+        <p:txBody>
+          <a:bodyPr rtlCol="0" anchor="ctr"/>
+          <a:lstStyle/>
+          <a:p>
+            <a:pPr algn="ctr"/>
+            <a:endParaRPr lang="zh-CN" altLang="en-US"/>
+          </a:p>
+        </p:txBody>
+      </p:sp>
+      <p:pic>
+        <p:nvPicPr>
+          <p:cNvPr id="10" name="Picture 4">
+            <a:extLst>
+              <a:ext uri="{FF2B5EF4-FFF2-40B4-BE49-F238E27FC236}">
+                <a16:creationId xmlns:a16="http://schemas.microsoft.com/office/drawing/2014/main" id="{3A642458-1DE9-487E-A4F4-C8B7FADED3E2}"/>
+              </a:ext>
+            </a:extLst>
+          </p:cNvPr>
+          <p:cNvPicPr>
+            <a:picLocks noChangeAspect="1" noChangeArrowheads="1"/>
+          </p:cNvPicPr>
+          <p:nvPr/>
+        </p:nvPicPr>
+        <p:blipFill>
+          <a:blip r:embed="rId2" cstate="print">
+            <a:extLst>
+              <a:ext uri="{28A0092B-C50C-407E-A947-70E740481C1C}">
+                <a14:useLocalDpi xmlns:a14="http://schemas.microsoft.com/office/drawing/2010/main" val="0"/>
+              </a:ext>
+            </a:extLst>
+          </a:blip>
+          <a:srcRect/>
+          <a:stretch>
+            <a:fillRect/>
+          </a:stretch>
+        </p:blipFill>
+        <p:spPr bwMode="auto">
+          <a:xfrm>
+            <a:off x="10979381" y="5768236"/>
+            <a:ext cx="759333" cy="726869"/>
+          </a:xfrm>
+          <a:prstGeom prst="rect">
+            <a:avLst/>
+          </a:prstGeom>
+          <a:noFill/>
+          <a:ln>
+            <a:noFill/>
+          </a:ln>
+          <a:extLst>
+            <a:ext uri="{909E8E84-426E-40DD-AFC4-6F175D3DCCD1}">
+              <a14:hiddenFill xmlns:a14="http://schemas.microsoft.com/office/drawing/2010/main">
+                <a:solidFill>
+                  <a:srgbClr val="FFFFFF"/>
+                </a:solidFill>
+              </a14:hiddenFill>
+            </a:ext>
+            <a:ext uri="{91240B29-F687-4F45-9708-019B960494DF}">
+              <a14:hiddenLine xmlns:a14="http://schemas.microsoft.com/office/drawing/2010/main" w="9525">
+                <a:solidFill>
+                  <a:srgbClr val="000000"/>
+                </a:solidFill>
+                <a:miter lim="800000"/>
+                <a:headEnd/>
+                <a:tailEnd/>
+              </a14:hiddenLine>
+            </a:ext>
+          </a:extLst>
+        </p:spPr>
+      </p:pic>
+    </p:spTree>
+    <p:extLst>
+      <p:ext uri="{BB962C8B-B14F-4D97-AF65-F5344CB8AC3E}">
+        <p14:creationId xmlns:p14="http://schemas.microsoft.com/office/powerpoint/2010/main" val="3819688291"/>
+      </p:ext>
+    </p:extLst>
+  </p:cSld>
+  <p:clrMapOvr>
+    <a:masterClrMapping/>
+  </p:clrMapOvr>
+  <mc:AlternateContent xmlns:mc="http://schemas.openxmlformats.org/markup-compatibility/2006" xmlns:p14="http://schemas.microsoft.com/office/powerpoint/2010/main">
+    <mc:Choice Requires="p14">
+      <p:transition spd="med" p14:dur="700">
+        <p:fade/>
+      </p:transition>
+    </mc:Choice>
+    <mc:Fallback xmlns="">
+      <p:transition spd="med">
+        <p:fade/>
+      </p:transition>
+    </mc:Fallback>
+  </mc:AlternateContent>
+</p:sld>
+</file>
+
+<file path=ppt/slides/slide22.xml><?xml version="1.0" encoding="utf-8"?>
+<p:sld xmlns:a="http://schemas.openxmlformats.org/drawingml/2006/main" xmlns:r="http://schemas.openxmlformats.org/officeDocument/2006/relationships" xmlns:p="http://schemas.openxmlformats.org/presentationml/2006/main">
+  <p:cSld>
+    <p:spTree>
+      <p:nvGrpSpPr>
+        <p:cNvPr id="1" name=""/>
+        <p:cNvGrpSpPr/>
+        <p:nvPr/>
+      </p:nvGrpSpPr>
+      <p:grpSpPr>
+        <a:xfrm>
+          <a:off x="0" y="0"/>
+          <a:ext cx="0" cy="0"/>
+          <a:chOff x="0" y="0"/>
+          <a:chExt cx="0" cy="0"/>
+        </a:xfrm>
+      </p:grpSpPr>
+      <p:sp>
+        <p:nvSpPr>
+          <p:cNvPr id="4" name="标题 3"/>
+          <p:cNvSpPr>
+            <a:spLocks noGrp="1"/>
+          </p:cNvSpPr>
+          <p:nvPr>
+            <p:ph type="title"/>
+          </p:nvPr>
+        </p:nvSpPr>
+        <p:spPr>
+          <a:prstGeom prst="rect">
+            <a:avLst/>
+          </a:prstGeom>
+        </p:spPr>
+        <p:txBody>
+          <a:bodyPr>
+            <a:normAutofit/>
+          </a:bodyPr>
+          <a:lstStyle/>
+          <a:p>
+            <a:r>
               <a:rPr lang="zh-CN" altLang="en-US"/>
               <a:t>文献综述</a:t>
             </a:r>
@@ -9706,7 +11811,7 @@
 </p:sld>
 </file>
 
-<file path=ppt/slides/slide21.xml><?xml version="1.0" encoding="utf-8"?>
+<file path=ppt/slides/slide23.xml><?xml version="1.0" encoding="utf-8"?>
 <p:sld xmlns:a="http://schemas.openxmlformats.org/drawingml/2006/main" xmlns:r="http://schemas.openxmlformats.org/officeDocument/2006/relationships" xmlns:p="http://schemas.openxmlformats.org/presentationml/2006/main">
   <p:cSld>
     <p:spTree>
@@ -11017,10 +13122,10 @@
       </p:sp>
       <p:pic>
         <p:nvPicPr>
-          <p:cNvPr id="28" name="Picture 4">
+          <p:cNvPr id="39" name="Picture 4">
             <a:extLst>
               <a:ext uri="{FF2B5EF4-FFF2-40B4-BE49-F238E27FC236}">
-                <a16:creationId xmlns:a16="http://schemas.microsoft.com/office/drawing/2014/main" id="{4C6AF5F1-B683-4FE4-B30D-BDAE53010CBC}"/>
+                <a16:creationId xmlns:a16="http://schemas.microsoft.com/office/drawing/2014/main" id="{DE3B5CC2-AC5C-4E66-A2A9-A043DA896552}"/>
               </a:ext>
             </a:extLst>
           </p:cNvPr>
@@ -11044,7 +13149,7 @@
         </p:blipFill>
         <p:spPr bwMode="auto">
           <a:xfrm>
-            <a:off x="11080234" y="5680829"/>
+            <a:off x="11019722" y="5734618"/>
             <a:ext cx="759333" cy="726869"/>
           </a:xfrm>
           <a:prstGeom prst="rect">
@@ -11077,10 +13182,10 @@
       </p:pic>
       <p:sp>
         <p:nvSpPr>
-          <p:cNvPr id="9" name="文本框 8">
+          <p:cNvPr id="2" name="文本框 1">
             <a:extLst>
               <a:ext uri="{FF2B5EF4-FFF2-40B4-BE49-F238E27FC236}">
-                <a16:creationId xmlns:a16="http://schemas.microsoft.com/office/drawing/2014/main" id="{9E2241F8-D026-4758-A223-D095D2C56401}"/>
+                <a16:creationId xmlns:a16="http://schemas.microsoft.com/office/drawing/2014/main" id="{66B8697B-2526-49A9-9C1B-06F0F5E8A657}"/>
               </a:ext>
             </a:extLst>
           </p:cNvPr>
@@ -11089,8 +13194,8 @@
         </p:nvSpPr>
         <p:spPr>
           <a:xfrm>
-            <a:off x="2592198" y="1879134"/>
-            <a:ext cx="6549705" cy="1938992"/>
+            <a:off x="7588526" y="2192083"/>
+            <a:ext cx="3279913" cy="1938992"/>
           </a:xfrm>
           <a:prstGeom prst="rect">
             <a:avLst/>
@@ -11098,18 +13203,56 @@
           <a:noFill/>
         </p:spPr>
         <p:txBody>
-          <a:bodyPr wrap="square">
+          <a:bodyPr wrap="square" rtlCol="0">
             <a:spAutoFit/>
           </a:bodyPr>
           <a:lstStyle/>
           <a:p>
             <a:r>
-              <a:rPr lang="zh-CN" altLang="en-US" sz="4000" dirty="0"/>
-              <a:t>这里放不同方案的数据流程图，只要修改相应的小部分就好，做个样子</a:t>
+              <a:rPr lang="zh-CN" altLang="en-US" sz="2400" dirty="0"/>
+              <a:t>以静态</a:t>
+            </a:r>
+            <a:r>
+              <a:rPr lang="en-US" altLang="zh-CN" sz="2400" dirty="0"/>
+              <a:t>pdf</a:t>
+            </a:r>
+            <a:r>
+              <a:rPr lang="zh-CN" altLang="en-US" sz="2400" dirty="0"/>
+              <a:t>的形式展现试卷，教师用户只需要本地上传到服务器，学生用户就可以实现往年试卷的访问</a:t>
             </a:r>
           </a:p>
         </p:txBody>
       </p:sp>
+      <p:pic>
+        <p:nvPicPr>
+          <p:cNvPr id="5" name="图片 4">
+            <a:extLst>
+              <a:ext uri="{FF2B5EF4-FFF2-40B4-BE49-F238E27FC236}">
+                <a16:creationId xmlns:a16="http://schemas.microsoft.com/office/drawing/2014/main" id="{D26136B6-92CF-4AC2-A699-D0669C159973}"/>
+              </a:ext>
+            </a:extLst>
+          </p:cNvPr>
+          <p:cNvPicPr>
+            <a:picLocks noChangeAspect="1"/>
+          </p:cNvPicPr>
+          <p:nvPr/>
+        </p:nvPicPr>
+        <p:blipFill>
+          <a:blip r:embed="rId3"/>
+          <a:stretch>
+            <a:fillRect/>
+          </a:stretch>
+        </p:blipFill>
+        <p:spPr>
+          <a:xfrm>
+            <a:off x="666870" y="2057400"/>
+            <a:ext cx="6921656" cy="3801717"/>
+          </a:xfrm>
+          <a:prstGeom prst="rect">
+            <a:avLst/>
+          </a:prstGeom>
+        </p:spPr>
+      </p:pic>
     </p:spTree>
   </p:cSld>
   <p:clrMapOvr>
@@ -11249,8 +13392,8 @@
         </p:nvSpPr>
         <p:spPr>
           <a:xfrm>
-            <a:off x="1333144" y="2351782"/>
-            <a:ext cx="7299115" cy="2123658"/>
+            <a:off x="8289235" y="2023117"/>
+            <a:ext cx="3279913" cy="3046988"/>
           </a:xfrm>
           <a:prstGeom prst="rect">
             <a:avLst/>
@@ -11263,14 +13406,79 @@
           </a:bodyPr>
           <a:lstStyle/>
           <a:p>
+            <a:pPr marL="0" marR="0" lvl="0" indent="0" algn="l" defTabSz="914400" rtl="0" eaLnBrk="1" fontAlgn="auto" latinLnBrk="0" hangingPunct="1">
+              <a:lnSpc>
+                <a:spcPct val="100000"/>
+              </a:lnSpc>
+              <a:spcBef>
+                <a:spcPts val="0"/>
+              </a:spcBef>
+              <a:spcAft>
+                <a:spcPts val="0"/>
+              </a:spcAft>
+              <a:buClrTx/>
+              <a:buSzTx/>
+              <a:buFontTx/>
+              <a:buNone/>
+              <a:tabLst/>
+              <a:defRPr/>
+            </a:pPr>
             <a:r>
-              <a:rPr lang="zh-CN" altLang="en-US" sz="4400" dirty="0"/>
-              <a:t>这里放不同方案的数据流程图，只要修改相应的小部分就好，做个样子</a:t>
+              <a:rPr kumimoji="0" lang="zh-CN" altLang="en-US" sz="2400" b="0" i="0" u="none" strike="noStrike" kern="1200" cap="none" spc="0" normalizeH="0" baseline="0" noProof="0" dirty="0">
+                <a:ln>
+                  <a:noFill/>
+                </a:ln>
+                <a:solidFill>
+                  <a:srgbClr val="000000"/>
+                </a:solidFill>
+                <a:effectLst/>
+                <a:uLnTx/>
+                <a:uFillTx/>
+                <a:latin typeface="Arial Black"/>
+                <a:ea typeface="华文细黑"/>
+                <a:cs typeface="+mn-cs"/>
+              </a:rPr>
+              <a:t>根据学生在线刷题情况智能分析，根据题目标签从题库已有题目中挑选出类似标签，生成动态试卷。由于涉及一些人工智能和数据分析的算法，我们小组感觉难以实现</a:t>
             </a:r>
           </a:p>
         </p:txBody>
       </p:sp>
+      <p:pic>
+        <p:nvPicPr>
+          <p:cNvPr id="6" name="图片 5">
+            <a:extLst>
+              <a:ext uri="{FF2B5EF4-FFF2-40B4-BE49-F238E27FC236}">
+                <a16:creationId xmlns:a16="http://schemas.microsoft.com/office/drawing/2014/main" id="{61A85023-7097-49BF-B197-782D183F4F25}"/>
+              </a:ext>
+            </a:extLst>
+          </p:cNvPr>
+          <p:cNvPicPr>
+            <a:picLocks noChangeAspect="1"/>
+          </p:cNvPicPr>
+          <p:nvPr/>
+        </p:nvPicPr>
+        <p:blipFill>
+          <a:blip r:embed="rId3"/>
+          <a:stretch>
+            <a:fillRect/>
+          </a:stretch>
+        </p:blipFill>
+        <p:spPr>
+          <a:xfrm>
+            <a:off x="412945" y="1823830"/>
+            <a:ext cx="7434455" cy="4057710"/>
+          </a:xfrm>
+          <a:prstGeom prst="rect">
+            <a:avLst/>
+          </a:prstGeom>
+        </p:spPr>
+      </p:pic>
     </p:spTree>
+    <p:extLst>
+      <p:ext uri="{BB962C8B-B14F-4D97-AF65-F5344CB8AC3E}">
+        <p14:creationId xmlns:p14="http://schemas.microsoft.com/office/powerpoint/2010/main" val="3837506315"/>
+      </p:ext>
+    </p:extLst>
   </p:cSld>
   <p:clrMapOvr>
     <a:masterClrMapping/>
@@ -12668,14 +14876,14 @@
           <p:nvPr>
             <p:extLst>
               <p:ext uri="{D42A27DB-BD31-4B8C-83A1-F6EECF244321}">
-                <p14:modId xmlns:p14="http://schemas.microsoft.com/office/powerpoint/2010/main" val="1707208656"/>
+                <p14:modId xmlns:p14="http://schemas.microsoft.com/office/powerpoint/2010/main" val="3654281169"/>
               </p:ext>
             </p:extLst>
           </p:nvPr>
         </p:nvGraphicFramePr>
         <p:xfrm>
-          <a:off x="6180371" y="687897"/>
-          <a:ext cx="5396438" cy="5251676"/>
+          <a:off x="6180370" y="687897"/>
+          <a:ext cx="3809663" cy="4448436"/>
         </p:xfrm>
         <a:graphic>
           <a:graphicData uri="http://schemas.openxmlformats.org/drawingml/2006/table">
@@ -12684,29 +14892,22 @@
                 <a:tableStyleId>{5C22544A-7EE6-4342-B048-85BDC9FD1C3A}</a:tableStyleId>
               </a:tblPr>
               <a:tblGrid>
-                <a:gridCol w="1059328">
+                <a:gridCol w="1102996">
                   <a:extLst>
                     <a:ext uri="{9D8B030D-6E8A-4147-A177-3AD203B41FA5}">
                       <a16:colId xmlns:a16="http://schemas.microsoft.com/office/drawing/2014/main" val="1120798314"/>
                     </a:ext>
                   </a:extLst>
                 </a:gridCol>
-                <a:gridCol w="2599508">
+                <a:gridCol w="2706667">
                   <a:extLst>
                     <a:ext uri="{9D8B030D-6E8A-4147-A177-3AD203B41FA5}">
                       <a16:colId xmlns:a16="http://schemas.microsoft.com/office/drawing/2014/main" val="2600006446"/>
                     </a:ext>
                   </a:extLst>
                 </a:gridCol>
-                <a:gridCol w="1737602">
-                  <a:extLst>
-                    <a:ext uri="{9D8B030D-6E8A-4147-A177-3AD203B41FA5}">
-                      <a16:colId xmlns:a16="http://schemas.microsoft.com/office/drawing/2014/main" val="953848802"/>
-                    </a:ext>
-                  </a:extLst>
-                </a:gridCol>
               </a:tblGrid>
-              <a:tr h="452863">
+              <a:tr h="378413">
                 <a:tc>
                   <a:txBody>
                     <a:bodyPr/>
@@ -12730,19 +14931,6 @@
                       <a:r>
                         <a:rPr lang="zh-CN" altLang="en-US" dirty="0"/>
                         <a:t>模块</a:t>
-                      </a:r>
-                    </a:p>
-                  </a:txBody>
-                  <a:tcPr/>
-                </a:tc>
-                <a:tc>
-                  <a:txBody>
-                    <a:bodyPr/>
-                    <a:lstStyle/>
-                    <a:p>
-                      <a:r>
-                        <a:rPr lang="zh-CN" altLang="en-US" dirty="0"/>
-                        <a:t>说明</a:t>
                       </a:r>
                     </a:p>
                   </a:txBody>
@@ -12754,7 +14942,7 @@
                   </a:ext>
                 </a:extLst>
               </a:tr>
-              <a:tr h="445054">
+              <a:tr h="371888">
                 <a:tc rowSpan="2">
                   <a:txBody>
                     <a:bodyPr/>
@@ -12778,16 +14966,6 @@
                         <a:rPr lang="zh-CN" altLang="en-US" dirty="0"/>
                         <a:t>学生端</a:t>
                       </a:r>
-                    </a:p>
-                  </a:txBody>
-                  <a:tcPr/>
-                </a:tc>
-                <a:tc rowSpan="2">
-                  <a:txBody>
-                    <a:bodyPr/>
-                    <a:lstStyle/>
-                    <a:p>
-                      <a:endParaRPr lang="zh-CN" altLang="en-US" dirty="0"/>
                     </a:p>
                   </a:txBody>
                   <a:tcPr/>
@@ -12798,7 +14976,7 @@
                   </a:ext>
                 </a:extLst>
               </a:tr>
-              <a:tr h="340428">
+              <a:tr h="305629">
                 <a:tc vMerge="1">
                   <a:txBody>
                     <a:bodyPr/>
@@ -12818,16 +14996,6 @@
                         <a:rPr lang="zh-CN" altLang="en-US" dirty="0"/>
                         <a:t>管理员端</a:t>
                       </a:r>
-                    </a:p>
-                  </a:txBody>
-                  <a:tcPr/>
-                </a:tc>
-                <a:tc vMerge="1">
-                  <a:txBody>
-                    <a:bodyPr/>
-                    <a:lstStyle/>
-                    <a:p>
-                      <a:endParaRPr lang="zh-CN" altLang="en-US"/>
                     </a:p>
                   </a:txBody>
                   <a:tcPr/>
@@ -12838,7 +15006,7 @@
                   </a:ext>
                 </a:extLst>
               </a:tr>
-              <a:tr h="658073">
+              <a:tr h="549886">
                 <a:tc rowSpan="4">
                   <a:txBody>
                     <a:bodyPr/>
@@ -12862,16 +15030,6 @@
                         <a:rPr lang="zh-CN" altLang="en-US" dirty="0"/>
                         <a:t>消息模块</a:t>
                       </a:r>
-                    </a:p>
-                  </a:txBody>
-                  <a:tcPr/>
-                </a:tc>
-                <a:tc rowSpan="4">
-                  <a:txBody>
-                    <a:bodyPr/>
-                    <a:lstStyle/>
-                    <a:p>
-                      <a:endParaRPr lang="zh-CN" altLang="en-US" dirty="0"/>
                     </a:p>
                   </a:txBody>
                   <a:tcPr/>
@@ -12882,7 +15040,7 @@
                   </a:ext>
                 </a:extLst>
               </a:tr>
-              <a:tr h="658073">
+              <a:tr h="549886">
                 <a:tc vMerge="1">
                   <a:txBody>
                     <a:bodyPr/>
@@ -12902,16 +15060,6 @@
                         <a:rPr lang="zh-CN" altLang="en-US" dirty="0"/>
                         <a:t>试题模块</a:t>
                       </a:r>
-                    </a:p>
-                  </a:txBody>
-                  <a:tcPr/>
-                </a:tc>
-                <a:tc vMerge="1">
-                  <a:txBody>
-                    <a:bodyPr/>
-                    <a:lstStyle/>
-                    <a:p>
-                      <a:endParaRPr lang="zh-CN" altLang="en-US"/>
                     </a:p>
                   </a:txBody>
                   <a:tcPr/>
@@ -12922,7 +15070,7 @@
                   </a:ext>
                 </a:extLst>
               </a:tr>
-              <a:tr h="724859">
+              <a:tr h="605693">
                 <a:tc vMerge="1">
                   <a:txBody>
                     <a:bodyPr/>
@@ -12942,16 +15090,6 @@
                         <a:rPr lang="zh-CN" altLang="en-US" dirty="0"/>
                         <a:t>试卷模块</a:t>
                       </a:r>
-                    </a:p>
-                  </a:txBody>
-                  <a:tcPr/>
-                </a:tc>
-                <a:tc vMerge="1">
-                  <a:txBody>
-                    <a:bodyPr/>
-                    <a:lstStyle/>
-                    <a:p>
-                      <a:endParaRPr lang="zh-CN" altLang="en-US"/>
                     </a:p>
                   </a:txBody>
                   <a:tcPr/>
@@ -12962,7 +15100,7 @@
                   </a:ext>
                 </a:extLst>
               </a:tr>
-              <a:tr h="724859">
+              <a:tr h="605693">
                 <a:tc vMerge="1">
                   <a:txBody>
                     <a:bodyPr/>
@@ -12983,16 +15121,6 @@
                         <a:rPr lang="zh-CN" altLang="en-US" dirty="0"/>
                         <a:t>科目模块</a:t>
                       </a:r>
-                    </a:p>
-                  </a:txBody>
-                  <a:tcPr/>
-                </a:tc>
-                <a:tc vMerge="1">
-                  <a:txBody>
-                    <a:bodyPr/>
-                    <a:lstStyle/>
-                    <a:p>
-                      <a:endParaRPr lang="zh-CN" altLang="en-US" dirty="0"/>
                     </a:p>
                   </a:txBody>
                   <a:tcPr/>
@@ -13003,7 +15131,7 @@
                   </a:ext>
                 </a:extLst>
               </a:tr>
-              <a:tr h="1222135">
+              <a:tr h="1021217">
                 <a:tc>
                   <a:txBody>
                     <a:bodyPr/>
@@ -13027,16 +15155,6 @@
                         <a:rPr lang="en-US" altLang="zh-CN" dirty="0" err="1"/>
                         <a:t>mysql</a:t>
                       </a:r>
-                      <a:endParaRPr lang="zh-CN" altLang="en-US" dirty="0"/>
-                    </a:p>
-                  </a:txBody>
-                  <a:tcPr/>
-                </a:tc>
-                <a:tc>
-                  <a:txBody>
-                    <a:bodyPr/>
-                    <a:lstStyle/>
-                    <a:p>
                       <a:endParaRPr lang="zh-CN" altLang="en-US" dirty="0"/>
                     </a:p>
                   </a:txBody>
